--- a/Curso Web API Parte 1.pptx
+++ b/Curso Web API Parte 1.pptx
@@ -5,10 +5,10 @@
     <p:sldMasterId id="2147483660" r:id="rId1"/>
   </p:sldMasterIdLst>
   <p:notesMasterIdLst>
-    <p:notesMasterId r:id="rId21"/>
+    <p:notesMasterId r:id="rId20"/>
   </p:notesMasterIdLst>
   <p:handoutMasterIdLst>
-    <p:handoutMasterId r:id="rId22"/>
+    <p:handoutMasterId r:id="rId21"/>
   </p:handoutMasterIdLst>
   <p:sldIdLst>
     <p:sldId id="256" r:id="rId2"/>
@@ -20,16 +20,15 @@
     <p:sldId id="289" r:id="rId8"/>
     <p:sldId id="290" r:id="rId9"/>
     <p:sldId id="287" r:id="rId10"/>
-    <p:sldId id="283" r:id="rId11"/>
-    <p:sldId id="284" r:id="rId12"/>
-    <p:sldId id="286" r:id="rId13"/>
-    <p:sldId id="285" r:id="rId14"/>
-    <p:sldId id="296" r:id="rId15"/>
-    <p:sldId id="295" r:id="rId16"/>
-    <p:sldId id="291" r:id="rId17"/>
-    <p:sldId id="292" r:id="rId18"/>
-    <p:sldId id="297" r:id="rId19"/>
-    <p:sldId id="282" r:id="rId20"/>
+    <p:sldId id="284" r:id="rId11"/>
+    <p:sldId id="286" r:id="rId12"/>
+    <p:sldId id="285" r:id="rId13"/>
+    <p:sldId id="296" r:id="rId14"/>
+    <p:sldId id="295" r:id="rId15"/>
+    <p:sldId id="291" r:id="rId16"/>
+    <p:sldId id="292" r:id="rId17"/>
+    <p:sldId id="297" r:id="rId18"/>
+    <p:sldId id="282" r:id="rId19"/>
   </p:sldIdLst>
   <p:sldSz cx="12192000" cy="6858000"/>
   <p:notesSz cx="6858000" cy="9144000"/>
@@ -146,7 +145,6 @@
             <p14:sldId id="289"/>
             <p14:sldId id="290"/>
             <p14:sldId id="287"/>
-            <p14:sldId id="283"/>
             <p14:sldId id="284"/>
             <p14:sldId id="286"/>
             <p14:sldId id="285"/>
@@ -188,7 +186,112 @@
 <file path=ppt/commentAuthors.xml><?xml version="1.0" encoding="utf-8"?>
 <p:cmAuthorLst xmlns:a="http://schemas.openxmlformats.org/drawingml/2006/main" xmlns:r="http://schemas.openxmlformats.org/officeDocument/2006/relationships" xmlns:p="http://schemas.openxmlformats.org/presentationml/2006/main">
   <p:cmAuthor id="2" name="Author" initials="A" lastIdx="0" clrIdx="1"/>
+  <p:cmAuthor id="3" name="Luã Govinda Mendes Souza - LSU" initials="LGMS-L" lastIdx="7" clrIdx="2">
+    <p:extLst>
+      <p:ext uri="{19B8F6BF-5375-455C-9EA6-DF929625EA0E}">
+        <p15:presenceInfo xmlns:p15="http://schemas.microsoft.com/office/powerpoint/2012/main" userId="S-1-5-21-3132565900-2268964130-1362598455-25812" providerId="AD"/>
+      </p:ext>
+    </p:extLst>
+  </p:cmAuthor>
 </p:cmAuthorLst>
+</file>
+
+<file path=ppt/comments/comment1.xml><?xml version="1.0" encoding="utf-8"?>
+<p:cmLst xmlns:a="http://schemas.openxmlformats.org/drawingml/2006/main" xmlns:r="http://schemas.openxmlformats.org/officeDocument/2006/relationships" xmlns:p="http://schemas.openxmlformats.org/presentationml/2006/main">
+  <p:cm authorId="3" dt="2018-01-05T10:56:48.581" idx="1">
+    <p:pos x="10" y="10"/>
+    <p:text>* Criar o projeto.
+* Apagar arquivos desnecessários.
+* Testando com SOAP UI
+* Implantando o Swagger http://netcoders.com.br/swagger-documente-seu-asp-net-web-api-rest/
+* Criando o CustomersController
+* Criar classe OrderInfo
+* Criar metodo GetOrderByCustomers
+* Correção de herança da controller
+* Implementando uma rota customizada.</p:text>
+    <p:extLst>
+      <p:ext uri="{C676402C-5697-4E1C-873F-D02D1690AC5C}">
+        <p15:threadingInfo xmlns:p15="http://schemas.microsoft.com/office/powerpoint/2012/main" timeZoneBias="120"/>
+      </p:ext>
+    </p:extLst>
+  </p:cm>
+</p:cmLst>
+</file>
+
+<file path=ppt/comments/comment2.xml><?xml version="1.0" encoding="utf-8"?>
+<p:cmLst xmlns:a="http://schemas.openxmlformats.org/drawingml/2006/main" xmlns:r="http://schemas.openxmlformats.org/officeDocument/2006/relationships" xmlns:p="http://schemas.openxmlformats.org/presentationml/2006/main">
+  <p:cm authorId="3" dt="2018-01-05T11:54:35.517" idx="2">
+    <p:pos x="10" y="10"/>
+    <p:text>Isso tem pelo menos dois significados práticos:
+ O servidor não precisa manter registro de quem é o cliente que está acessando, nem em que estado ele está: o próprio cliente sabe que as únicas transições possíveis são aquelas para as quais existe um link disponível;
+ O cliente não precisa implementar nenhuma lógica customizada para descobrir quais ações são possíveis baseadas no estado atual do recurso (ex.: verificar se o saldo é ou não positivo, e com base nisso determinar se os links para retirar ou transferir devem ou não ser exibidos/habilitados). Os próprios links já dizem - pela sua presença ou ausência - o que pode ou não ser feito.
+Quanto à sua alegação de que "o client não vai decidir por si só quais chamadas fazer baseado nesses links", de fato, não vai, pelo menos não sem que alguma ação seja feita por parte do usuário. Mas não é essa a única razão pela qual o servidor se comunicou com o cliente, para permitir que o usuário fizesse alguma coisa? Se a próxima chamada já pudesse ser determinada segundo alguma lógica automatizada, não precisava do controle vir pro cliente e ele fazer uma nova requisição depois disso, bastaria o próprio servidor decidir e fazer isso lá mesmo...</p:text>
+    <p:extLst>
+      <p:ext uri="{C676402C-5697-4E1C-873F-D02D1690AC5C}">
+        <p15:threadingInfo xmlns:p15="http://schemas.microsoft.com/office/powerpoint/2012/main" timeZoneBias="120"/>
+      </p:ext>
+    </p:extLst>
+  </p:cm>
+</p:cmLst>
+</file>
+
+<file path=ppt/comments/comment3.xml><?xml version="1.0" encoding="utf-8"?>
+<p:cmLst xmlns:a="http://schemas.openxmlformats.org/drawingml/2006/main" xmlns:r="http://schemas.openxmlformats.org/officeDocument/2006/relationships" xmlns:p="http://schemas.openxmlformats.org/presentationml/2006/main">
+  <p:cm authorId="3" dt="2018-01-05T11:56:01.325" idx="3">
+    <p:pos x="10" y="10"/>
+    <p:text>* Criação de projeto CursoWebApi.Antifraude.
+* Criação de classe AntifraudeSimilit
+* Criação de controller AntifraudeController.
+* Criação de metodos GET, POS e PUT .
+* Testar pelo swagger os novos metodos.
+* Criação de AntifraudeFE
+* Substituir a classe AntifraudeSimilit pelo AntifraudeFE
+* Criar interface IAntifraude
+* Implementar a interface para as classes.
+* Criar um construtor para o controller que recebe a interface IAntifraude.
+* Alterar metodos usando a propedade Antifraude.
+* Testar e mostrar o erro que não foi criada uma instancia para IAntifraude.
+## Instalação de Unity
+* Rodar o comando install-package Unity
+* Ir na classe WebApiConfig e criar o metodo ConfigureContainer.
+* Setar o config.DependencyResolver para uma nova instancia de DependencyResolver passando o container.
+* Testar a aplicação.</p:text>
+    <p:extLst>
+      <p:ext uri="{C676402C-5697-4E1C-873F-D02D1690AC5C}">
+        <p15:threadingInfo xmlns:p15="http://schemas.microsoft.com/office/powerpoint/2012/main" timeZoneBias="120"/>
+      </p:ext>
+    </p:extLst>
+  </p:cm>
+</p:cmLst>
+</file>
+
+<file path=ppt/comments/comment4.xml><?xml version="1.0" encoding="utf-8"?>
+<p:cmLst xmlns:a="http://schemas.openxmlformats.org/drawingml/2006/main" xmlns:r="http://schemas.openxmlformats.org/officeDocument/2006/relationships" xmlns:p="http://schemas.openxmlformats.org/presentationml/2006/main">
+  <p:cm authorId="3" dt="2018-01-05T12:38:54.759" idx="5">
+    <p:pos x="414" y="1206"/>
+    <p:text>* frizar, desnecessárias pois não é proibido usar a palavra new por exemplo para criar uma instancia de StringBuilder.</p:text>
+    <p:extLst>
+      <p:ext uri="{C676402C-5697-4E1C-873F-D02D1690AC5C}">
+        <p15:threadingInfo xmlns:p15="http://schemas.microsoft.com/office/powerpoint/2012/main" timeZoneBias="120"/>
+      </p:ext>
+    </p:extLst>
+  </p:cm>
+</p:cmLst>
+</file>
+
+<file path=ppt/comments/comment5.xml><?xml version="1.0" encoding="utf-8"?>
+<p:cmLst xmlns:a="http://schemas.openxmlformats.org/drawingml/2006/main" xmlns:r="http://schemas.openxmlformats.org/officeDocument/2006/relationships" xmlns:p="http://schemas.openxmlformats.org/presentationml/2006/main">
+  <p:cm authorId="3" dt="2018-01-05T12:40:39.327" idx="6">
+    <p:pos x="10" y="10"/>
+    <p:text>* Teste de unidade, visa testar a menor unidade do código.
+Instalar os pacotes MSTest.TestAdapter e MSTest.TestFramework e apagar a referencia antiga.</p:text>
+    <p:extLst>
+      <p:ext uri="{C676402C-5697-4E1C-873F-D02D1690AC5C}">
+        <p15:threadingInfo xmlns:p15="http://schemas.microsoft.com/office/powerpoint/2012/main" timeZoneBias="120"/>
+      </p:ext>
+    </p:extLst>
+  </p:cm>
+</p:cmLst>
 </file>
 
 <file path=ppt/diagrams/colors1.xml><?xml version="1.0" encoding="utf-8"?>
@@ -1686,6 +1789,1620 @@
 </file>
 
 <file path=ppt/diagrams/colors3.xml><?xml version="1.0" encoding="utf-8"?>
+<dgm:colorsDef xmlns:dgm="http://schemas.openxmlformats.org/drawingml/2006/diagram" xmlns:a="http://schemas.openxmlformats.org/drawingml/2006/main" uniqueId="urn:microsoft.com/office/officeart/2005/8/colors/accent2_1">
+  <dgm:title val=""/>
+  <dgm:desc val=""/>
+  <dgm:catLst>
+    <dgm:cat type="accent2" pri="11100"/>
+  </dgm:catLst>
+  <dgm:styleLbl name="node0">
+    <dgm:fillClrLst meth="repeat">
+      <a:schemeClr val="lt1"/>
+    </dgm:fillClrLst>
+    <dgm:linClrLst meth="repeat">
+      <a:schemeClr val="accent2">
+        <a:shade val="80000"/>
+      </a:schemeClr>
+    </dgm:linClrLst>
+    <dgm:effectClrLst/>
+    <dgm:txLinClrLst/>
+    <dgm:txFillClrLst meth="repeat">
+      <a:schemeClr val="dk1"/>
+    </dgm:txFillClrLst>
+    <dgm:txEffectClrLst/>
+  </dgm:styleLbl>
+  <dgm:styleLbl name="node1">
+    <dgm:fillClrLst meth="repeat">
+      <a:schemeClr val="lt1"/>
+    </dgm:fillClrLst>
+    <dgm:linClrLst meth="repeat">
+      <a:schemeClr val="accent2">
+        <a:shade val="80000"/>
+      </a:schemeClr>
+    </dgm:linClrLst>
+    <dgm:effectClrLst/>
+    <dgm:txLinClrLst/>
+    <dgm:txFillClrLst meth="repeat">
+      <a:schemeClr val="dk1"/>
+    </dgm:txFillClrLst>
+    <dgm:txEffectClrLst/>
+  </dgm:styleLbl>
+  <dgm:styleLbl name="alignNode1">
+    <dgm:fillClrLst meth="repeat">
+      <a:schemeClr val="lt1"/>
+    </dgm:fillClrLst>
+    <dgm:linClrLst meth="repeat">
+      <a:schemeClr val="accent2">
+        <a:shade val="80000"/>
+      </a:schemeClr>
+    </dgm:linClrLst>
+    <dgm:effectClrLst/>
+    <dgm:txLinClrLst/>
+    <dgm:txFillClrLst meth="repeat">
+      <a:schemeClr val="dk1"/>
+    </dgm:txFillClrLst>
+    <dgm:txEffectClrLst/>
+  </dgm:styleLbl>
+  <dgm:styleLbl name="lnNode1">
+    <dgm:fillClrLst meth="repeat">
+      <a:schemeClr val="lt1"/>
+    </dgm:fillClrLst>
+    <dgm:linClrLst meth="repeat">
+      <a:schemeClr val="accent2">
+        <a:shade val="80000"/>
+      </a:schemeClr>
+    </dgm:linClrLst>
+    <dgm:effectClrLst/>
+    <dgm:txLinClrLst/>
+    <dgm:txFillClrLst meth="repeat">
+      <a:schemeClr val="dk1"/>
+    </dgm:txFillClrLst>
+    <dgm:txEffectClrLst/>
+  </dgm:styleLbl>
+  <dgm:styleLbl name="vennNode1">
+    <dgm:fillClrLst meth="repeat">
+      <a:schemeClr val="lt1">
+        <a:alpha val="50000"/>
+      </a:schemeClr>
+    </dgm:fillClrLst>
+    <dgm:linClrLst meth="repeat">
+      <a:schemeClr val="accent2">
+        <a:shade val="80000"/>
+      </a:schemeClr>
+    </dgm:linClrLst>
+    <dgm:effectClrLst/>
+    <dgm:txLinClrLst/>
+    <dgm:txFillClrLst/>
+    <dgm:txEffectClrLst/>
+  </dgm:styleLbl>
+  <dgm:styleLbl name="node2">
+    <dgm:fillClrLst meth="repeat">
+      <a:schemeClr val="lt1"/>
+    </dgm:fillClrLst>
+    <dgm:linClrLst meth="repeat">
+      <a:schemeClr val="accent2">
+        <a:shade val="80000"/>
+      </a:schemeClr>
+    </dgm:linClrLst>
+    <dgm:effectClrLst/>
+    <dgm:txLinClrLst/>
+    <dgm:txFillClrLst meth="repeat">
+      <a:schemeClr val="dk1"/>
+    </dgm:txFillClrLst>
+    <dgm:txEffectClrLst/>
+  </dgm:styleLbl>
+  <dgm:styleLbl name="node3">
+    <dgm:fillClrLst meth="repeat">
+      <a:schemeClr val="lt1"/>
+    </dgm:fillClrLst>
+    <dgm:linClrLst meth="repeat">
+      <a:schemeClr val="accent2">
+        <a:shade val="80000"/>
+      </a:schemeClr>
+    </dgm:linClrLst>
+    <dgm:effectClrLst/>
+    <dgm:txLinClrLst/>
+    <dgm:txFillClrLst meth="repeat">
+      <a:schemeClr val="dk1"/>
+    </dgm:txFillClrLst>
+    <dgm:txEffectClrLst/>
+  </dgm:styleLbl>
+  <dgm:styleLbl name="node4">
+    <dgm:fillClrLst meth="repeat">
+      <a:schemeClr val="lt1"/>
+    </dgm:fillClrLst>
+    <dgm:linClrLst meth="repeat">
+      <a:schemeClr val="accent2">
+        <a:shade val="80000"/>
+      </a:schemeClr>
+    </dgm:linClrLst>
+    <dgm:effectClrLst/>
+    <dgm:txLinClrLst/>
+    <dgm:txFillClrLst meth="repeat">
+      <a:schemeClr val="dk1"/>
+    </dgm:txFillClrLst>
+    <dgm:txEffectClrLst/>
+  </dgm:styleLbl>
+  <dgm:styleLbl name="fgImgPlace1">
+    <dgm:fillClrLst meth="repeat">
+      <a:schemeClr val="accent2">
+        <a:tint val="40000"/>
+      </a:schemeClr>
+    </dgm:fillClrLst>
+    <dgm:linClrLst meth="repeat">
+      <a:schemeClr val="accent2">
+        <a:shade val="80000"/>
+      </a:schemeClr>
+    </dgm:linClrLst>
+    <dgm:effectClrLst/>
+    <dgm:txLinClrLst/>
+    <dgm:txFillClrLst meth="repeat">
+      <a:schemeClr val="lt1"/>
+    </dgm:txFillClrLst>
+    <dgm:txEffectClrLst/>
+  </dgm:styleLbl>
+  <dgm:styleLbl name="alignImgPlace1">
+    <dgm:fillClrLst meth="repeat">
+      <a:schemeClr val="accent2">
+        <a:tint val="40000"/>
+      </a:schemeClr>
+    </dgm:fillClrLst>
+    <dgm:linClrLst meth="repeat">
+      <a:schemeClr val="accent2">
+        <a:shade val="80000"/>
+      </a:schemeClr>
+    </dgm:linClrLst>
+    <dgm:effectClrLst/>
+    <dgm:txLinClrLst/>
+    <dgm:txFillClrLst meth="repeat">
+      <a:schemeClr val="lt1"/>
+    </dgm:txFillClrLst>
+    <dgm:txEffectClrLst/>
+  </dgm:styleLbl>
+  <dgm:styleLbl name="bgImgPlace1">
+    <dgm:fillClrLst meth="repeat">
+      <a:schemeClr val="accent2">
+        <a:tint val="40000"/>
+      </a:schemeClr>
+    </dgm:fillClrLst>
+    <dgm:linClrLst meth="repeat">
+      <a:schemeClr val="accent2">
+        <a:shade val="80000"/>
+      </a:schemeClr>
+    </dgm:linClrLst>
+    <dgm:effectClrLst/>
+    <dgm:txLinClrLst/>
+    <dgm:txFillClrLst meth="repeat">
+      <a:schemeClr val="lt1"/>
+    </dgm:txFillClrLst>
+    <dgm:txEffectClrLst/>
+  </dgm:styleLbl>
+  <dgm:styleLbl name="sibTrans2D1">
+    <dgm:fillClrLst meth="repeat">
+      <a:schemeClr val="accent2">
+        <a:tint val="60000"/>
+      </a:schemeClr>
+    </dgm:fillClrLst>
+    <dgm:linClrLst meth="repeat">
+      <a:schemeClr val="accent2">
+        <a:tint val="60000"/>
+      </a:schemeClr>
+    </dgm:linClrLst>
+    <dgm:effectClrLst/>
+    <dgm:txLinClrLst/>
+    <dgm:txFillClrLst meth="repeat">
+      <a:schemeClr val="dk1"/>
+    </dgm:txFillClrLst>
+    <dgm:txEffectClrLst/>
+  </dgm:styleLbl>
+  <dgm:styleLbl name="fgSibTrans2D1">
+    <dgm:fillClrLst meth="repeat">
+      <a:schemeClr val="accent2">
+        <a:tint val="60000"/>
+      </a:schemeClr>
+    </dgm:fillClrLst>
+    <dgm:linClrLst meth="repeat">
+      <a:schemeClr val="accent2">
+        <a:tint val="60000"/>
+      </a:schemeClr>
+    </dgm:linClrLst>
+    <dgm:effectClrLst/>
+    <dgm:txLinClrLst/>
+    <dgm:txFillClrLst meth="repeat">
+      <a:schemeClr val="dk1"/>
+    </dgm:txFillClrLst>
+    <dgm:txEffectClrLst/>
+  </dgm:styleLbl>
+  <dgm:styleLbl name="bgSibTrans2D1">
+    <dgm:fillClrLst meth="repeat">
+      <a:schemeClr val="accent2">
+        <a:tint val="60000"/>
+      </a:schemeClr>
+    </dgm:fillClrLst>
+    <dgm:linClrLst meth="repeat">
+      <a:schemeClr val="accent2">
+        <a:tint val="60000"/>
+      </a:schemeClr>
+    </dgm:linClrLst>
+    <dgm:effectClrLst/>
+    <dgm:txLinClrLst/>
+    <dgm:txFillClrLst meth="repeat">
+      <a:schemeClr val="dk1"/>
+    </dgm:txFillClrLst>
+    <dgm:txEffectClrLst/>
+  </dgm:styleLbl>
+  <dgm:styleLbl name="sibTrans1D1">
+    <dgm:fillClrLst meth="repeat">
+      <a:schemeClr val="accent2"/>
+    </dgm:fillClrLst>
+    <dgm:linClrLst meth="repeat">
+      <a:schemeClr val="accent2"/>
+    </dgm:linClrLst>
+    <dgm:effectClrLst/>
+    <dgm:txLinClrLst/>
+    <dgm:txFillClrLst meth="repeat">
+      <a:schemeClr val="tx1"/>
+    </dgm:txFillClrLst>
+    <dgm:txEffectClrLst/>
+  </dgm:styleLbl>
+  <dgm:styleLbl name="callout">
+    <dgm:fillClrLst meth="repeat">
+      <a:schemeClr val="accent2"/>
+    </dgm:fillClrLst>
+    <dgm:linClrLst meth="repeat">
+      <a:schemeClr val="accent2"/>
+    </dgm:linClrLst>
+    <dgm:effectClrLst/>
+    <dgm:txLinClrLst/>
+    <dgm:txFillClrLst meth="repeat">
+      <a:schemeClr val="tx1"/>
+    </dgm:txFillClrLst>
+    <dgm:txEffectClrLst/>
+  </dgm:styleLbl>
+  <dgm:styleLbl name="asst0">
+    <dgm:fillClrLst meth="repeat">
+      <a:schemeClr val="lt1"/>
+    </dgm:fillClrLst>
+    <dgm:linClrLst meth="repeat">
+      <a:schemeClr val="accent2">
+        <a:shade val="80000"/>
+      </a:schemeClr>
+    </dgm:linClrLst>
+    <dgm:effectClrLst/>
+    <dgm:txLinClrLst/>
+    <dgm:txFillClrLst meth="repeat">
+      <a:schemeClr val="dk1"/>
+    </dgm:txFillClrLst>
+    <dgm:txEffectClrLst/>
+  </dgm:styleLbl>
+  <dgm:styleLbl name="asst1">
+    <dgm:fillClrLst meth="repeat">
+      <a:schemeClr val="lt1"/>
+    </dgm:fillClrLst>
+    <dgm:linClrLst meth="repeat">
+      <a:schemeClr val="accent2">
+        <a:shade val="80000"/>
+      </a:schemeClr>
+    </dgm:linClrLst>
+    <dgm:effectClrLst/>
+    <dgm:txLinClrLst/>
+    <dgm:txFillClrLst meth="repeat">
+      <a:schemeClr val="dk1"/>
+    </dgm:txFillClrLst>
+    <dgm:txEffectClrLst/>
+  </dgm:styleLbl>
+  <dgm:styleLbl name="asst2">
+    <dgm:fillClrLst meth="repeat">
+      <a:schemeClr val="lt1"/>
+    </dgm:fillClrLst>
+    <dgm:linClrLst meth="repeat">
+      <a:schemeClr val="accent2">
+        <a:shade val="80000"/>
+      </a:schemeClr>
+    </dgm:linClrLst>
+    <dgm:effectClrLst/>
+    <dgm:txLinClrLst/>
+    <dgm:txFillClrLst meth="repeat">
+      <a:schemeClr val="dk1"/>
+    </dgm:txFillClrLst>
+    <dgm:txEffectClrLst/>
+  </dgm:styleLbl>
+  <dgm:styleLbl name="asst3">
+    <dgm:fillClrLst meth="repeat">
+      <a:schemeClr val="lt1"/>
+    </dgm:fillClrLst>
+    <dgm:linClrLst meth="repeat">
+      <a:schemeClr val="accent2">
+        <a:shade val="80000"/>
+      </a:schemeClr>
+    </dgm:linClrLst>
+    <dgm:effectClrLst/>
+    <dgm:txLinClrLst/>
+    <dgm:txFillClrLst meth="repeat">
+      <a:schemeClr val="dk1"/>
+    </dgm:txFillClrLst>
+    <dgm:txEffectClrLst/>
+  </dgm:styleLbl>
+  <dgm:styleLbl name="asst4">
+    <dgm:fillClrLst meth="repeat">
+      <a:schemeClr val="lt1"/>
+    </dgm:fillClrLst>
+    <dgm:linClrLst meth="repeat">
+      <a:schemeClr val="accent2">
+        <a:shade val="80000"/>
+      </a:schemeClr>
+    </dgm:linClrLst>
+    <dgm:effectClrLst/>
+    <dgm:txLinClrLst/>
+    <dgm:txFillClrLst meth="repeat">
+      <a:schemeClr val="dk1"/>
+    </dgm:txFillClrLst>
+    <dgm:txEffectClrLst/>
+  </dgm:styleLbl>
+  <dgm:styleLbl name="parChTrans2D1">
+    <dgm:fillClrLst meth="repeat">
+      <a:schemeClr val="accent2">
+        <a:tint val="60000"/>
+      </a:schemeClr>
+    </dgm:fillClrLst>
+    <dgm:linClrLst meth="repeat">
+      <a:schemeClr val="accent2">
+        <a:tint val="60000"/>
+      </a:schemeClr>
+    </dgm:linClrLst>
+    <dgm:effectClrLst/>
+    <dgm:txLinClrLst/>
+    <dgm:txFillClrLst/>
+    <dgm:txEffectClrLst/>
+  </dgm:styleLbl>
+  <dgm:styleLbl name="parChTrans2D2">
+    <dgm:fillClrLst meth="repeat">
+      <a:schemeClr val="accent2"/>
+    </dgm:fillClrLst>
+    <dgm:linClrLst meth="repeat">
+      <a:schemeClr val="accent2"/>
+    </dgm:linClrLst>
+    <dgm:effectClrLst/>
+    <dgm:txLinClrLst/>
+    <dgm:txFillClrLst/>
+    <dgm:txEffectClrLst/>
+  </dgm:styleLbl>
+  <dgm:styleLbl name="parChTrans2D3">
+    <dgm:fillClrLst meth="repeat">
+      <a:schemeClr val="accent2"/>
+    </dgm:fillClrLst>
+    <dgm:linClrLst meth="repeat">
+      <a:schemeClr val="accent2"/>
+    </dgm:linClrLst>
+    <dgm:effectClrLst/>
+    <dgm:txLinClrLst/>
+    <dgm:txFillClrLst/>
+    <dgm:txEffectClrLst/>
+  </dgm:styleLbl>
+  <dgm:styleLbl name="parChTrans2D4">
+    <dgm:fillClrLst meth="repeat">
+      <a:schemeClr val="accent2"/>
+    </dgm:fillClrLst>
+    <dgm:linClrLst meth="repeat">
+      <a:schemeClr val="accent2"/>
+    </dgm:linClrLst>
+    <dgm:effectClrLst/>
+    <dgm:txLinClrLst/>
+    <dgm:txFillClrLst meth="repeat">
+      <a:schemeClr val="lt1"/>
+    </dgm:txFillClrLst>
+    <dgm:txEffectClrLst/>
+  </dgm:styleLbl>
+  <dgm:styleLbl name="parChTrans1D1">
+    <dgm:fillClrLst meth="repeat">
+      <a:schemeClr val="accent2"/>
+    </dgm:fillClrLst>
+    <dgm:linClrLst meth="repeat">
+      <a:schemeClr val="accent2">
+        <a:shade val="60000"/>
+      </a:schemeClr>
+    </dgm:linClrLst>
+    <dgm:effectClrLst/>
+    <dgm:txLinClrLst/>
+    <dgm:txFillClrLst meth="repeat">
+      <a:schemeClr val="tx1"/>
+    </dgm:txFillClrLst>
+    <dgm:txEffectClrLst/>
+  </dgm:styleLbl>
+  <dgm:styleLbl name="parChTrans1D2">
+    <dgm:fillClrLst meth="repeat">
+      <a:schemeClr val="accent2"/>
+    </dgm:fillClrLst>
+    <dgm:linClrLst meth="repeat">
+      <a:schemeClr val="accent2">
+        <a:shade val="60000"/>
+      </a:schemeClr>
+    </dgm:linClrLst>
+    <dgm:effectClrLst/>
+    <dgm:txLinClrLst/>
+    <dgm:txFillClrLst meth="repeat">
+      <a:schemeClr val="tx1"/>
+    </dgm:txFillClrLst>
+    <dgm:txEffectClrLst/>
+  </dgm:styleLbl>
+  <dgm:styleLbl name="parChTrans1D3">
+    <dgm:fillClrLst meth="repeat">
+      <a:schemeClr val="accent2"/>
+    </dgm:fillClrLst>
+    <dgm:linClrLst meth="repeat">
+      <a:schemeClr val="accent2">
+        <a:shade val="80000"/>
+      </a:schemeClr>
+    </dgm:linClrLst>
+    <dgm:effectClrLst/>
+    <dgm:txLinClrLst/>
+    <dgm:txFillClrLst meth="repeat">
+      <a:schemeClr val="tx1"/>
+    </dgm:txFillClrLst>
+    <dgm:txEffectClrLst/>
+  </dgm:styleLbl>
+  <dgm:styleLbl name="parChTrans1D4">
+    <dgm:fillClrLst meth="repeat">
+      <a:schemeClr val="accent2"/>
+    </dgm:fillClrLst>
+    <dgm:linClrLst meth="repeat">
+      <a:schemeClr val="accent2">
+        <a:shade val="80000"/>
+      </a:schemeClr>
+    </dgm:linClrLst>
+    <dgm:effectClrLst/>
+    <dgm:txLinClrLst/>
+    <dgm:txFillClrLst meth="repeat">
+      <a:schemeClr val="tx1"/>
+    </dgm:txFillClrLst>
+    <dgm:txEffectClrLst/>
+  </dgm:styleLbl>
+  <dgm:styleLbl name="fgAcc1">
+    <dgm:fillClrLst meth="repeat">
+      <a:schemeClr val="accent2">
+        <a:alpha val="90000"/>
+        <a:tint val="40000"/>
+      </a:schemeClr>
+    </dgm:fillClrLst>
+    <dgm:linClrLst meth="repeat">
+      <a:schemeClr val="accent2"/>
+    </dgm:linClrLst>
+    <dgm:effectClrLst/>
+    <dgm:txLinClrLst/>
+    <dgm:txFillClrLst meth="repeat">
+      <a:schemeClr val="dk1"/>
+    </dgm:txFillClrLst>
+    <dgm:txEffectClrLst/>
+  </dgm:styleLbl>
+  <dgm:styleLbl name="conFgAcc1">
+    <dgm:fillClrLst meth="repeat">
+      <a:schemeClr val="accent2">
+        <a:alpha val="90000"/>
+        <a:tint val="40000"/>
+      </a:schemeClr>
+    </dgm:fillClrLst>
+    <dgm:linClrLst meth="repeat">
+      <a:schemeClr val="accent2"/>
+    </dgm:linClrLst>
+    <dgm:effectClrLst/>
+    <dgm:txLinClrLst/>
+    <dgm:txFillClrLst meth="repeat">
+      <a:schemeClr val="dk1"/>
+    </dgm:txFillClrLst>
+    <dgm:txEffectClrLst/>
+  </dgm:styleLbl>
+  <dgm:styleLbl name="alignAcc1">
+    <dgm:fillClrLst meth="repeat">
+      <a:schemeClr val="accent2">
+        <a:alpha val="90000"/>
+        <a:tint val="40000"/>
+      </a:schemeClr>
+    </dgm:fillClrLst>
+    <dgm:linClrLst meth="repeat">
+      <a:schemeClr val="accent2"/>
+    </dgm:linClrLst>
+    <dgm:effectClrLst/>
+    <dgm:txLinClrLst/>
+    <dgm:txFillClrLst meth="repeat">
+      <a:schemeClr val="dk1"/>
+    </dgm:txFillClrLst>
+    <dgm:txEffectClrLst/>
+  </dgm:styleLbl>
+  <dgm:styleLbl name="trAlignAcc1">
+    <dgm:fillClrLst meth="repeat">
+      <a:schemeClr val="accent2">
+        <a:alpha val="40000"/>
+        <a:tint val="40000"/>
+      </a:schemeClr>
+    </dgm:fillClrLst>
+    <dgm:linClrLst meth="repeat">
+      <a:schemeClr val="accent2"/>
+    </dgm:linClrLst>
+    <dgm:effectClrLst/>
+    <dgm:txLinClrLst/>
+    <dgm:txFillClrLst meth="repeat">
+      <a:schemeClr val="dk1"/>
+    </dgm:txFillClrLst>
+    <dgm:txEffectClrLst/>
+  </dgm:styleLbl>
+  <dgm:styleLbl name="bgAcc1">
+    <dgm:fillClrLst meth="repeat">
+      <a:schemeClr val="accent2">
+        <a:alpha val="90000"/>
+        <a:tint val="40000"/>
+      </a:schemeClr>
+    </dgm:fillClrLst>
+    <dgm:linClrLst meth="repeat">
+      <a:schemeClr val="accent2"/>
+    </dgm:linClrLst>
+    <dgm:effectClrLst/>
+    <dgm:txLinClrLst/>
+    <dgm:txFillClrLst meth="repeat">
+      <a:schemeClr val="dk1"/>
+    </dgm:txFillClrLst>
+    <dgm:txEffectClrLst/>
+  </dgm:styleLbl>
+  <dgm:styleLbl name="solidFgAcc1">
+    <dgm:fillClrLst meth="repeat">
+      <a:schemeClr val="lt1"/>
+    </dgm:fillClrLst>
+    <dgm:linClrLst meth="repeat">
+      <a:schemeClr val="accent2"/>
+    </dgm:linClrLst>
+    <dgm:effectClrLst/>
+    <dgm:txLinClrLst/>
+    <dgm:txFillClrLst meth="repeat">
+      <a:schemeClr val="dk1"/>
+    </dgm:txFillClrLst>
+    <dgm:txEffectClrLst/>
+  </dgm:styleLbl>
+  <dgm:styleLbl name="solidAlignAcc1">
+    <dgm:fillClrLst meth="repeat">
+      <a:schemeClr val="lt1"/>
+    </dgm:fillClrLst>
+    <dgm:linClrLst meth="repeat">
+      <a:schemeClr val="accent2"/>
+    </dgm:linClrLst>
+    <dgm:effectClrLst/>
+    <dgm:txLinClrLst/>
+    <dgm:txFillClrLst meth="repeat">
+      <a:schemeClr val="dk1"/>
+    </dgm:txFillClrLst>
+    <dgm:txEffectClrLst/>
+  </dgm:styleLbl>
+  <dgm:styleLbl name="solidBgAcc1">
+    <dgm:fillClrLst meth="repeat">
+      <a:schemeClr val="lt1"/>
+    </dgm:fillClrLst>
+    <dgm:linClrLst meth="repeat">
+      <a:schemeClr val="accent2"/>
+    </dgm:linClrLst>
+    <dgm:effectClrLst/>
+    <dgm:txLinClrLst/>
+    <dgm:txFillClrLst meth="repeat">
+      <a:schemeClr val="dk1"/>
+    </dgm:txFillClrLst>
+    <dgm:txEffectClrLst/>
+  </dgm:styleLbl>
+  <dgm:styleLbl name="fgAccFollowNode1">
+    <dgm:fillClrLst meth="repeat">
+      <a:schemeClr val="lt1">
+        <a:alpha val="90000"/>
+        <a:tint val="40000"/>
+      </a:schemeClr>
+    </dgm:fillClrLst>
+    <dgm:linClrLst meth="repeat">
+      <a:schemeClr val="accent2">
+        <a:alpha val="90000"/>
+      </a:schemeClr>
+    </dgm:linClrLst>
+    <dgm:effectClrLst/>
+    <dgm:txLinClrLst/>
+    <dgm:txFillClrLst meth="repeat">
+      <a:schemeClr val="dk1"/>
+    </dgm:txFillClrLst>
+    <dgm:txEffectClrLst/>
+  </dgm:styleLbl>
+  <dgm:styleLbl name="alignAccFollowNode1">
+    <dgm:fillClrLst meth="repeat">
+      <a:schemeClr val="lt1">
+        <a:alpha val="90000"/>
+        <a:tint val="40000"/>
+      </a:schemeClr>
+    </dgm:fillClrLst>
+    <dgm:linClrLst meth="repeat">
+      <a:schemeClr val="accent2">
+        <a:alpha val="90000"/>
+      </a:schemeClr>
+    </dgm:linClrLst>
+    <dgm:effectClrLst/>
+    <dgm:txLinClrLst/>
+    <dgm:txFillClrLst meth="repeat">
+      <a:schemeClr val="dk1"/>
+    </dgm:txFillClrLst>
+    <dgm:txEffectClrLst/>
+  </dgm:styleLbl>
+  <dgm:styleLbl name="bgAccFollowNode1">
+    <dgm:fillClrLst meth="repeat">
+      <a:schemeClr val="lt1">
+        <a:alpha val="90000"/>
+        <a:tint val="40000"/>
+      </a:schemeClr>
+    </dgm:fillClrLst>
+    <dgm:linClrLst meth="repeat">
+      <a:schemeClr val="accent2">
+        <a:alpha val="90000"/>
+      </a:schemeClr>
+    </dgm:linClrLst>
+    <dgm:effectClrLst/>
+    <dgm:txLinClrLst/>
+    <dgm:txFillClrLst meth="repeat">
+      <a:schemeClr val="dk1"/>
+    </dgm:txFillClrLst>
+    <dgm:txEffectClrLst/>
+  </dgm:styleLbl>
+  <dgm:styleLbl name="fgAcc0">
+    <dgm:fillClrLst meth="repeat">
+      <a:schemeClr val="accent2">
+        <a:alpha val="90000"/>
+        <a:tint val="40000"/>
+      </a:schemeClr>
+    </dgm:fillClrLst>
+    <dgm:linClrLst meth="repeat">
+      <a:schemeClr val="accent2"/>
+    </dgm:linClrLst>
+    <dgm:effectClrLst/>
+    <dgm:txLinClrLst/>
+    <dgm:txFillClrLst meth="repeat">
+      <a:schemeClr val="dk1"/>
+    </dgm:txFillClrLst>
+    <dgm:txEffectClrLst/>
+  </dgm:styleLbl>
+  <dgm:styleLbl name="fgAcc2">
+    <dgm:fillClrLst meth="repeat">
+      <a:schemeClr val="accent2">
+        <a:alpha val="90000"/>
+        <a:tint val="40000"/>
+      </a:schemeClr>
+    </dgm:fillClrLst>
+    <dgm:linClrLst meth="repeat">
+      <a:schemeClr val="accent2"/>
+    </dgm:linClrLst>
+    <dgm:effectClrLst/>
+    <dgm:txLinClrLst/>
+    <dgm:txFillClrLst meth="repeat">
+      <a:schemeClr val="dk1"/>
+    </dgm:txFillClrLst>
+    <dgm:txEffectClrLst/>
+  </dgm:styleLbl>
+  <dgm:styleLbl name="fgAcc3">
+    <dgm:fillClrLst meth="repeat">
+      <a:schemeClr val="accent2">
+        <a:alpha val="90000"/>
+        <a:tint val="40000"/>
+      </a:schemeClr>
+    </dgm:fillClrLst>
+    <dgm:linClrLst meth="repeat">
+      <a:schemeClr val="accent2"/>
+    </dgm:linClrLst>
+    <dgm:effectClrLst/>
+    <dgm:txLinClrLst/>
+    <dgm:txFillClrLst meth="repeat">
+      <a:schemeClr val="dk1"/>
+    </dgm:txFillClrLst>
+    <dgm:txEffectClrLst/>
+  </dgm:styleLbl>
+  <dgm:styleLbl name="fgAcc4">
+    <dgm:fillClrLst meth="repeat">
+      <a:schemeClr val="accent2">
+        <a:alpha val="90000"/>
+        <a:tint val="40000"/>
+      </a:schemeClr>
+    </dgm:fillClrLst>
+    <dgm:linClrLst meth="repeat">
+      <a:schemeClr val="accent2"/>
+    </dgm:linClrLst>
+    <dgm:effectClrLst/>
+    <dgm:txLinClrLst/>
+    <dgm:txFillClrLst meth="repeat">
+      <a:schemeClr val="dk1"/>
+    </dgm:txFillClrLst>
+    <dgm:txEffectClrLst/>
+  </dgm:styleLbl>
+  <dgm:styleLbl name="bgShp">
+    <dgm:fillClrLst meth="repeat">
+      <a:schemeClr val="accent2">
+        <a:tint val="40000"/>
+      </a:schemeClr>
+    </dgm:fillClrLst>
+    <dgm:linClrLst meth="repeat">
+      <a:schemeClr val="accent2"/>
+    </dgm:linClrLst>
+    <dgm:effectClrLst/>
+    <dgm:txLinClrLst/>
+    <dgm:txFillClrLst meth="repeat">
+      <a:schemeClr val="dk1"/>
+    </dgm:txFillClrLst>
+    <dgm:txEffectClrLst/>
+  </dgm:styleLbl>
+  <dgm:styleLbl name="dkBgShp">
+    <dgm:fillClrLst meth="repeat">
+      <a:schemeClr val="accent2">
+        <a:shade val="80000"/>
+      </a:schemeClr>
+    </dgm:fillClrLst>
+    <dgm:linClrLst meth="repeat">
+      <a:schemeClr val="accent2"/>
+    </dgm:linClrLst>
+    <dgm:effectClrLst/>
+    <dgm:txLinClrLst/>
+    <dgm:txFillClrLst meth="repeat">
+      <a:schemeClr val="lt1"/>
+    </dgm:txFillClrLst>
+    <dgm:txEffectClrLst/>
+  </dgm:styleLbl>
+  <dgm:styleLbl name="trBgShp">
+    <dgm:fillClrLst meth="repeat">
+      <a:schemeClr val="accent2">
+        <a:tint val="50000"/>
+        <a:alpha val="40000"/>
+      </a:schemeClr>
+    </dgm:fillClrLst>
+    <dgm:linClrLst meth="repeat">
+      <a:schemeClr val="accent2"/>
+    </dgm:linClrLst>
+    <dgm:effectClrLst/>
+    <dgm:txLinClrLst/>
+    <dgm:txFillClrLst meth="repeat">
+      <a:schemeClr val="lt1"/>
+    </dgm:txFillClrLst>
+    <dgm:txEffectClrLst/>
+  </dgm:styleLbl>
+  <dgm:styleLbl name="fgShp">
+    <dgm:fillClrLst meth="repeat">
+      <a:schemeClr val="accent2">
+        <a:tint val="60000"/>
+      </a:schemeClr>
+    </dgm:fillClrLst>
+    <dgm:linClrLst meth="repeat">
+      <a:schemeClr val="lt1"/>
+    </dgm:linClrLst>
+    <dgm:effectClrLst/>
+    <dgm:txLinClrLst/>
+    <dgm:txFillClrLst meth="repeat">
+      <a:schemeClr val="dk1"/>
+    </dgm:txFillClrLst>
+    <dgm:txEffectClrLst/>
+  </dgm:styleLbl>
+  <dgm:styleLbl name="revTx">
+    <dgm:fillClrLst meth="repeat">
+      <a:schemeClr val="lt1">
+        <a:alpha val="0"/>
+      </a:schemeClr>
+    </dgm:fillClrLst>
+    <dgm:linClrLst meth="repeat">
+      <a:schemeClr val="dk1">
+        <a:alpha val="0"/>
+      </a:schemeClr>
+    </dgm:linClrLst>
+    <dgm:effectClrLst/>
+    <dgm:txLinClrLst/>
+    <dgm:txFillClrLst meth="repeat">
+      <a:schemeClr val="tx1"/>
+    </dgm:txFillClrLst>
+    <dgm:txEffectClrLst/>
+  </dgm:styleLbl>
+</dgm:colorsDef>
+</file>
+
+<file path=ppt/diagrams/colors4.xml><?xml version="1.0" encoding="utf-8"?>
+<dgm:colorsDef xmlns:dgm="http://schemas.openxmlformats.org/drawingml/2006/diagram" xmlns:a="http://schemas.openxmlformats.org/drawingml/2006/main" uniqueId="urn:microsoft.com/office/officeart/2005/8/colors/accent2_1">
+  <dgm:title val=""/>
+  <dgm:desc val=""/>
+  <dgm:catLst>
+    <dgm:cat type="accent2" pri="11100"/>
+  </dgm:catLst>
+  <dgm:styleLbl name="node0">
+    <dgm:fillClrLst meth="repeat">
+      <a:schemeClr val="lt1"/>
+    </dgm:fillClrLst>
+    <dgm:linClrLst meth="repeat">
+      <a:schemeClr val="accent2">
+        <a:shade val="80000"/>
+      </a:schemeClr>
+    </dgm:linClrLst>
+    <dgm:effectClrLst/>
+    <dgm:txLinClrLst/>
+    <dgm:txFillClrLst meth="repeat">
+      <a:schemeClr val="dk1"/>
+    </dgm:txFillClrLst>
+    <dgm:txEffectClrLst/>
+  </dgm:styleLbl>
+  <dgm:styleLbl name="node1">
+    <dgm:fillClrLst meth="repeat">
+      <a:schemeClr val="lt1"/>
+    </dgm:fillClrLst>
+    <dgm:linClrLst meth="repeat">
+      <a:schemeClr val="accent2">
+        <a:shade val="80000"/>
+      </a:schemeClr>
+    </dgm:linClrLst>
+    <dgm:effectClrLst/>
+    <dgm:txLinClrLst/>
+    <dgm:txFillClrLst meth="repeat">
+      <a:schemeClr val="dk1"/>
+    </dgm:txFillClrLst>
+    <dgm:txEffectClrLst/>
+  </dgm:styleLbl>
+  <dgm:styleLbl name="alignNode1">
+    <dgm:fillClrLst meth="repeat">
+      <a:schemeClr val="lt1"/>
+    </dgm:fillClrLst>
+    <dgm:linClrLst meth="repeat">
+      <a:schemeClr val="accent2">
+        <a:shade val="80000"/>
+      </a:schemeClr>
+    </dgm:linClrLst>
+    <dgm:effectClrLst/>
+    <dgm:txLinClrLst/>
+    <dgm:txFillClrLst meth="repeat">
+      <a:schemeClr val="dk1"/>
+    </dgm:txFillClrLst>
+    <dgm:txEffectClrLst/>
+  </dgm:styleLbl>
+  <dgm:styleLbl name="lnNode1">
+    <dgm:fillClrLst meth="repeat">
+      <a:schemeClr val="lt1"/>
+    </dgm:fillClrLst>
+    <dgm:linClrLst meth="repeat">
+      <a:schemeClr val="accent2">
+        <a:shade val="80000"/>
+      </a:schemeClr>
+    </dgm:linClrLst>
+    <dgm:effectClrLst/>
+    <dgm:txLinClrLst/>
+    <dgm:txFillClrLst meth="repeat">
+      <a:schemeClr val="dk1"/>
+    </dgm:txFillClrLst>
+    <dgm:txEffectClrLst/>
+  </dgm:styleLbl>
+  <dgm:styleLbl name="vennNode1">
+    <dgm:fillClrLst meth="repeat">
+      <a:schemeClr val="lt1">
+        <a:alpha val="50000"/>
+      </a:schemeClr>
+    </dgm:fillClrLst>
+    <dgm:linClrLst meth="repeat">
+      <a:schemeClr val="accent2">
+        <a:shade val="80000"/>
+      </a:schemeClr>
+    </dgm:linClrLst>
+    <dgm:effectClrLst/>
+    <dgm:txLinClrLst/>
+    <dgm:txFillClrLst/>
+    <dgm:txEffectClrLst/>
+  </dgm:styleLbl>
+  <dgm:styleLbl name="node2">
+    <dgm:fillClrLst meth="repeat">
+      <a:schemeClr val="lt1"/>
+    </dgm:fillClrLst>
+    <dgm:linClrLst meth="repeat">
+      <a:schemeClr val="accent2">
+        <a:shade val="80000"/>
+      </a:schemeClr>
+    </dgm:linClrLst>
+    <dgm:effectClrLst/>
+    <dgm:txLinClrLst/>
+    <dgm:txFillClrLst meth="repeat">
+      <a:schemeClr val="dk1"/>
+    </dgm:txFillClrLst>
+    <dgm:txEffectClrLst/>
+  </dgm:styleLbl>
+  <dgm:styleLbl name="node3">
+    <dgm:fillClrLst meth="repeat">
+      <a:schemeClr val="lt1"/>
+    </dgm:fillClrLst>
+    <dgm:linClrLst meth="repeat">
+      <a:schemeClr val="accent2">
+        <a:shade val="80000"/>
+      </a:schemeClr>
+    </dgm:linClrLst>
+    <dgm:effectClrLst/>
+    <dgm:txLinClrLst/>
+    <dgm:txFillClrLst meth="repeat">
+      <a:schemeClr val="dk1"/>
+    </dgm:txFillClrLst>
+    <dgm:txEffectClrLst/>
+  </dgm:styleLbl>
+  <dgm:styleLbl name="node4">
+    <dgm:fillClrLst meth="repeat">
+      <a:schemeClr val="lt1"/>
+    </dgm:fillClrLst>
+    <dgm:linClrLst meth="repeat">
+      <a:schemeClr val="accent2">
+        <a:shade val="80000"/>
+      </a:schemeClr>
+    </dgm:linClrLst>
+    <dgm:effectClrLst/>
+    <dgm:txLinClrLst/>
+    <dgm:txFillClrLst meth="repeat">
+      <a:schemeClr val="dk1"/>
+    </dgm:txFillClrLst>
+    <dgm:txEffectClrLst/>
+  </dgm:styleLbl>
+  <dgm:styleLbl name="fgImgPlace1">
+    <dgm:fillClrLst meth="repeat">
+      <a:schemeClr val="accent2">
+        <a:tint val="40000"/>
+      </a:schemeClr>
+    </dgm:fillClrLst>
+    <dgm:linClrLst meth="repeat">
+      <a:schemeClr val="accent2">
+        <a:shade val="80000"/>
+      </a:schemeClr>
+    </dgm:linClrLst>
+    <dgm:effectClrLst/>
+    <dgm:txLinClrLst/>
+    <dgm:txFillClrLst meth="repeat">
+      <a:schemeClr val="lt1"/>
+    </dgm:txFillClrLst>
+    <dgm:txEffectClrLst/>
+  </dgm:styleLbl>
+  <dgm:styleLbl name="alignImgPlace1">
+    <dgm:fillClrLst meth="repeat">
+      <a:schemeClr val="accent2">
+        <a:tint val="40000"/>
+      </a:schemeClr>
+    </dgm:fillClrLst>
+    <dgm:linClrLst meth="repeat">
+      <a:schemeClr val="accent2">
+        <a:shade val="80000"/>
+      </a:schemeClr>
+    </dgm:linClrLst>
+    <dgm:effectClrLst/>
+    <dgm:txLinClrLst/>
+    <dgm:txFillClrLst meth="repeat">
+      <a:schemeClr val="lt1"/>
+    </dgm:txFillClrLst>
+    <dgm:txEffectClrLst/>
+  </dgm:styleLbl>
+  <dgm:styleLbl name="bgImgPlace1">
+    <dgm:fillClrLst meth="repeat">
+      <a:schemeClr val="accent2">
+        <a:tint val="40000"/>
+      </a:schemeClr>
+    </dgm:fillClrLst>
+    <dgm:linClrLst meth="repeat">
+      <a:schemeClr val="accent2">
+        <a:shade val="80000"/>
+      </a:schemeClr>
+    </dgm:linClrLst>
+    <dgm:effectClrLst/>
+    <dgm:txLinClrLst/>
+    <dgm:txFillClrLst meth="repeat">
+      <a:schemeClr val="lt1"/>
+    </dgm:txFillClrLst>
+    <dgm:txEffectClrLst/>
+  </dgm:styleLbl>
+  <dgm:styleLbl name="sibTrans2D1">
+    <dgm:fillClrLst meth="repeat">
+      <a:schemeClr val="accent2">
+        <a:tint val="60000"/>
+      </a:schemeClr>
+    </dgm:fillClrLst>
+    <dgm:linClrLst meth="repeat">
+      <a:schemeClr val="accent2">
+        <a:tint val="60000"/>
+      </a:schemeClr>
+    </dgm:linClrLst>
+    <dgm:effectClrLst/>
+    <dgm:txLinClrLst/>
+    <dgm:txFillClrLst meth="repeat">
+      <a:schemeClr val="dk1"/>
+    </dgm:txFillClrLst>
+    <dgm:txEffectClrLst/>
+  </dgm:styleLbl>
+  <dgm:styleLbl name="fgSibTrans2D1">
+    <dgm:fillClrLst meth="repeat">
+      <a:schemeClr val="accent2">
+        <a:tint val="60000"/>
+      </a:schemeClr>
+    </dgm:fillClrLst>
+    <dgm:linClrLst meth="repeat">
+      <a:schemeClr val="accent2">
+        <a:tint val="60000"/>
+      </a:schemeClr>
+    </dgm:linClrLst>
+    <dgm:effectClrLst/>
+    <dgm:txLinClrLst/>
+    <dgm:txFillClrLst meth="repeat">
+      <a:schemeClr val="dk1"/>
+    </dgm:txFillClrLst>
+    <dgm:txEffectClrLst/>
+  </dgm:styleLbl>
+  <dgm:styleLbl name="bgSibTrans2D1">
+    <dgm:fillClrLst meth="repeat">
+      <a:schemeClr val="accent2">
+        <a:tint val="60000"/>
+      </a:schemeClr>
+    </dgm:fillClrLst>
+    <dgm:linClrLst meth="repeat">
+      <a:schemeClr val="accent2">
+        <a:tint val="60000"/>
+      </a:schemeClr>
+    </dgm:linClrLst>
+    <dgm:effectClrLst/>
+    <dgm:txLinClrLst/>
+    <dgm:txFillClrLst meth="repeat">
+      <a:schemeClr val="dk1"/>
+    </dgm:txFillClrLst>
+    <dgm:txEffectClrLst/>
+  </dgm:styleLbl>
+  <dgm:styleLbl name="sibTrans1D1">
+    <dgm:fillClrLst meth="repeat">
+      <a:schemeClr val="accent2"/>
+    </dgm:fillClrLst>
+    <dgm:linClrLst meth="repeat">
+      <a:schemeClr val="accent2"/>
+    </dgm:linClrLst>
+    <dgm:effectClrLst/>
+    <dgm:txLinClrLst/>
+    <dgm:txFillClrLst meth="repeat">
+      <a:schemeClr val="tx1"/>
+    </dgm:txFillClrLst>
+    <dgm:txEffectClrLst/>
+  </dgm:styleLbl>
+  <dgm:styleLbl name="callout">
+    <dgm:fillClrLst meth="repeat">
+      <a:schemeClr val="accent2"/>
+    </dgm:fillClrLst>
+    <dgm:linClrLst meth="repeat">
+      <a:schemeClr val="accent2"/>
+    </dgm:linClrLst>
+    <dgm:effectClrLst/>
+    <dgm:txLinClrLst/>
+    <dgm:txFillClrLst meth="repeat">
+      <a:schemeClr val="tx1"/>
+    </dgm:txFillClrLst>
+    <dgm:txEffectClrLst/>
+  </dgm:styleLbl>
+  <dgm:styleLbl name="asst0">
+    <dgm:fillClrLst meth="repeat">
+      <a:schemeClr val="lt1"/>
+    </dgm:fillClrLst>
+    <dgm:linClrLst meth="repeat">
+      <a:schemeClr val="accent2">
+        <a:shade val="80000"/>
+      </a:schemeClr>
+    </dgm:linClrLst>
+    <dgm:effectClrLst/>
+    <dgm:txLinClrLst/>
+    <dgm:txFillClrLst meth="repeat">
+      <a:schemeClr val="dk1"/>
+    </dgm:txFillClrLst>
+    <dgm:txEffectClrLst/>
+  </dgm:styleLbl>
+  <dgm:styleLbl name="asst1">
+    <dgm:fillClrLst meth="repeat">
+      <a:schemeClr val="lt1"/>
+    </dgm:fillClrLst>
+    <dgm:linClrLst meth="repeat">
+      <a:schemeClr val="accent2">
+        <a:shade val="80000"/>
+      </a:schemeClr>
+    </dgm:linClrLst>
+    <dgm:effectClrLst/>
+    <dgm:txLinClrLst/>
+    <dgm:txFillClrLst meth="repeat">
+      <a:schemeClr val="dk1"/>
+    </dgm:txFillClrLst>
+    <dgm:txEffectClrLst/>
+  </dgm:styleLbl>
+  <dgm:styleLbl name="asst2">
+    <dgm:fillClrLst meth="repeat">
+      <a:schemeClr val="lt1"/>
+    </dgm:fillClrLst>
+    <dgm:linClrLst meth="repeat">
+      <a:schemeClr val="accent2">
+        <a:shade val="80000"/>
+      </a:schemeClr>
+    </dgm:linClrLst>
+    <dgm:effectClrLst/>
+    <dgm:txLinClrLst/>
+    <dgm:txFillClrLst meth="repeat">
+      <a:schemeClr val="dk1"/>
+    </dgm:txFillClrLst>
+    <dgm:txEffectClrLst/>
+  </dgm:styleLbl>
+  <dgm:styleLbl name="asst3">
+    <dgm:fillClrLst meth="repeat">
+      <a:schemeClr val="lt1"/>
+    </dgm:fillClrLst>
+    <dgm:linClrLst meth="repeat">
+      <a:schemeClr val="accent2">
+        <a:shade val="80000"/>
+      </a:schemeClr>
+    </dgm:linClrLst>
+    <dgm:effectClrLst/>
+    <dgm:txLinClrLst/>
+    <dgm:txFillClrLst meth="repeat">
+      <a:schemeClr val="dk1"/>
+    </dgm:txFillClrLst>
+    <dgm:txEffectClrLst/>
+  </dgm:styleLbl>
+  <dgm:styleLbl name="asst4">
+    <dgm:fillClrLst meth="repeat">
+      <a:schemeClr val="lt1"/>
+    </dgm:fillClrLst>
+    <dgm:linClrLst meth="repeat">
+      <a:schemeClr val="accent2">
+        <a:shade val="80000"/>
+      </a:schemeClr>
+    </dgm:linClrLst>
+    <dgm:effectClrLst/>
+    <dgm:txLinClrLst/>
+    <dgm:txFillClrLst meth="repeat">
+      <a:schemeClr val="dk1"/>
+    </dgm:txFillClrLst>
+    <dgm:txEffectClrLst/>
+  </dgm:styleLbl>
+  <dgm:styleLbl name="parChTrans2D1">
+    <dgm:fillClrLst meth="repeat">
+      <a:schemeClr val="accent2">
+        <a:tint val="60000"/>
+      </a:schemeClr>
+    </dgm:fillClrLst>
+    <dgm:linClrLst meth="repeat">
+      <a:schemeClr val="accent2">
+        <a:tint val="60000"/>
+      </a:schemeClr>
+    </dgm:linClrLst>
+    <dgm:effectClrLst/>
+    <dgm:txLinClrLst/>
+    <dgm:txFillClrLst/>
+    <dgm:txEffectClrLst/>
+  </dgm:styleLbl>
+  <dgm:styleLbl name="parChTrans2D2">
+    <dgm:fillClrLst meth="repeat">
+      <a:schemeClr val="accent2"/>
+    </dgm:fillClrLst>
+    <dgm:linClrLst meth="repeat">
+      <a:schemeClr val="accent2"/>
+    </dgm:linClrLst>
+    <dgm:effectClrLst/>
+    <dgm:txLinClrLst/>
+    <dgm:txFillClrLst/>
+    <dgm:txEffectClrLst/>
+  </dgm:styleLbl>
+  <dgm:styleLbl name="parChTrans2D3">
+    <dgm:fillClrLst meth="repeat">
+      <a:schemeClr val="accent2"/>
+    </dgm:fillClrLst>
+    <dgm:linClrLst meth="repeat">
+      <a:schemeClr val="accent2"/>
+    </dgm:linClrLst>
+    <dgm:effectClrLst/>
+    <dgm:txLinClrLst/>
+    <dgm:txFillClrLst/>
+    <dgm:txEffectClrLst/>
+  </dgm:styleLbl>
+  <dgm:styleLbl name="parChTrans2D4">
+    <dgm:fillClrLst meth="repeat">
+      <a:schemeClr val="accent2"/>
+    </dgm:fillClrLst>
+    <dgm:linClrLst meth="repeat">
+      <a:schemeClr val="accent2"/>
+    </dgm:linClrLst>
+    <dgm:effectClrLst/>
+    <dgm:txLinClrLst/>
+    <dgm:txFillClrLst meth="repeat">
+      <a:schemeClr val="lt1"/>
+    </dgm:txFillClrLst>
+    <dgm:txEffectClrLst/>
+  </dgm:styleLbl>
+  <dgm:styleLbl name="parChTrans1D1">
+    <dgm:fillClrLst meth="repeat">
+      <a:schemeClr val="accent2"/>
+    </dgm:fillClrLst>
+    <dgm:linClrLst meth="repeat">
+      <a:schemeClr val="accent2">
+        <a:shade val="60000"/>
+      </a:schemeClr>
+    </dgm:linClrLst>
+    <dgm:effectClrLst/>
+    <dgm:txLinClrLst/>
+    <dgm:txFillClrLst meth="repeat">
+      <a:schemeClr val="tx1"/>
+    </dgm:txFillClrLst>
+    <dgm:txEffectClrLst/>
+  </dgm:styleLbl>
+  <dgm:styleLbl name="parChTrans1D2">
+    <dgm:fillClrLst meth="repeat">
+      <a:schemeClr val="accent2"/>
+    </dgm:fillClrLst>
+    <dgm:linClrLst meth="repeat">
+      <a:schemeClr val="accent2">
+        <a:shade val="60000"/>
+      </a:schemeClr>
+    </dgm:linClrLst>
+    <dgm:effectClrLst/>
+    <dgm:txLinClrLst/>
+    <dgm:txFillClrLst meth="repeat">
+      <a:schemeClr val="tx1"/>
+    </dgm:txFillClrLst>
+    <dgm:txEffectClrLst/>
+  </dgm:styleLbl>
+  <dgm:styleLbl name="parChTrans1D3">
+    <dgm:fillClrLst meth="repeat">
+      <a:schemeClr val="accent2"/>
+    </dgm:fillClrLst>
+    <dgm:linClrLst meth="repeat">
+      <a:schemeClr val="accent2">
+        <a:shade val="80000"/>
+      </a:schemeClr>
+    </dgm:linClrLst>
+    <dgm:effectClrLst/>
+    <dgm:txLinClrLst/>
+    <dgm:txFillClrLst meth="repeat">
+      <a:schemeClr val="tx1"/>
+    </dgm:txFillClrLst>
+    <dgm:txEffectClrLst/>
+  </dgm:styleLbl>
+  <dgm:styleLbl name="parChTrans1D4">
+    <dgm:fillClrLst meth="repeat">
+      <a:schemeClr val="accent2"/>
+    </dgm:fillClrLst>
+    <dgm:linClrLst meth="repeat">
+      <a:schemeClr val="accent2">
+        <a:shade val="80000"/>
+      </a:schemeClr>
+    </dgm:linClrLst>
+    <dgm:effectClrLst/>
+    <dgm:txLinClrLst/>
+    <dgm:txFillClrLst meth="repeat">
+      <a:schemeClr val="tx1"/>
+    </dgm:txFillClrLst>
+    <dgm:txEffectClrLst/>
+  </dgm:styleLbl>
+  <dgm:styleLbl name="fgAcc1">
+    <dgm:fillClrLst meth="repeat">
+      <a:schemeClr val="accent2">
+        <a:alpha val="90000"/>
+        <a:tint val="40000"/>
+      </a:schemeClr>
+    </dgm:fillClrLst>
+    <dgm:linClrLst meth="repeat">
+      <a:schemeClr val="accent2"/>
+    </dgm:linClrLst>
+    <dgm:effectClrLst/>
+    <dgm:txLinClrLst/>
+    <dgm:txFillClrLst meth="repeat">
+      <a:schemeClr val="dk1"/>
+    </dgm:txFillClrLst>
+    <dgm:txEffectClrLst/>
+  </dgm:styleLbl>
+  <dgm:styleLbl name="conFgAcc1">
+    <dgm:fillClrLst meth="repeat">
+      <a:schemeClr val="accent2">
+        <a:alpha val="90000"/>
+        <a:tint val="40000"/>
+      </a:schemeClr>
+    </dgm:fillClrLst>
+    <dgm:linClrLst meth="repeat">
+      <a:schemeClr val="accent2"/>
+    </dgm:linClrLst>
+    <dgm:effectClrLst/>
+    <dgm:txLinClrLst/>
+    <dgm:txFillClrLst meth="repeat">
+      <a:schemeClr val="dk1"/>
+    </dgm:txFillClrLst>
+    <dgm:txEffectClrLst/>
+  </dgm:styleLbl>
+  <dgm:styleLbl name="alignAcc1">
+    <dgm:fillClrLst meth="repeat">
+      <a:schemeClr val="accent2">
+        <a:alpha val="90000"/>
+        <a:tint val="40000"/>
+      </a:schemeClr>
+    </dgm:fillClrLst>
+    <dgm:linClrLst meth="repeat">
+      <a:schemeClr val="accent2"/>
+    </dgm:linClrLst>
+    <dgm:effectClrLst/>
+    <dgm:txLinClrLst/>
+    <dgm:txFillClrLst meth="repeat">
+      <a:schemeClr val="dk1"/>
+    </dgm:txFillClrLst>
+    <dgm:txEffectClrLst/>
+  </dgm:styleLbl>
+  <dgm:styleLbl name="trAlignAcc1">
+    <dgm:fillClrLst meth="repeat">
+      <a:schemeClr val="accent2">
+        <a:alpha val="40000"/>
+        <a:tint val="40000"/>
+      </a:schemeClr>
+    </dgm:fillClrLst>
+    <dgm:linClrLst meth="repeat">
+      <a:schemeClr val="accent2"/>
+    </dgm:linClrLst>
+    <dgm:effectClrLst/>
+    <dgm:txLinClrLst/>
+    <dgm:txFillClrLst meth="repeat">
+      <a:schemeClr val="dk1"/>
+    </dgm:txFillClrLst>
+    <dgm:txEffectClrLst/>
+  </dgm:styleLbl>
+  <dgm:styleLbl name="bgAcc1">
+    <dgm:fillClrLst meth="repeat">
+      <a:schemeClr val="accent2">
+        <a:alpha val="90000"/>
+        <a:tint val="40000"/>
+      </a:schemeClr>
+    </dgm:fillClrLst>
+    <dgm:linClrLst meth="repeat">
+      <a:schemeClr val="accent2"/>
+    </dgm:linClrLst>
+    <dgm:effectClrLst/>
+    <dgm:txLinClrLst/>
+    <dgm:txFillClrLst meth="repeat">
+      <a:schemeClr val="dk1"/>
+    </dgm:txFillClrLst>
+    <dgm:txEffectClrLst/>
+  </dgm:styleLbl>
+  <dgm:styleLbl name="solidFgAcc1">
+    <dgm:fillClrLst meth="repeat">
+      <a:schemeClr val="lt1"/>
+    </dgm:fillClrLst>
+    <dgm:linClrLst meth="repeat">
+      <a:schemeClr val="accent2"/>
+    </dgm:linClrLst>
+    <dgm:effectClrLst/>
+    <dgm:txLinClrLst/>
+    <dgm:txFillClrLst meth="repeat">
+      <a:schemeClr val="dk1"/>
+    </dgm:txFillClrLst>
+    <dgm:txEffectClrLst/>
+  </dgm:styleLbl>
+  <dgm:styleLbl name="solidAlignAcc1">
+    <dgm:fillClrLst meth="repeat">
+      <a:schemeClr val="lt1"/>
+    </dgm:fillClrLst>
+    <dgm:linClrLst meth="repeat">
+      <a:schemeClr val="accent2"/>
+    </dgm:linClrLst>
+    <dgm:effectClrLst/>
+    <dgm:txLinClrLst/>
+    <dgm:txFillClrLst meth="repeat">
+      <a:schemeClr val="dk1"/>
+    </dgm:txFillClrLst>
+    <dgm:txEffectClrLst/>
+  </dgm:styleLbl>
+  <dgm:styleLbl name="solidBgAcc1">
+    <dgm:fillClrLst meth="repeat">
+      <a:schemeClr val="lt1"/>
+    </dgm:fillClrLst>
+    <dgm:linClrLst meth="repeat">
+      <a:schemeClr val="accent2"/>
+    </dgm:linClrLst>
+    <dgm:effectClrLst/>
+    <dgm:txLinClrLst/>
+    <dgm:txFillClrLst meth="repeat">
+      <a:schemeClr val="dk1"/>
+    </dgm:txFillClrLst>
+    <dgm:txEffectClrLst/>
+  </dgm:styleLbl>
+  <dgm:styleLbl name="fgAccFollowNode1">
+    <dgm:fillClrLst meth="repeat">
+      <a:schemeClr val="lt1">
+        <a:alpha val="90000"/>
+        <a:tint val="40000"/>
+      </a:schemeClr>
+    </dgm:fillClrLst>
+    <dgm:linClrLst meth="repeat">
+      <a:schemeClr val="accent2">
+        <a:alpha val="90000"/>
+      </a:schemeClr>
+    </dgm:linClrLst>
+    <dgm:effectClrLst/>
+    <dgm:txLinClrLst/>
+    <dgm:txFillClrLst meth="repeat">
+      <a:schemeClr val="dk1"/>
+    </dgm:txFillClrLst>
+    <dgm:txEffectClrLst/>
+  </dgm:styleLbl>
+  <dgm:styleLbl name="alignAccFollowNode1">
+    <dgm:fillClrLst meth="repeat">
+      <a:schemeClr val="lt1">
+        <a:alpha val="90000"/>
+        <a:tint val="40000"/>
+      </a:schemeClr>
+    </dgm:fillClrLst>
+    <dgm:linClrLst meth="repeat">
+      <a:schemeClr val="accent2">
+        <a:alpha val="90000"/>
+      </a:schemeClr>
+    </dgm:linClrLst>
+    <dgm:effectClrLst/>
+    <dgm:txLinClrLst/>
+    <dgm:txFillClrLst meth="repeat">
+      <a:schemeClr val="dk1"/>
+    </dgm:txFillClrLst>
+    <dgm:txEffectClrLst/>
+  </dgm:styleLbl>
+  <dgm:styleLbl name="bgAccFollowNode1">
+    <dgm:fillClrLst meth="repeat">
+      <a:schemeClr val="lt1">
+        <a:alpha val="90000"/>
+        <a:tint val="40000"/>
+      </a:schemeClr>
+    </dgm:fillClrLst>
+    <dgm:linClrLst meth="repeat">
+      <a:schemeClr val="accent2">
+        <a:alpha val="90000"/>
+      </a:schemeClr>
+    </dgm:linClrLst>
+    <dgm:effectClrLst/>
+    <dgm:txLinClrLst/>
+    <dgm:txFillClrLst meth="repeat">
+      <a:schemeClr val="dk1"/>
+    </dgm:txFillClrLst>
+    <dgm:txEffectClrLst/>
+  </dgm:styleLbl>
+  <dgm:styleLbl name="fgAcc0">
+    <dgm:fillClrLst meth="repeat">
+      <a:schemeClr val="accent2">
+        <a:alpha val="90000"/>
+        <a:tint val="40000"/>
+      </a:schemeClr>
+    </dgm:fillClrLst>
+    <dgm:linClrLst meth="repeat">
+      <a:schemeClr val="accent2"/>
+    </dgm:linClrLst>
+    <dgm:effectClrLst/>
+    <dgm:txLinClrLst/>
+    <dgm:txFillClrLst meth="repeat">
+      <a:schemeClr val="dk1"/>
+    </dgm:txFillClrLst>
+    <dgm:txEffectClrLst/>
+  </dgm:styleLbl>
+  <dgm:styleLbl name="fgAcc2">
+    <dgm:fillClrLst meth="repeat">
+      <a:schemeClr val="accent2">
+        <a:alpha val="90000"/>
+        <a:tint val="40000"/>
+      </a:schemeClr>
+    </dgm:fillClrLst>
+    <dgm:linClrLst meth="repeat">
+      <a:schemeClr val="accent2"/>
+    </dgm:linClrLst>
+    <dgm:effectClrLst/>
+    <dgm:txLinClrLst/>
+    <dgm:txFillClrLst meth="repeat">
+      <a:schemeClr val="dk1"/>
+    </dgm:txFillClrLst>
+    <dgm:txEffectClrLst/>
+  </dgm:styleLbl>
+  <dgm:styleLbl name="fgAcc3">
+    <dgm:fillClrLst meth="repeat">
+      <a:schemeClr val="accent2">
+        <a:alpha val="90000"/>
+        <a:tint val="40000"/>
+      </a:schemeClr>
+    </dgm:fillClrLst>
+    <dgm:linClrLst meth="repeat">
+      <a:schemeClr val="accent2"/>
+    </dgm:linClrLst>
+    <dgm:effectClrLst/>
+    <dgm:txLinClrLst/>
+    <dgm:txFillClrLst meth="repeat">
+      <a:schemeClr val="dk1"/>
+    </dgm:txFillClrLst>
+    <dgm:txEffectClrLst/>
+  </dgm:styleLbl>
+  <dgm:styleLbl name="fgAcc4">
+    <dgm:fillClrLst meth="repeat">
+      <a:schemeClr val="accent2">
+        <a:alpha val="90000"/>
+        <a:tint val="40000"/>
+      </a:schemeClr>
+    </dgm:fillClrLst>
+    <dgm:linClrLst meth="repeat">
+      <a:schemeClr val="accent2"/>
+    </dgm:linClrLst>
+    <dgm:effectClrLst/>
+    <dgm:txLinClrLst/>
+    <dgm:txFillClrLst meth="repeat">
+      <a:schemeClr val="dk1"/>
+    </dgm:txFillClrLst>
+    <dgm:txEffectClrLst/>
+  </dgm:styleLbl>
+  <dgm:styleLbl name="bgShp">
+    <dgm:fillClrLst meth="repeat">
+      <a:schemeClr val="accent2">
+        <a:tint val="40000"/>
+      </a:schemeClr>
+    </dgm:fillClrLst>
+    <dgm:linClrLst meth="repeat">
+      <a:schemeClr val="accent2"/>
+    </dgm:linClrLst>
+    <dgm:effectClrLst/>
+    <dgm:txLinClrLst/>
+    <dgm:txFillClrLst meth="repeat">
+      <a:schemeClr val="dk1"/>
+    </dgm:txFillClrLst>
+    <dgm:txEffectClrLst/>
+  </dgm:styleLbl>
+  <dgm:styleLbl name="dkBgShp">
+    <dgm:fillClrLst meth="repeat">
+      <a:schemeClr val="accent2">
+        <a:shade val="80000"/>
+      </a:schemeClr>
+    </dgm:fillClrLst>
+    <dgm:linClrLst meth="repeat">
+      <a:schemeClr val="accent2"/>
+    </dgm:linClrLst>
+    <dgm:effectClrLst/>
+    <dgm:txLinClrLst/>
+    <dgm:txFillClrLst meth="repeat">
+      <a:schemeClr val="lt1"/>
+    </dgm:txFillClrLst>
+    <dgm:txEffectClrLst/>
+  </dgm:styleLbl>
+  <dgm:styleLbl name="trBgShp">
+    <dgm:fillClrLst meth="repeat">
+      <a:schemeClr val="accent2">
+        <a:tint val="50000"/>
+        <a:alpha val="40000"/>
+      </a:schemeClr>
+    </dgm:fillClrLst>
+    <dgm:linClrLst meth="repeat">
+      <a:schemeClr val="accent2"/>
+    </dgm:linClrLst>
+    <dgm:effectClrLst/>
+    <dgm:txLinClrLst/>
+    <dgm:txFillClrLst meth="repeat">
+      <a:schemeClr val="lt1"/>
+    </dgm:txFillClrLst>
+    <dgm:txEffectClrLst/>
+  </dgm:styleLbl>
+  <dgm:styleLbl name="fgShp">
+    <dgm:fillClrLst meth="repeat">
+      <a:schemeClr val="accent2">
+        <a:tint val="60000"/>
+      </a:schemeClr>
+    </dgm:fillClrLst>
+    <dgm:linClrLst meth="repeat">
+      <a:schemeClr val="lt1"/>
+    </dgm:linClrLst>
+    <dgm:effectClrLst/>
+    <dgm:txLinClrLst/>
+    <dgm:txFillClrLst meth="repeat">
+      <a:schemeClr val="dk1"/>
+    </dgm:txFillClrLst>
+    <dgm:txEffectClrLst/>
+  </dgm:styleLbl>
+  <dgm:styleLbl name="revTx">
+    <dgm:fillClrLst meth="repeat">
+      <a:schemeClr val="lt1">
+        <a:alpha val="0"/>
+      </a:schemeClr>
+    </dgm:fillClrLst>
+    <dgm:linClrLst meth="repeat">
+      <a:schemeClr val="dk1">
+        <a:alpha val="0"/>
+      </a:schemeClr>
+    </dgm:linClrLst>
+    <dgm:effectClrLst/>
+    <dgm:txLinClrLst/>
+    <dgm:txFillClrLst meth="repeat">
+      <a:schemeClr val="tx1"/>
+    </dgm:txFillClrLst>
+    <dgm:txEffectClrLst/>
+  </dgm:styleLbl>
+</dgm:colorsDef>
+</file>
+
+<file path=ppt/diagrams/colors5.xml><?xml version="1.0" encoding="utf-8"?>
 <dgm:colorsDef xmlns:dgm="http://schemas.openxmlformats.org/drawingml/2006/diagram" xmlns:a="http://schemas.openxmlformats.org/drawingml/2006/main" uniqueId="urn:microsoft.com/office/officeart/2005/8/colors/accent1_2">
   <dgm:title val=""/>
   <dgm:desc val=""/>
@@ -2432,7 +4149,7 @@
 </dgm:colorsDef>
 </file>
 
-<file path=ppt/diagrams/colors4.xml><?xml version="1.0" encoding="utf-8"?>
+<file path=ppt/diagrams/colors6.xml><?xml version="1.0" encoding="utf-8"?>
 <dgm:colorsDef xmlns:dgm="http://schemas.openxmlformats.org/drawingml/2006/diagram" xmlns:a="http://schemas.openxmlformats.org/drawingml/2006/main" uniqueId="urn:microsoft.com/office/officeart/2005/8/colors/accent1_2">
   <dgm:title val=""/>
   <dgm:desc val=""/>
@@ -3354,10 +5071,22 @@
         <a:p>
           <a:pPr rtl="0"/>
           <a:r>
-            <a:rPr lang="en-US" smtClean="0"/>
-            <a:t>Conceito de uma Web API</a:t>
+            <a:rPr lang="en-US" dirty="0" err="1" smtClean="0"/>
+            <a:t>Conceito</a:t>
           </a:r>
-          <a:endParaRPr lang="pt-BR"/>
+          <a:r>
+            <a:rPr lang="en-US" dirty="0" smtClean="0"/>
+            <a:t> de </a:t>
+          </a:r>
+          <a:r>
+            <a:rPr lang="en-US" dirty="0" err="1" smtClean="0"/>
+            <a:t>uma</a:t>
+          </a:r>
+          <a:r>
+            <a:rPr lang="en-US" dirty="0" smtClean="0"/>
+            <a:t> Web API</a:t>
+          </a:r>
+          <a:endParaRPr lang="pt-BR" dirty="0"/>
         </a:p>
       </dgm:t>
     </dgm:pt>
@@ -4349,6 +6078,344 @@
 <file path=ppt/diagrams/data3.xml><?xml version="1.0" encoding="utf-8"?>
 <dgm:dataModel xmlns:dgm="http://schemas.openxmlformats.org/drawingml/2006/diagram" xmlns:a="http://schemas.openxmlformats.org/drawingml/2006/main">
   <dgm:ptLst>
+    <dgm:pt modelId="{3A6DC2CE-4692-4770-AB60-484561432D09}" type="doc">
+      <dgm:prSet loTypeId="urn:microsoft.com/office/officeart/2008/layout/VerticalCurvedList" loCatId="list" qsTypeId="urn:microsoft.com/office/officeart/2005/8/quickstyle/simple1" qsCatId="simple" csTypeId="urn:microsoft.com/office/officeart/2005/8/colors/accent2_1" csCatId="accent2"/>
+      <dgm:spPr/>
+      <dgm:t>
+        <a:bodyPr/>
+        <a:lstStyle/>
+        <a:p>
+          <a:endParaRPr lang="en-US"/>
+        </a:p>
+      </dgm:t>
+    </dgm:pt>
+    <dgm:pt modelId="{89740EDC-4D7B-43F7-8A11-CA961528302A}">
+      <dgm:prSet/>
+      <dgm:spPr/>
+      <dgm:t>
+        <a:bodyPr/>
+        <a:lstStyle/>
+        <a:p>
+          <a:pPr rtl="0"/>
+          <a:r>
+            <a:rPr lang="pt-BR" smtClean="0"/>
+            <a:t>São os métodos disponiveis em uma WEB API. Todo recurso possui uma rota para ser acessado e em nosso projeto não pode ter rotas iguais.</a:t>
+          </a:r>
+          <a:endParaRPr lang="pt-BR"/>
+        </a:p>
+      </dgm:t>
+    </dgm:pt>
+    <dgm:pt modelId="{A7F995B7-E090-477D-94F0-CF8DD4574E17}" type="parTrans" cxnId="{1814C431-7CAD-4CFF-A230-615672A62E80}">
+      <dgm:prSet/>
+      <dgm:spPr/>
+      <dgm:t>
+        <a:bodyPr/>
+        <a:lstStyle/>
+        <a:p>
+          <a:endParaRPr lang="en-US"/>
+        </a:p>
+      </dgm:t>
+    </dgm:pt>
+    <dgm:pt modelId="{D3818A71-CBA9-4F4F-B1B9-43BD254E17D3}" type="sibTrans" cxnId="{1814C431-7CAD-4CFF-A230-615672A62E80}">
+      <dgm:prSet/>
+      <dgm:spPr/>
+      <dgm:t>
+        <a:bodyPr/>
+        <a:lstStyle/>
+        <a:p>
+          <a:endParaRPr lang="en-US"/>
+        </a:p>
+      </dgm:t>
+    </dgm:pt>
+    <dgm:pt modelId="{341FDFD0-67ED-4D07-863A-90038ADAA358}" type="pres">
+      <dgm:prSet presAssocID="{3A6DC2CE-4692-4770-AB60-484561432D09}" presName="Name0" presStyleCnt="0">
+        <dgm:presLayoutVars>
+          <dgm:chMax val="7"/>
+          <dgm:chPref val="7"/>
+          <dgm:dir/>
+        </dgm:presLayoutVars>
+      </dgm:prSet>
+      <dgm:spPr/>
+    </dgm:pt>
+    <dgm:pt modelId="{F7CC47C4-64A1-4578-A8D8-F6DEAF6EBFA3}" type="pres">
+      <dgm:prSet presAssocID="{3A6DC2CE-4692-4770-AB60-484561432D09}" presName="Name1" presStyleCnt="0"/>
+      <dgm:spPr/>
+    </dgm:pt>
+    <dgm:pt modelId="{3D37E922-7D7A-4C99-96CF-7A210527EF7F}" type="pres">
+      <dgm:prSet presAssocID="{3A6DC2CE-4692-4770-AB60-484561432D09}" presName="cycle" presStyleCnt="0"/>
+      <dgm:spPr/>
+    </dgm:pt>
+    <dgm:pt modelId="{B181FECE-8051-43CB-A646-E8C4BA4EC183}" type="pres">
+      <dgm:prSet presAssocID="{3A6DC2CE-4692-4770-AB60-484561432D09}" presName="srcNode" presStyleLbl="node1" presStyleIdx="0" presStyleCnt="1"/>
+      <dgm:spPr/>
+    </dgm:pt>
+    <dgm:pt modelId="{424BA611-478E-4404-B584-31ABE1B60E6C}" type="pres">
+      <dgm:prSet presAssocID="{3A6DC2CE-4692-4770-AB60-484561432D09}" presName="conn" presStyleLbl="parChTrans1D2" presStyleIdx="0" presStyleCnt="1"/>
+      <dgm:spPr/>
+    </dgm:pt>
+    <dgm:pt modelId="{828E41F0-8FB3-4E88-9331-D95AED695821}" type="pres">
+      <dgm:prSet presAssocID="{3A6DC2CE-4692-4770-AB60-484561432D09}" presName="extraNode" presStyleLbl="node1" presStyleIdx="0" presStyleCnt="1"/>
+      <dgm:spPr/>
+    </dgm:pt>
+    <dgm:pt modelId="{D3854051-0651-4864-9EBA-4B3760427B62}" type="pres">
+      <dgm:prSet presAssocID="{3A6DC2CE-4692-4770-AB60-484561432D09}" presName="dstNode" presStyleLbl="node1" presStyleIdx="0" presStyleCnt="1"/>
+      <dgm:spPr/>
+    </dgm:pt>
+    <dgm:pt modelId="{7572AD67-CBD7-4573-82A4-45D058E32A43}" type="pres">
+      <dgm:prSet presAssocID="{89740EDC-4D7B-43F7-8A11-CA961528302A}" presName="text_1" presStyleLbl="node1" presStyleIdx="0" presStyleCnt="1">
+        <dgm:presLayoutVars>
+          <dgm:bulletEnabled val="1"/>
+        </dgm:presLayoutVars>
+      </dgm:prSet>
+      <dgm:spPr/>
+    </dgm:pt>
+    <dgm:pt modelId="{59239D90-50E5-4AB6-8F6E-0A946B4268AF}" type="pres">
+      <dgm:prSet presAssocID="{89740EDC-4D7B-43F7-8A11-CA961528302A}" presName="accent_1" presStyleCnt="0"/>
+      <dgm:spPr/>
+    </dgm:pt>
+    <dgm:pt modelId="{E462ED1C-6DB6-49D5-BAE2-E751D5E64143}" type="pres">
+      <dgm:prSet presAssocID="{89740EDC-4D7B-43F7-8A11-CA961528302A}" presName="accentRepeatNode" presStyleLbl="solidFgAcc1" presStyleIdx="0" presStyleCnt="1"/>
+      <dgm:spPr/>
+    </dgm:pt>
+  </dgm:ptLst>
+  <dgm:cxnLst>
+    <dgm:cxn modelId="{8EAD63E8-1D22-4566-B622-6EC831616958}" type="presOf" srcId="{3A6DC2CE-4692-4770-AB60-484561432D09}" destId="{341FDFD0-67ED-4D07-863A-90038ADAA358}" srcOrd="0" destOrd="0" presId="urn:microsoft.com/office/officeart/2008/layout/VerticalCurvedList"/>
+    <dgm:cxn modelId="{6206C8E7-D861-48F2-B34D-2BE3EA1ABF74}" type="presOf" srcId="{D3818A71-CBA9-4F4F-B1B9-43BD254E17D3}" destId="{424BA611-478E-4404-B584-31ABE1B60E6C}" srcOrd="0" destOrd="0" presId="urn:microsoft.com/office/officeart/2008/layout/VerticalCurvedList"/>
+    <dgm:cxn modelId="{E72DBBA3-586B-45BA-B5C2-1510DFE6A006}" type="presOf" srcId="{89740EDC-4D7B-43F7-8A11-CA961528302A}" destId="{7572AD67-CBD7-4573-82A4-45D058E32A43}" srcOrd="0" destOrd="0" presId="urn:microsoft.com/office/officeart/2008/layout/VerticalCurvedList"/>
+    <dgm:cxn modelId="{1814C431-7CAD-4CFF-A230-615672A62E80}" srcId="{3A6DC2CE-4692-4770-AB60-484561432D09}" destId="{89740EDC-4D7B-43F7-8A11-CA961528302A}" srcOrd="0" destOrd="0" parTransId="{A7F995B7-E090-477D-94F0-CF8DD4574E17}" sibTransId="{D3818A71-CBA9-4F4F-B1B9-43BD254E17D3}"/>
+    <dgm:cxn modelId="{1DFA81CC-8755-4E8D-BA67-4B3D5BF3E694}" type="presParOf" srcId="{341FDFD0-67ED-4D07-863A-90038ADAA358}" destId="{F7CC47C4-64A1-4578-A8D8-F6DEAF6EBFA3}" srcOrd="0" destOrd="0" presId="urn:microsoft.com/office/officeart/2008/layout/VerticalCurvedList"/>
+    <dgm:cxn modelId="{33E5F759-67E3-4F42-8EAE-1638902AE5BB}" type="presParOf" srcId="{F7CC47C4-64A1-4578-A8D8-F6DEAF6EBFA3}" destId="{3D37E922-7D7A-4C99-96CF-7A210527EF7F}" srcOrd="0" destOrd="0" presId="urn:microsoft.com/office/officeart/2008/layout/VerticalCurvedList"/>
+    <dgm:cxn modelId="{FBF556A6-A33F-4298-9031-E01CDC07A4B8}" type="presParOf" srcId="{3D37E922-7D7A-4C99-96CF-7A210527EF7F}" destId="{B181FECE-8051-43CB-A646-E8C4BA4EC183}" srcOrd="0" destOrd="0" presId="urn:microsoft.com/office/officeart/2008/layout/VerticalCurvedList"/>
+    <dgm:cxn modelId="{A806E4C2-BCC3-477E-B23A-875F4930B729}" type="presParOf" srcId="{3D37E922-7D7A-4C99-96CF-7A210527EF7F}" destId="{424BA611-478E-4404-B584-31ABE1B60E6C}" srcOrd="1" destOrd="0" presId="urn:microsoft.com/office/officeart/2008/layout/VerticalCurvedList"/>
+    <dgm:cxn modelId="{6FE77A16-E1B2-49DB-907E-C37EE39E34F9}" type="presParOf" srcId="{3D37E922-7D7A-4C99-96CF-7A210527EF7F}" destId="{828E41F0-8FB3-4E88-9331-D95AED695821}" srcOrd="2" destOrd="0" presId="urn:microsoft.com/office/officeart/2008/layout/VerticalCurvedList"/>
+    <dgm:cxn modelId="{5725C8EB-B14B-4858-9073-2D223A500060}" type="presParOf" srcId="{3D37E922-7D7A-4C99-96CF-7A210527EF7F}" destId="{D3854051-0651-4864-9EBA-4B3760427B62}" srcOrd="3" destOrd="0" presId="urn:microsoft.com/office/officeart/2008/layout/VerticalCurvedList"/>
+    <dgm:cxn modelId="{DEF45696-7479-47E0-A9A1-71A2421291CF}" type="presParOf" srcId="{F7CC47C4-64A1-4578-A8D8-F6DEAF6EBFA3}" destId="{7572AD67-CBD7-4573-82A4-45D058E32A43}" srcOrd="1" destOrd="0" presId="urn:microsoft.com/office/officeart/2008/layout/VerticalCurvedList"/>
+    <dgm:cxn modelId="{F1DC818B-CC16-4E82-8AC5-C34B76639C60}" type="presParOf" srcId="{F7CC47C4-64A1-4578-A8D8-F6DEAF6EBFA3}" destId="{59239D90-50E5-4AB6-8F6E-0A946B4268AF}" srcOrd="2" destOrd="0" presId="urn:microsoft.com/office/officeart/2008/layout/VerticalCurvedList"/>
+    <dgm:cxn modelId="{A3BF1B7F-73E0-4881-944F-2F4FF3853354}" type="presParOf" srcId="{59239D90-50E5-4AB6-8F6E-0A946B4268AF}" destId="{E462ED1C-6DB6-49D5-BAE2-E751D5E64143}" srcOrd="0" destOrd="0" presId="urn:microsoft.com/office/officeart/2008/layout/VerticalCurvedList"/>
+  </dgm:cxnLst>
+  <dgm:bg/>
+  <dgm:whole/>
+  <dgm:extLst>
+    <a:ext uri="http://schemas.microsoft.com/office/drawing/2008/diagram">
+      <dsp:dataModelExt xmlns:dsp="http://schemas.microsoft.com/office/drawing/2008/diagram" relId="rId6" minVer="http://schemas.openxmlformats.org/drawingml/2006/diagram"/>
+    </a:ext>
+  </dgm:extLst>
+</dgm:dataModel>
+</file>
+
+<file path=ppt/diagrams/data4.xml><?xml version="1.0" encoding="utf-8"?>
+<dgm:dataModel xmlns:dgm="http://schemas.openxmlformats.org/drawingml/2006/diagram" xmlns:a="http://schemas.openxmlformats.org/drawingml/2006/main">
+  <dgm:ptLst>
+    <dgm:pt modelId="{A57CC328-04F9-47A6-AD33-F577CA62769D}" type="doc">
+      <dgm:prSet loTypeId="urn:microsoft.com/office/officeart/2005/8/layout/chevron2" loCatId="process" qsTypeId="urn:microsoft.com/office/officeart/2005/8/quickstyle/simple1" qsCatId="simple" csTypeId="urn:microsoft.com/office/officeart/2005/8/colors/accent2_1" csCatId="accent2"/>
+      <dgm:spPr/>
+      <dgm:t>
+        <a:bodyPr/>
+        <a:lstStyle/>
+        <a:p>
+          <a:endParaRPr lang="en-US"/>
+        </a:p>
+      </dgm:t>
+    </dgm:pt>
+    <dgm:pt modelId="{532B0A7D-A80E-4E54-8012-C62B8D33FF46}">
+      <dgm:prSet/>
+      <dgm:spPr/>
+      <dgm:t>
+        <a:bodyPr/>
+        <a:lstStyle/>
+        <a:p>
+          <a:pPr rtl="0"/>
+          <a:r>
+            <a:rPr lang="pt-BR" b="1" smtClean="0"/>
+            <a:t>Respostas</a:t>
+          </a:r>
+          <a:endParaRPr lang="pt-BR"/>
+        </a:p>
+      </dgm:t>
+    </dgm:pt>
+    <dgm:pt modelId="{FD88517C-F3C7-4DDA-8BC2-20800ABE8296}" type="parTrans" cxnId="{40FC59CE-2FF2-404F-B608-00D17ECDDC9A}">
+      <dgm:prSet/>
+      <dgm:spPr/>
+      <dgm:t>
+        <a:bodyPr/>
+        <a:lstStyle/>
+        <a:p>
+          <a:endParaRPr lang="en-US"/>
+        </a:p>
+      </dgm:t>
+    </dgm:pt>
+    <dgm:pt modelId="{2F2938A5-592A-4422-82EF-1FC01DE6B8B1}" type="sibTrans" cxnId="{40FC59CE-2FF2-404F-B608-00D17ECDDC9A}">
+      <dgm:prSet/>
+      <dgm:spPr/>
+      <dgm:t>
+        <a:bodyPr/>
+        <a:lstStyle/>
+        <a:p>
+          <a:endParaRPr lang="en-US"/>
+        </a:p>
+      </dgm:t>
+    </dgm:pt>
+    <dgm:pt modelId="{1BAC7997-135B-4388-A77D-95C26D72C31A}">
+      <dgm:prSet/>
+      <dgm:spPr/>
+      <dgm:t>
+        <a:bodyPr/>
+        <a:lstStyle/>
+        <a:p>
+          <a:pPr rtl="0"/>
+          <a:r>
+            <a:rPr lang="pt-BR" smtClean="0"/>
+            <a:t>Baseado nos métodos que discutimos, o servidor deve processar cada uma das requisições e retornar uma resposta adequada. Veja um resumo de cada uma dessas respostas.</a:t>
+          </a:r>
+          <a:endParaRPr lang="pt-BR"/>
+        </a:p>
+      </dgm:t>
+    </dgm:pt>
+    <dgm:pt modelId="{065A3892-8D27-467F-88BF-A819EF3DD0CB}" type="parTrans" cxnId="{D1ECEB4E-B8B7-4656-8F44-9EDBC4B1423E}">
+      <dgm:prSet/>
+      <dgm:spPr/>
+      <dgm:t>
+        <a:bodyPr/>
+        <a:lstStyle/>
+        <a:p>
+          <a:endParaRPr lang="en-US"/>
+        </a:p>
+      </dgm:t>
+    </dgm:pt>
+    <dgm:pt modelId="{1D6070D4-4E50-4952-8C95-27EC62F9B0CC}" type="sibTrans" cxnId="{D1ECEB4E-B8B7-4656-8F44-9EDBC4B1423E}">
+      <dgm:prSet/>
+      <dgm:spPr/>
+      <dgm:t>
+        <a:bodyPr/>
+        <a:lstStyle/>
+        <a:p>
+          <a:endParaRPr lang="en-US"/>
+        </a:p>
+      </dgm:t>
+    </dgm:pt>
+    <dgm:pt modelId="{258AF8AB-8839-489D-A63F-759E91B36EDE}">
+      <dgm:prSet/>
+      <dgm:spPr/>
+      <dgm:t>
+        <a:bodyPr/>
+        <a:lstStyle/>
+        <a:p>
+          <a:pPr rtl="0"/>
+          <a:r>
+            <a:rPr lang="pt-BR" dirty="0" smtClean="0"/>
+            <a:t>1XX – Informações Gerais</a:t>
+          </a:r>
+          <a:br>
+            <a:rPr lang="pt-BR" dirty="0" smtClean="0"/>
+          </a:br>
+          <a:r>
+            <a:rPr lang="pt-BR" dirty="0" smtClean="0"/>
+            <a:t>2XX – Sucesso</a:t>
+          </a:r>
+          <a:br>
+            <a:rPr lang="pt-BR" dirty="0" smtClean="0"/>
+          </a:br>
+          <a:r>
+            <a:rPr lang="pt-BR" dirty="0" smtClean="0"/>
+            <a:t>3XX – Redirecionamento</a:t>
+          </a:r>
+          <a:br>
+            <a:rPr lang="pt-BR" dirty="0" smtClean="0"/>
+          </a:br>
+          <a:r>
+            <a:rPr lang="pt-BR" dirty="0" smtClean="0"/>
+            <a:t>4XX – Erro no cliente</a:t>
+          </a:r>
+          <a:br>
+            <a:rPr lang="pt-BR" dirty="0" smtClean="0"/>
+          </a:br>
+          <a:r>
+            <a:rPr lang="pt-BR" dirty="0" smtClean="0"/>
+            <a:t>5XX – Erro no servidor</a:t>
+          </a:r>
+          <a:endParaRPr lang="pt-BR" dirty="0"/>
+        </a:p>
+      </dgm:t>
+    </dgm:pt>
+    <dgm:pt modelId="{042DA7FF-7F13-46E5-834F-525F77E9E010}" type="parTrans" cxnId="{F53C53B2-2292-4447-ABCB-4112E91940CB}">
+      <dgm:prSet/>
+      <dgm:spPr/>
+      <dgm:t>
+        <a:bodyPr/>
+        <a:lstStyle/>
+        <a:p>
+          <a:endParaRPr lang="en-US"/>
+        </a:p>
+      </dgm:t>
+    </dgm:pt>
+    <dgm:pt modelId="{DF768E93-24A0-4A45-B3B9-FDCA18871A55}" type="sibTrans" cxnId="{F53C53B2-2292-4447-ABCB-4112E91940CB}">
+      <dgm:prSet/>
+      <dgm:spPr/>
+      <dgm:t>
+        <a:bodyPr/>
+        <a:lstStyle/>
+        <a:p>
+          <a:endParaRPr lang="en-US"/>
+        </a:p>
+      </dgm:t>
+    </dgm:pt>
+    <dgm:pt modelId="{8C8DA567-4831-4A25-AEAE-8BB7798C7C7E}" type="pres">
+      <dgm:prSet presAssocID="{A57CC328-04F9-47A6-AD33-F577CA62769D}" presName="linearFlow" presStyleCnt="0">
+        <dgm:presLayoutVars>
+          <dgm:dir/>
+          <dgm:animLvl val="lvl"/>
+          <dgm:resizeHandles val="exact"/>
+        </dgm:presLayoutVars>
+      </dgm:prSet>
+      <dgm:spPr/>
+    </dgm:pt>
+    <dgm:pt modelId="{2BB7A1DC-2861-4361-A63E-210059BC868C}" type="pres">
+      <dgm:prSet presAssocID="{532B0A7D-A80E-4E54-8012-C62B8D33FF46}" presName="composite" presStyleCnt="0"/>
+      <dgm:spPr/>
+    </dgm:pt>
+    <dgm:pt modelId="{E89D895B-D3C0-4B45-AA85-6569A1BD73BC}" type="pres">
+      <dgm:prSet presAssocID="{532B0A7D-A80E-4E54-8012-C62B8D33FF46}" presName="parentText" presStyleLbl="alignNode1" presStyleIdx="0" presStyleCnt="1">
+        <dgm:presLayoutVars>
+          <dgm:chMax val="1"/>
+          <dgm:bulletEnabled val="1"/>
+        </dgm:presLayoutVars>
+      </dgm:prSet>
+      <dgm:spPr/>
+    </dgm:pt>
+    <dgm:pt modelId="{77DA5DBB-4309-4A64-BD60-851412A3661B}" type="pres">
+      <dgm:prSet presAssocID="{532B0A7D-A80E-4E54-8012-C62B8D33FF46}" presName="descendantText" presStyleLbl="alignAcc1" presStyleIdx="0" presStyleCnt="1">
+        <dgm:presLayoutVars>
+          <dgm:bulletEnabled val="1"/>
+        </dgm:presLayoutVars>
+      </dgm:prSet>
+      <dgm:spPr/>
+    </dgm:pt>
+  </dgm:ptLst>
+  <dgm:cxnLst>
+    <dgm:cxn modelId="{F53C53B2-2292-4447-ABCB-4112E91940CB}" srcId="{1BAC7997-135B-4388-A77D-95C26D72C31A}" destId="{258AF8AB-8839-489D-A63F-759E91B36EDE}" srcOrd="0" destOrd="0" parTransId="{042DA7FF-7F13-46E5-834F-525F77E9E010}" sibTransId="{DF768E93-24A0-4A45-B3B9-FDCA18871A55}"/>
+    <dgm:cxn modelId="{40FC59CE-2FF2-404F-B608-00D17ECDDC9A}" srcId="{A57CC328-04F9-47A6-AD33-F577CA62769D}" destId="{532B0A7D-A80E-4E54-8012-C62B8D33FF46}" srcOrd="0" destOrd="0" parTransId="{FD88517C-F3C7-4DDA-8BC2-20800ABE8296}" sibTransId="{2F2938A5-592A-4422-82EF-1FC01DE6B8B1}"/>
+    <dgm:cxn modelId="{06DAA38D-3072-4859-8A34-AAFC28794423}" type="presOf" srcId="{1BAC7997-135B-4388-A77D-95C26D72C31A}" destId="{77DA5DBB-4309-4A64-BD60-851412A3661B}" srcOrd="0" destOrd="0" presId="urn:microsoft.com/office/officeart/2005/8/layout/chevron2"/>
+    <dgm:cxn modelId="{CF184C5F-81AB-4936-9A3B-1D383218BA3C}" type="presOf" srcId="{532B0A7D-A80E-4E54-8012-C62B8D33FF46}" destId="{E89D895B-D3C0-4B45-AA85-6569A1BD73BC}" srcOrd="0" destOrd="0" presId="urn:microsoft.com/office/officeart/2005/8/layout/chevron2"/>
+    <dgm:cxn modelId="{D1ECEB4E-B8B7-4656-8F44-9EDBC4B1423E}" srcId="{532B0A7D-A80E-4E54-8012-C62B8D33FF46}" destId="{1BAC7997-135B-4388-A77D-95C26D72C31A}" srcOrd="0" destOrd="0" parTransId="{065A3892-8D27-467F-88BF-A819EF3DD0CB}" sibTransId="{1D6070D4-4E50-4952-8C95-27EC62F9B0CC}"/>
+    <dgm:cxn modelId="{17C514F3-5AD4-4390-8BD5-30B2CF7F33BB}" type="presOf" srcId="{A57CC328-04F9-47A6-AD33-F577CA62769D}" destId="{8C8DA567-4831-4A25-AEAE-8BB7798C7C7E}" srcOrd="0" destOrd="0" presId="urn:microsoft.com/office/officeart/2005/8/layout/chevron2"/>
+    <dgm:cxn modelId="{DA3E99AC-FA8C-4A71-9734-5170949BC5EC}" type="presOf" srcId="{258AF8AB-8839-489D-A63F-759E91B36EDE}" destId="{77DA5DBB-4309-4A64-BD60-851412A3661B}" srcOrd="0" destOrd="1" presId="urn:microsoft.com/office/officeart/2005/8/layout/chevron2"/>
+    <dgm:cxn modelId="{982B672F-734A-412F-B66C-E3A3B8374678}" type="presParOf" srcId="{8C8DA567-4831-4A25-AEAE-8BB7798C7C7E}" destId="{2BB7A1DC-2861-4361-A63E-210059BC868C}" srcOrd="0" destOrd="0" presId="urn:microsoft.com/office/officeart/2005/8/layout/chevron2"/>
+    <dgm:cxn modelId="{6B2674A5-0E30-413E-8B2E-5EA2671080DF}" type="presParOf" srcId="{2BB7A1DC-2861-4361-A63E-210059BC868C}" destId="{E89D895B-D3C0-4B45-AA85-6569A1BD73BC}" srcOrd="0" destOrd="0" presId="urn:microsoft.com/office/officeart/2005/8/layout/chevron2"/>
+    <dgm:cxn modelId="{406430FC-A9D0-4EF7-8431-8E77107B46D9}" type="presParOf" srcId="{2BB7A1DC-2861-4361-A63E-210059BC868C}" destId="{77DA5DBB-4309-4A64-BD60-851412A3661B}" srcOrd="1" destOrd="0" presId="urn:microsoft.com/office/officeart/2005/8/layout/chevron2"/>
+  </dgm:cxnLst>
+  <dgm:bg/>
+  <dgm:whole/>
+  <dgm:extLst>
+    <a:ext uri="http://schemas.microsoft.com/office/drawing/2008/diagram">
+      <dsp:dataModelExt xmlns:dsp="http://schemas.microsoft.com/office/drawing/2008/diagram" relId="rId6" minVer="http://schemas.openxmlformats.org/drawingml/2006/diagram"/>
+    </a:ext>
+  </dgm:extLst>
+</dgm:dataModel>
+</file>
+
+<file path=ppt/diagrams/data5.xml><?xml version="1.0" encoding="utf-8"?>
+<dgm:dataModel xmlns:dgm="http://schemas.openxmlformats.org/drawingml/2006/diagram" xmlns:a="http://schemas.openxmlformats.org/drawingml/2006/main">
+  <dgm:ptLst>
     <dgm:pt modelId="{1A97853D-9EE8-449A-A565-DF4AC95E353C}" type="doc">
       <dgm:prSet loTypeId="urn:microsoft.com/office/officeart/2005/8/layout/matrix3" loCatId="matrix" qsTypeId="urn:microsoft.com/office/officeart/2005/8/quickstyle/simple1" qsCatId="simple" csTypeId="urn:microsoft.com/office/officeart/2005/8/colors/accent1_2" csCatId="accent1" phldr="1"/>
       <dgm:spPr/>
@@ -4546,7 +6613,7 @@
 </dgm:dataModel>
 </file>
 
-<file path=ppt/diagrams/data4.xml><?xml version="1.0" encoding="utf-8"?>
+<file path=ppt/diagrams/data6.xml><?xml version="1.0" encoding="utf-8"?>
 <dgm:dataModel xmlns:dgm="http://schemas.openxmlformats.org/drawingml/2006/diagram" xmlns:a="http://schemas.openxmlformats.org/drawingml/2006/main">
   <dgm:ptLst>
     <dgm:pt modelId="{1A97853D-9EE8-449A-A565-DF4AC95E353C}" type="doc">
@@ -5206,10 +7273,22 @@
             </a:spcAft>
           </a:pPr>
           <a:r>
-            <a:rPr lang="en-US" sz="1900" kern="1200" smtClean="0"/>
-            <a:t>Conceito de uma Web API</a:t>
+            <a:rPr lang="en-US" sz="1900" kern="1200" dirty="0" err="1" smtClean="0"/>
+            <a:t>Conceito</a:t>
           </a:r>
-          <a:endParaRPr lang="pt-BR" sz="1900" kern="1200"/>
+          <a:r>
+            <a:rPr lang="en-US" sz="1900" kern="1200" dirty="0" smtClean="0"/>
+            <a:t> de </a:t>
+          </a:r>
+          <a:r>
+            <a:rPr lang="en-US" sz="1900" kern="1200" dirty="0" err="1" smtClean="0"/>
+            <a:t>uma</a:t>
+          </a:r>
+          <a:r>
+            <a:rPr lang="en-US" sz="1900" kern="1200" dirty="0" smtClean="0"/>
+            <a:t> Web API</a:t>
+          </a:r>
+          <a:endParaRPr lang="pt-BR" sz="1900" kern="1200" dirty="0"/>
         </a:p>
       </dsp:txBody>
       <dsp:txXfrm>
@@ -6387,6 +8466,408 @@
       <dsp:cNvGrpSpPr/>
     </dsp:nvGrpSpPr>
     <dsp:grpSpPr/>
+    <dsp:sp modelId="{424BA611-478E-4404-B584-31ABE1B60E6C}">
+      <dsp:nvSpPr>
+        <dsp:cNvPr id="0" name=""/>
+        <dsp:cNvSpPr/>
+      </dsp:nvSpPr>
+      <dsp:spPr>
+        <a:xfrm>
+          <a:off x="-5295019" y="-882920"/>
+          <a:ext cx="6867702" cy="6867702"/>
+        </a:xfrm>
+        <a:prstGeom prst="blockArc">
+          <a:avLst>
+            <a:gd name="adj1" fmla="val 18900000"/>
+            <a:gd name="adj2" fmla="val 2700000"/>
+            <a:gd name="adj3" fmla="val 315"/>
+          </a:avLst>
+        </a:prstGeom>
+        <a:noFill/>
+        <a:ln w="12700" cap="flat" cmpd="sng" algn="ctr">
+          <a:solidFill>
+            <a:schemeClr val="accent2">
+              <a:shade val="60000"/>
+              <a:hueOff val="0"/>
+              <a:satOff val="0"/>
+              <a:lumOff val="0"/>
+              <a:alphaOff val="0"/>
+            </a:schemeClr>
+          </a:solidFill>
+          <a:prstDash val="solid"/>
+          <a:miter lim="800000"/>
+        </a:ln>
+        <a:effectLst/>
+      </dsp:spPr>
+      <dsp:style>
+        <a:lnRef idx="2">
+          <a:scrgbClr r="0" g="0" b="0"/>
+        </a:lnRef>
+        <a:fillRef idx="0">
+          <a:scrgbClr r="0" g="0" b="0"/>
+        </a:fillRef>
+        <a:effectRef idx="0">
+          <a:scrgbClr r="0" g="0" b="0"/>
+        </a:effectRef>
+        <a:fontRef idx="minor"/>
+      </dsp:style>
+    </dsp:sp>
+    <dsp:sp modelId="{7572AD67-CBD7-4573-82A4-45D058E32A43}">
+      <dsp:nvSpPr>
+        <dsp:cNvPr id="0" name=""/>
+        <dsp:cNvSpPr/>
+      </dsp:nvSpPr>
+      <dsp:spPr>
+        <a:xfrm>
+          <a:off x="1532570" y="1324874"/>
+          <a:ext cx="9506851" cy="2452112"/>
+        </a:xfrm>
+        <a:prstGeom prst="rect">
+          <a:avLst/>
+        </a:prstGeom>
+        <a:solidFill>
+          <a:schemeClr val="lt1">
+            <a:hueOff val="0"/>
+            <a:satOff val="0"/>
+            <a:lumOff val="0"/>
+            <a:alphaOff val="0"/>
+          </a:schemeClr>
+        </a:solidFill>
+        <a:ln w="12700" cap="flat" cmpd="sng" algn="ctr">
+          <a:solidFill>
+            <a:schemeClr val="accent2">
+              <a:shade val="80000"/>
+              <a:hueOff val="0"/>
+              <a:satOff val="0"/>
+              <a:lumOff val="0"/>
+              <a:alphaOff val="0"/>
+            </a:schemeClr>
+          </a:solidFill>
+          <a:prstDash val="solid"/>
+          <a:miter lim="800000"/>
+        </a:ln>
+        <a:effectLst/>
+      </dsp:spPr>
+      <dsp:style>
+        <a:lnRef idx="2">
+          <a:scrgbClr r="0" g="0" b="0"/>
+        </a:lnRef>
+        <a:fillRef idx="1">
+          <a:scrgbClr r="0" g="0" b="0"/>
+        </a:fillRef>
+        <a:effectRef idx="0">
+          <a:scrgbClr r="0" g="0" b="0"/>
+        </a:effectRef>
+        <a:fontRef idx="minor">
+          <a:schemeClr val="lt1"/>
+        </a:fontRef>
+      </dsp:style>
+      <dsp:txBody>
+        <a:bodyPr spcFirstLastPara="0" vert="horz" wrap="square" lIns="2024801" tIns="91440" rIns="91440" bIns="91440" numCol="1" spcCol="1270" anchor="ctr" anchorCtr="0">
+          <a:noAutofit/>
+        </a:bodyPr>
+        <a:lstStyle/>
+        <a:p>
+          <a:pPr lvl="0" algn="l" defTabSz="1600200" rtl="0">
+            <a:lnSpc>
+              <a:spcPct val="90000"/>
+            </a:lnSpc>
+            <a:spcBef>
+              <a:spcPct val="0"/>
+            </a:spcBef>
+            <a:spcAft>
+              <a:spcPct val="35000"/>
+            </a:spcAft>
+          </a:pPr>
+          <a:r>
+            <a:rPr lang="pt-BR" sz="3600" kern="1200" smtClean="0"/>
+            <a:t>São os métodos disponiveis em uma WEB API. Todo recurso possui uma rota para ser acessado e em nosso projeto não pode ter rotas iguais.</a:t>
+          </a:r>
+          <a:endParaRPr lang="pt-BR" sz="3600" kern="1200"/>
+        </a:p>
+      </dsp:txBody>
+      <dsp:txXfrm>
+        <a:off x="1532570" y="1324874"/>
+        <a:ext cx="9506851" cy="2452112"/>
+      </dsp:txXfrm>
+    </dsp:sp>
+    <dsp:sp modelId="{E462ED1C-6DB6-49D5-BAE2-E751D5E64143}">
+      <dsp:nvSpPr>
+        <dsp:cNvPr id="0" name=""/>
+        <dsp:cNvSpPr/>
+      </dsp:nvSpPr>
+      <dsp:spPr>
+        <a:xfrm>
+          <a:off x="0" y="1018360"/>
+          <a:ext cx="3065140" cy="3065140"/>
+        </a:xfrm>
+        <a:prstGeom prst="ellipse">
+          <a:avLst/>
+        </a:prstGeom>
+        <a:solidFill>
+          <a:schemeClr val="lt1">
+            <a:hueOff val="0"/>
+            <a:satOff val="0"/>
+            <a:lumOff val="0"/>
+            <a:alphaOff val="0"/>
+          </a:schemeClr>
+        </a:solidFill>
+        <a:ln w="12700" cap="flat" cmpd="sng" algn="ctr">
+          <a:solidFill>
+            <a:schemeClr val="accent2">
+              <a:hueOff val="0"/>
+              <a:satOff val="0"/>
+              <a:lumOff val="0"/>
+              <a:alphaOff val="0"/>
+            </a:schemeClr>
+          </a:solidFill>
+          <a:prstDash val="solid"/>
+          <a:miter lim="800000"/>
+        </a:ln>
+        <a:effectLst/>
+      </dsp:spPr>
+      <dsp:style>
+        <a:lnRef idx="2">
+          <a:scrgbClr r="0" g="0" b="0"/>
+        </a:lnRef>
+        <a:fillRef idx="1">
+          <a:scrgbClr r="0" g="0" b="0"/>
+        </a:fillRef>
+        <a:effectRef idx="0">
+          <a:scrgbClr r="0" g="0" b="0"/>
+        </a:effectRef>
+        <a:fontRef idx="minor"/>
+      </dsp:style>
+    </dsp:sp>
+  </dsp:spTree>
+</dsp:drawing>
+</file>
+
+<file path=ppt/diagrams/drawing4.xml><?xml version="1.0" encoding="utf-8"?>
+<dsp:drawing xmlns:dgm="http://schemas.openxmlformats.org/drawingml/2006/diagram" xmlns:dsp="http://schemas.microsoft.com/office/drawing/2008/diagram" xmlns:a="http://schemas.openxmlformats.org/drawingml/2006/main">
+  <dsp:spTree>
+    <dsp:nvGrpSpPr>
+      <dsp:cNvPr id="0" name=""/>
+      <dsp:cNvGrpSpPr/>
+    </dsp:nvGrpSpPr>
+    <dsp:grpSpPr/>
+    <dsp:sp modelId="{E89D895B-D3C0-4B45-AA85-6569A1BD73BC}">
+      <dsp:nvSpPr>
+        <dsp:cNvPr id="0" name=""/>
+        <dsp:cNvSpPr/>
+      </dsp:nvSpPr>
+      <dsp:spPr>
+        <a:xfrm rot="5400000">
+          <a:off x="-683840" y="683840"/>
+          <a:ext cx="4558938" cy="3191256"/>
+        </a:xfrm>
+        <a:prstGeom prst="chevron">
+          <a:avLst/>
+        </a:prstGeom>
+        <a:solidFill>
+          <a:schemeClr val="lt1">
+            <a:hueOff val="0"/>
+            <a:satOff val="0"/>
+            <a:lumOff val="0"/>
+            <a:alphaOff val="0"/>
+          </a:schemeClr>
+        </a:solidFill>
+        <a:ln w="12700" cap="flat" cmpd="sng" algn="ctr">
+          <a:solidFill>
+            <a:schemeClr val="accent2">
+              <a:shade val="80000"/>
+              <a:hueOff val="0"/>
+              <a:satOff val="0"/>
+              <a:lumOff val="0"/>
+              <a:alphaOff val="0"/>
+            </a:schemeClr>
+          </a:solidFill>
+          <a:prstDash val="solid"/>
+          <a:miter lim="800000"/>
+        </a:ln>
+        <a:effectLst/>
+      </dsp:spPr>
+      <dsp:style>
+        <a:lnRef idx="2">
+          <a:scrgbClr r="0" g="0" b="0"/>
+        </a:lnRef>
+        <a:fillRef idx="1">
+          <a:scrgbClr r="0" g="0" b="0"/>
+        </a:fillRef>
+        <a:effectRef idx="0">
+          <a:scrgbClr r="0" g="0" b="0"/>
+        </a:effectRef>
+        <a:fontRef idx="minor">
+          <a:schemeClr val="lt1"/>
+        </a:fontRef>
+      </dsp:style>
+      <dsp:txBody>
+        <a:bodyPr spcFirstLastPara="0" vert="horz" wrap="square" lIns="33020" tIns="33020" rIns="33020" bIns="33020" numCol="1" spcCol="1270" anchor="ctr" anchorCtr="0">
+          <a:noAutofit/>
+        </a:bodyPr>
+        <a:lstStyle/>
+        <a:p>
+          <a:pPr lvl="0" algn="ctr" defTabSz="2311400" rtl="0">
+            <a:lnSpc>
+              <a:spcPct val="90000"/>
+            </a:lnSpc>
+            <a:spcBef>
+              <a:spcPct val="0"/>
+            </a:spcBef>
+            <a:spcAft>
+              <a:spcPct val="35000"/>
+            </a:spcAft>
+          </a:pPr>
+          <a:r>
+            <a:rPr lang="pt-BR" sz="5200" b="1" kern="1200" smtClean="0"/>
+            <a:t>Respostas</a:t>
+          </a:r>
+          <a:endParaRPr lang="pt-BR" sz="5200" kern="1200"/>
+        </a:p>
+      </dsp:txBody>
+      <dsp:txXfrm rot="-5400000">
+        <a:off x="1" y="1595627"/>
+        <a:ext cx="3191256" cy="1367682"/>
+      </dsp:txXfrm>
+    </dsp:sp>
+    <dsp:sp modelId="{77DA5DBB-4309-4A64-BD60-851412A3661B}">
+      <dsp:nvSpPr>
+        <dsp:cNvPr id="0" name=""/>
+        <dsp:cNvSpPr/>
+      </dsp:nvSpPr>
+      <dsp:spPr>
+        <a:xfrm rot="5400000">
+          <a:off x="5659809" y="-2468553"/>
+          <a:ext cx="2963309" cy="7900416"/>
+        </a:xfrm>
+        <a:prstGeom prst="round2SameRect">
+          <a:avLst/>
+        </a:prstGeom>
+        <a:solidFill>
+          <a:schemeClr val="accent2">
+            <a:alpha val="90000"/>
+            <a:tint val="40000"/>
+            <a:hueOff val="0"/>
+            <a:satOff val="0"/>
+            <a:lumOff val="0"/>
+            <a:alphaOff val="0"/>
+          </a:schemeClr>
+        </a:solidFill>
+        <a:ln w="12700" cap="flat" cmpd="sng" algn="ctr">
+          <a:solidFill>
+            <a:schemeClr val="accent2">
+              <a:hueOff val="0"/>
+              <a:satOff val="0"/>
+              <a:lumOff val="0"/>
+              <a:alphaOff val="0"/>
+            </a:schemeClr>
+          </a:solidFill>
+          <a:prstDash val="solid"/>
+          <a:miter lim="800000"/>
+        </a:ln>
+        <a:effectLst/>
+      </dsp:spPr>
+      <dsp:style>
+        <a:lnRef idx="2">
+          <a:scrgbClr r="0" g="0" b="0"/>
+        </a:lnRef>
+        <a:fillRef idx="1">
+          <a:scrgbClr r="0" g="0" b="0"/>
+        </a:fillRef>
+        <a:effectRef idx="0">
+          <a:scrgbClr r="0" g="0" b="0"/>
+        </a:effectRef>
+        <a:fontRef idx="minor"/>
+      </dsp:style>
+      <dsp:txBody>
+        <a:bodyPr spcFirstLastPara="0" vert="horz" wrap="square" lIns="149352" tIns="13335" rIns="13335" bIns="13335" numCol="1" spcCol="1270" anchor="ctr" anchorCtr="0">
+          <a:noAutofit/>
+        </a:bodyPr>
+        <a:lstStyle/>
+        <a:p>
+          <a:pPr marL="228600" lvl="1" indent="-228600" algn="l" defTabSz="933450" rtl="0">
+            <a:lnSpc>
+              <a:spcPct val="90000"/>
+            </a:lnSpc>
+            <a:spcBef>
+              <a:spcPct val="0"/>
+            </a:spcBef>
+            <a:spcAft>
+              <a:spcPct val="15000"/>
+            </a:spcAft>
+            <a:buChar char="••"/>
+          </a:pPr>
+          <a:r>
+            <a:rPr lang="pt-BR" sz="2100" kern="1200" smtClean="0"/>
+            <a:t>Baseado nos métodos que discutimos, o servidor deve processar cada uma das requisições e retornar uma resposta adequada. Veja um resumo de cada uma dessas respostas.</a:t>
+          </a:r>
+          <a:endParaRPr lang="pt-BR" sz="2100" kern="1200"/>
+        </a:p>
+        <a:p>
+          <a:pPr marL="457200" lvl="2" indent="-228600" algn="l" defTabSz="933450" rtl="0">
+            <a:lnSpc>
+              <a:spcPct val="90000"/>
+            </a:lnSpc>
+            <a:spcBef>
+              <a:spcPct val="0"/>
+            </a:spcBef>
+            <a:spcAft>
+              <a:spcPct val="15000"/>
+            </a:spcAft>
+            <a:buChar char="••"/>
+          </a:pPr>
+          <a:r>
+            <a:rPr lang="pt-BR" sz="2100" kern="1200" dirty="0" smtClean="0"/>
+            <a:t>1XX – Informações Gerais</a:t>
+          </a:r>
+          <a:br>
+            <a:rPr lang="pt-BR" sz="2100" kern="1200" dirty="0" smtClean="0"/>
+          </a:br>
+          <a:r>
+            <a:rPr lang="pt-BR" sz="2100" kern="1200" dirty="0" smtClean="0"/>
+            <a:t>2XX – Sucesso</a:t>
+          </a:r>
+          <a:br>
+            <a:rPr lang="pt-BR" sz="2100" kern="1200" dirty="0" smtClean="0"/>
+          </a:br>
+          <a:r>
+            <a:rPr lang="pt-BR" sz="2100" kern="1200" dirty="0" smtClean="0"/>
+            <a:t>3XX – Redirecionamento</a:t>
+          </a:r>
+          <a:br>
+            <a:rPr lang="pt-BR" sz="2100" kern="1200" dirty="0" smtClean="0"/>
+          </a:br>
+          <a:r>
+            <a:rPr lang="pt-BR" sz="2100" kern="1200" dirty="0" smtClean="0"/>
+            <a:t>4XX – Erro no cliente</a:t>
+          </a:r>
+          <a:br>
+            <a:rPr lang="pt-BR" sz="2100" kern="1200" dirty="0" smtClean="0"/>
+          </a:br>
+          <a:r>
+            <a:rPr lang="pt-BR" sz="2100" kern="1200" dirty="0" smtClean="0"/>
+            <a:t>5XX – Erro no servidor</a:t>
+          </a:r>
+          <a:endParaRPr lang="pt-BR" sz="2100" kern="1200" dirty="0"/>
+        </a:p>
+      </dsp:txBody>
+      <dsp:txXfrm rot="-5400000">
+        <a:off x="3191256" y="144657"/>
+        <a:ext cx="7755759" cy="2673995"/>
+      </dsp:txXfrm>
+    </dsp:sp>
+  </dsp:spTree>
+</dsp:drawing>
+</file>
+
+<file path=ppt/diagrams/drawing5.xml><?xml version="1.0" encoding="utf-8"?>
+<dsp:drawing xmlns:dgm="http://schemas.openxmlformats.org/drawingml/2006/diagram" xmlns:dsp="http://schemas.microsoft.com/office/drawing/2008/diagram" xmlns:a="http://schemas.openxmlformats.org/drawingml/2006/main">
+  <dsp:spTree>
+    <dsp:nvGrpSpPr>
+      <dsp:cNvPr id="0" name=""/>
+      <dsp:cNvGrpSpPr/>
+    </dsp:nvGrpSpPr>
+    <dsp:grpSpPr/>
     <dsp:sp modelId="{8B02F8A0-3D20-45BA-A7F5-AD04EBF56313}">
       <dsp:nvSpPr>
         <dsp:cNvPr id="0" name=""/>
@@ -6699,7 +9180,7 @@
 </dsp:drawing>
 </file>
 
-<file path=ppt/diagrams/drawing4.xml><?xml version="1.0" encoding="utf-8"?>
+<file path=ppt/diagrams/drawing6.xml><?xml version="1.0" encoding="utf-8"?>
 <dsp:drawing xmlns:dgm="http://schemas.openxmlformats.org/drawingml/2006/diagram" xmlns:dsp="http://schemas.microsoft.com/office/drawing/2008/diagram" xmlns:a="http://schemas.openxmlformats.org/drawingml/2006/main">
   <dsp:spTree>
     <dsp:nvGrpSpPr>
@@ -7568,6 +10049,1540 @@
 </file>
 
 <file path=ppt/diagrams/layout3.xml><?xml version="1.0" encoding="utf-8"?>
+<dgm:layoutDef xmlns:dgm="http://schemas.openxmlformats.org/drawingml/2006/diagram" xmlns:a="http://schemas.openxmlformats.org/drawingml/2006/main" uniqueId="urn:microsoft.com/office/officeart/2008/layout/VerticalCurvedList">
+  <dgm:title val=""/>
+  <dgm:desc val=""/>
+  <dgm:catLst>
+    <dgm:cat type="list" pri="20000"/>
+  </dgm:catLst>
+  <dgm:sampData>
+    <dgm:dataModel>
+      <dgm:ptLst>
+        <dgm:pt modelId="0" type="doc"/>
+        <dgm:pt modelId="1">
+          <dgm:prSet phldr="1"/>
+        </dgm:pt>
+        <dgm:pt modelId="2">
+          <dgm:prSet phldr="1"/>
+        </dgm:pt>
+        <dgm:pt modelId="3">
+          <dgm:prSet phldr="1"/>
+        </dgm:pt>
+      </dgm:ptLst>
+      <dgm:cxnLst>
+        <dgm:cxn modelId="4" srcId="0" destId="1" srcOrd="0" destOrd="0"/>
+        <dgm:cxn modelId="5" srcId="0" destId="2" srcOrd="1" destOrd="0"/>
+        <dgm:cxn modelId="6" srcId="0" destId="3" srcOrd="2" destOrd="0"/>
+      </dgm:cxnLst>
+      <dgm:bg/>
+      <dgm:whole/>
+    </dgm:dataModel>
+  </dgm:sampData>
+  <dgm:styleData>
+    <dgm:dataModel>
+      <dgm:ptLst>
+        <dgm:pt modelId="0" type="doc"/>
+        <dgm:pt modelId="1">
+          <dgm:prSet phldr="1"/>
+        </dgm:pt>
+        <dgm:pt modelId="2">
+          <dgm:prSet phldr="1"/>
+        </dgm:pt>
+      </dgm:ptLst>
+      <dgm:cxnLst>
+        <dgm:cxn modelId="3" srcId="0" destId="1" srcOrd="0" destOrd="0"/>
+        <dgm:cxn modelId="4" srcId="0" destId="2" srcOrd="1" destOrd="0"/>
+      </dgm:cxnLst>
+      <dgm:bg/>
+      <dgm:whole/>
+    </dgm:dataModel>
+  </dgm:styleData>
+  <dgm:clrData>
+    <dgm:dataModel>
+      <dgm:ptLst>
+        <dgm:pt modelId="0" type="doc"/>
+        <dgm:pt modelId="1">
+          <dgm:prSet phldr="1"/>
+        </dgm:pt>
+        <dgm:pt modelId="2">
+          <dgm:prSet phldr="1"/>
+        </dgm:pt>
+        <dgm:pt modelId="3">
+          <dgm:prSet phldr="1"/>
+        </dgm:pt>
+        <dgm:pt modelId="4">
+          <dgm:prSet phldr="1"/>
+        </dgm:pt>
+      </dgm:ptLst>
+      <dgm:cxnLst>
+        <dgm:cxn modelId="5" srcId="0" destId="1" srcOrd="0" destOrd="0"/>
+        <dgm:cxn modelId="6" srcId="0" destId="2" srcOrd="1" destOrd="0"/>
+        <dgm:cxn modelId="7" srcId="0" destId="3" srcOrd="2" destOrd="0"/>
+        <dgm:cxn modelId="8" srcId="0" destId="4" srcOrd="3" destOrd="0"/>
+      </dgm:cxnLst>
+      <dgm:bg/>
+      <dgm:whole/>
+    </dgm:dataModel>
+  </dgm:clrData>
+  <dgm:layoutNode name="Name0">
+    <dgm:varLst>
+      <dgm:chMax val="7"/>
+      <dgm:chPref val="7"/>
+      <dgm:dir/>
+    </dgm:varLst>
+    <dgm:alg type="composite"/>
+    <dgm:shape xmlns:r="http://schemas.openxmlformats.org/officeDocument/2006/relationships" r:blip="">
+      <dgm:adjLst/>
+    </dgm:shape>
+    <dgm:constrLst>
+      <dgm:constr type="w" for="ch" refType="h" refFor="ch" op="gte" fact="0.8"/>
+    </dgm:constrLst>
+    <dgm:layoutNode name="Name1">
+      <dgm:alg type="composite"/>
+      <dgm:shape xmlns:r="http://schemas.openxmlformats.org/officeDocument/2006/relationships" r:blip="">
+        <dgm:adjLst/>
+      </dgm:shape>
+      <dgm:choose name="Name2">
+        <dgm:if name="Name3" func="var" arg="dir" op="equ" val="norm">
+          <dgm:choose name="Name4">
+            <dgm:if name="Name5" axis="ch" ptType="node" func="cnt" op="equ" val="1">
+              <dgm:constrLst>
+                <dgm:constr type="h" for="ch" forName="cycle" refType="h"/>
+                <dgm:constr type="w" for="ch" forName="cycle" refType="h" refFor="ch" refForName="cycle" fact="0.26"/>
+                <dgm:constr type="l" for="ch" forName="cycle"/>
+                <dgm:constr type="ctrY" for="ch" forName="cycle" refType="h" fact="0.5"/>
+                <dgm:constr type="diam" for="ch" forName="cycle" refType="h" fact="1.344"/>
+                <dgm:constr type="h" for="ch" forName="accent_1" refType="h" fact="0.625"/>
+                <dgm:constr type="w" for="ch" forName="accent_1" refType="h" refFor="ch" refForName="accent_1" op="equ"/>
+                <dgm:constr type="ctrY" for="ch" forName="accent_1" refType="h" fact="0.5"/>
+                <dgm:constr type="ctrX" for="ch" forName="accent_1" refType="h" fact="0.2253"/>
+                <dgm:constr type="l" for="ch" forName="text_1" refType="ctrX" refFor="ch" refForName="accent_1"/>
+                <dgm:constr type="r" for="ch" forName="text_1" refType="w"/>
+                <dgm:constr type="w" for="ch" forName="text_1" refType="h" refFor="ch" refForName="text_1" op="gte"/>
+                <dgm:constr type="h" for="ch" forName="text_1" refType="h" refFor="ch" refForName="accent_1" fact="0.8"/>
+                <dgm:constr type="ctrY" for="ch" forName="text_1" refType="ctrY" refFor="ch" refForName="accent_1"/>
+                <dgm:constr type="lMarg" for="ch" forName="text_1" refType="w" refFor="ch" refForName="accent_1" fact="1.8"/>
+                <dgm:constr type="primFontSz" for="ch" ptType="node" op="equ" val="65"/>
+              </dgm:constrLst>
+            </dgm:if>
+            <dgm:if name="Name6" axis="ch" ptType="node" func="cnt" op="equ" val="2">
+              <dgm:constrLst>
+                <dgm:constr type="h" for="ch" forName="cycle" refType="h"/>
+                <dgm:constr type="w" for="ch" forName="cycle" refType="h" refFor="ch" refForName="cycle" fact="0.26"/>
+                <dgm:constr type="l" for="ch" forName="cycle"/>
+                <dgm:constr type="ctrY" for="ch" forName="cycle" refType="h" fact="0.5"/>
+                <dgm:constr type="diam" for="ch" forName="cycle" refType="h" fact="1.344"/>
+                <dgm:constr type="h" for="ch" forName="accent_1" refType="h" fact="0.3571"/>
+                <dgm:constr type="w" for="ch" forName="accent_1" refType="h" refFor="ch" refForName="accent_1" op="equ"/>
+                <dgm:constr type="ctrY" for="ch" forName="accent_1" refType="h" fact="0.2857"/>
+                <dgm:constr type="ctrX" for="ch" forName="accent_1" refType="h" fact="0.1891"/>
+                <dgm:constr type="l" for="ch" forName="text_1" refType="ctrX" refFor="ch" refForName="accent_1"/>
+                <dgm:constr type="r" for="ch" forName="text_1" refType="w"/>
+                <dgm:constr type="w" for="ch" forName="text_1" refType="h" refFor="ch" refForName="text_1" op="gte"/>
+                <dgm:constr type="h" for="ch" forName="text_1" refType="h" refFor="ch" refForName="accent_1" fact="0.8"/>
+                <dgm:constr type="ctrY" for="ch" forName="text_1" refType="ctrY" refFor="ch" refForName="accent_1"/>
+                <dgm:constr type="lMarg" for="ch" forName="text_1" refType="w" refFor="ch" refForName="accent_1" fact="1.8"/>
+                <dgm:constr type="h" for="ch" forName="accent_2" refType="h" fact="0.3571"/>
+                <dgm:constr type="w" for="ch" forName="accent_2" refType="h" refFor="ch" refForName="accent_2" op="equ"/>
+                <dgm:constr type="ctrY" for="ch" forName="accent_2" refType="h" fact="0.7143"/>
+                <dgm:constr type="ctrX" for="ch" forName="accent_2" refType="h" fact="0.1891"/>
+                <dgm:constr type="l" for="ch" forName="text_2" refType="ctrX" refFor="ch" refForName="accent_2"/>
+                <dgm:constr type="r" for="ch" forName="text_2" refType="w"/>
+                <dgm:constr type="w" for="ch" forName="text_2" refType="h" refFor="ch" refForName="text_2" op="gte"/>
+                <dgm:constr type="h" for="ch" forName="text_2" refType="h" refFor="ch" refForName="accent_2" fact="0.8"/>
+                <dgm:constr type="ctrY" for="ch" forName="text_2" refType="ctrY" refFor="ch" refForName="accent_2"/>
+                <dgm:constr type="lMarg" for="ch" forName="text_2" refType="w" refFor="ch" refForName="accent_2" fact="1.8"/>
+                <dgm:constr type="primFontSz" for="ch" ptType="node" op="equ" val="65"/>
+              </dgm:constrLst>
+            </dgm:if>
+            <dgm:if name="Name7" axis="ch" ptType="node" func="cnt" op="equ" val="3">
+              <dgm:constrLst>
+                <dgm:constr type="h" for="ch" forName="cycle" refType="h"/>
+                <dgm:constr type="w" for="ch" forName="cycle" refType="h" refFor="ch" refForName="cycle" fact="0.26"/>
+                <dgm:constr type="l" for="ch" forName="cycle"/>
+                <dgm:constr type="ctrY" for="ch" forName="cycle" refType="h" fact="0.5"/>
+                <dgm:constr type="diam" for="ch" forName="cycle" refType="h" fact="1.344"/>
+                <dgm:constr type="h" for="ch" forName="accent_1" refType="h" fact="0.25"/>
+                <dgm:constr type="w" for="ch" forName="accent_1" refType="h" refFor="ch" refForName="accent_1" op="equ"/>
+                <dgm:constr type="ctrY" for="ch" forName="accent_1" refType="h" fact="0.2"/>
+                <dgm:constr type="ctrX" for="ch" forName="accent_1" refType="h" fact="0.1526"/>
+                <dgm:constr type="l" for="ch" forName="text_1" refType="ctrX" refFor="ch" refForName="accent_1"/>
+                <dgm:constr type="r" for="ch" forName="text_1" refType="w"/>
+                <dgm:constr type="w" for="ch" forName="text_1" refType="h" refFor="ch" refForName="text_1" op="gte"/>
+                <dgm:constr type="h" for="ch" forName="text_1" refType="h" refFor="ch" refForName="accent_1" fact="0.8"/>
+                <dgm:constr type="ctrY" for="ch" forName="text_1" refType="ctrY" refFor="ch" refForName="accent_1"/>
+                <dgm:constr type="lMarg" for="ch" forName="text_1" refType="w" refFor="ch" refForName="accent_1" fact="1.8"/>
+                <dgm:constr type="h" for="ch" forName="accent_2" refType="h" fact="0.25"/>
+                <dgm:constr type="w" for="ch" forName="accent_2" refType="h" refFor="ch" refForName="accent_2" op="equ"/>
+                <dgm:constr type="ctrY" for="ch" forName="accent_2" refType="h" fact="0.5"/>
+                <dgm:constr type="ctrX" for="ch" forName="accent_2" refType="h" fact="0.2253"/>
+                <dgm:constr type="l" for="ch" forName="text_2" refType="ctrX" refFor="ch" refForName="accent_2"/>
+                <dgm:constr type="r" for="ch" forName="text_2" refType="w"/>
+                <dgm:constr type="w" for="ch" forName="text_2" refType="h" refFor="ch" refForName="text_2" op="gte"/>
+                <dgm:constr type="h" for="ch" forName="text_2" refType="h" refFor="ch" refForName="accent_2" fact="0.8"/>
+                <dgm:constr type="ctrY" for="ch" forName="text_2" refType="ctrY" refFor="ch" refForName="accent_2"/>
+                <dgm:constr type="lMarg" for="ch" forName="text_2" refType="w" refFor="ch" refForName="accent_2" fact="1.8"/>
+                <dgm:constr type="h" for="ch" forName="accent_3" refType="h" fact="0.25"/>
+                <dgm:constr type="w" for="ch" forName="accent_3" refType="h" refFor="ch" refForName="accent_3" op="equ"/>
+                <dgm:constr type="ctrY" for="ch" forName="accent_3" refType="h" fact="0.8"/>
+                <dgm:constr type="ctrX" for="ch" forName="accent_3" refType="h" fact="0.1526"/>
+                <dgm:constr type="l" for="ch" forName="text_3" refType="ctrX" refFor="ch" refForName="accent_3"/>
+                <dgm:constr type="r" for="ch" forName="text_3" refType="w"/>
+                <dgm:constr type="w" for="ch" forName="text_3" refType="h" refFor="ch" refForName="text_3" op="gte"/>
+                <dgm:constr type="h" for="ch" forName="text_3" refType="h" refFor="ch" refForName="accent_3" fact="0.8"/>
+                <dgm:constr type="ctrY" for="ch" forName="text_3" refType="ctrY" refFor="ch" refForName="accent_3"/>
+                <dgm:constr type="lMarg" for="ch" forName="text_3" refType="w" refFor="ch" refForName="accent_3" fact="1.8"/>
+                <dgm:constr type="primFontSz" for="ch" ptType="node" op="equ" val="65"/>
+              </dgm:constrLst>
+            </dgm:if>
+            <dgm:if name="Name8" axis="ch" ptType="node" func="cnt" op="equ" val="4">
+              <dgm:constrLst>
+                <dgm:constr type="h" for="ch" forName="cycle" refType="h"/>
+                <dgm:constr type="w" for="ch" forName="cycle" refType="h" refFor="ch" refForName="cycle" fact="0.26"/>
+                <dgm:constr type="l" for="ch" forName="cycle"/>
+                <dgm:constr type="ctrY" for="ch" forName="cycle" refType="h" fact="0.5"/>
+                <dgm:constr type="diam" for="ch" forName="cycle" refType="h" fact="1.344"/>
+                <dgm:constr type="h" for="ch" forName="accent_1" refType="h" fact="0.1923"/>
+                <dgm:constr type="w" for="ch" forName="accent_1" refType="h" refFor="ch" refForName="accent_1" op="equ"/>
+                <dgm:constr type="ctrY" for="ch" forName="accent_1" refType="h" fact="0.1538"/>
+                <dgm:constr type="ctrX" for="ch" forName="accent_1" refType="h" fact="0.1268"/>
+                <dgm:constr type="l" for="ch" forName="text_1" refType="ctrX" refFor="ch" refForName="accent_1"/>
+                <dgm:constr type="r" for="ch" forName="text_1" refType="w"/>
+                <dgm:constr type="w" for="ch" forName="text_1" refType="h" refFor="ch" refForName="text_1" op="gte"/>
+                <dgm:constr type="h" for="ch" forName="text_1" refType="h" refFor="ch" refForName="accent_1" fact="0.8"/>
+                <dgm:constr type="ctrY" for="ch" forName="text_1" refType="ctrY" refFor="ch" refForName="accent_1"/>
+                <dgm:constr type="lMarg" for="ch" forName="text_1" refType="w" refFor="ch" refForName="accent_1" fact="1.8"/>
+                <dgm:constr type="h" for="ch" forName="accent_2" refType="h" fact="0.1923"/>
+                <dgm:constr type="w" for="ch" forName="accent_2" refType="h" refFor="ch" refForName="accent_2" op="equ"/>
+                <dgm:constr type="ctrY" for="ch" forName="accent_2" refType="h" fact="0.3846"/>
+                <dgm:constr type="ctrX" for="ch" forName="accent_2" refType="h" fact="0.215"/>
+                <dgm:constr type="l" for="ch" forName="text_2" refType="ctrX" refFor="ch" refForName="accent_2"/>
+                <dgm:constr type="r" for="ch" forName="text_2" refType="w"/>
+                <dgm:constr type="w" for="ch" forName="text_2" refType="h" refFor="ch" refForName="text_2" op="gte"/>
+                <dgm:constr type="h" for="ch" forName="text_2" refType="h" refFor="ch" refForName="accent_2" fact="0.8"/>
+                <dgm:constr type="ctrY" for="ch" forName="text_2" refType="ctrY" refFor="ch" refForName="accent_2"/>
+                <dgm:constr type="lMarg" for="ch" forName="text_2" refType="w" refFor="ch" refForName="accent_2" fact="1.8"/>
+                <dgm:constr type="h" for="ch" forName="accent_3" refType="h" fact="0.1923"/>
+                <dgm:constr type="w" for="ch" forName="accent_3" refType="h" refFor="ch" refForName="accent_3" op="equ"/>
+                <dgm:constr type="ctrY" for="ch" forName="accent_3" refType="h" fact="0.6154"/>
+                <dgm:constr type="ctrX" for="ch" forName="accent_3" refType="h" fact="0.215"/>
+                <dgm:constr type="l" for="ch" forName="text_3" refType="ctrX" refFor="ch" refForName="accent_3"/>
+                <dgm:constr type="r" for="ch" forName="text_3" refType="w"/>
+                <dgm:constr type="w" for="ch" forName="text_3" refType="h" refFor="ch" refForName="text_3" op="gte"/>
+                <dgm:constr type="h" for="ch" forName="text_3" refType="h" refFor="ch" refForName="accent_3" fact="0.8"/>
+                <dgm:constr type="ctrY" for="ch" forName="text_3" refType="ctrY" refFor="ch" refForName="accent_3"/>
+                <dgm:constr type="lMarg" for="ch" forName="text_3" refType="w" refFor="ch" refForName="accent_3" fact="1.8"/>
+                <dgm:constr type="h" for="ch" forName="accent_4" refType="h" fact="0.1923"/>
+                <dgm:constr type="w" for="ch" forName="accent_4" refType="h" refFor="ch" refForName="accent_4" op="equ"/>
+                <dgm:constr type="ctrY" for="ch" forName="accent_4" refType="h" fact="0.8462"/>
+                <dgm:constr type="ctrX" for="ch" forName="accent_4" refType="h" fact="0.1268"/>
+                <dgm:constr type="l" for="ch" forName="text_4" refType="ctrX" refFor="ch" refForName="accent_4"/>
+                <dgm:constr type="r" for="ch" forName="text_4" refType="w"/>
+                <dgm:constr type="w" for="ch" forName="text_4" refType="h" refFor="ch" refForName="text_4" op="gte"/>
+                <dgm:constr type="h" for="ch" forName="text_4" refType="h" refFor="ch" refForName="accent_4" fact="0.8"/>
+                <dgm:constr type="ctrY" for="ch" forName="text_4" refType="ctrY" refFor="ch" refForName="accent_4"/>
+                <dgm:constr type="lMarg" for="ch" forName="text_4" refType="w" refFor="ch" refForName="accent_4" fact="1.8"/>
+                <dgm:constr type="primFontSz" for="ch" ptType="node" op="equ" val="65"/>
+              </dgm:constrLst>
+            </dgm:if>
+            <dgm:if name="Name9" axis="ch" ptType="node" func="cnt" op="equ" val="5">
+              <dgm:constrLst>
+                <dgm:constr type="h" for="ch" forName="cycle" refType="h"/>
+                <dgm:constr type="w" for="ch" forName="cycle" refType="h" refFor="ch" refForName="cycle" fact="0.26"/>
+                <dgm:constr type="l" for="ch" forName="cycle"/>
+                <dgm:constr type="ctrY" for="ch" forName="cycle" refType="h" fact="0.5"/>
+                <dgm:constr type="diam" for="ch" forName="cycle" refType="h" fact="1.344"/>
+                <dgm:constr type="h" for="ch" forName="accent_1" refType="h" fact="0.1563"/>
+                <dgm:constr type="w" for="ch" forName="accent_1" refType="h" refFor="ch" refForName="accent_1" op="equ"/>
+                <dgm:constr type="ctrY" for="ch" forName="accent_1" refType="h" fact="0.125"/>
+                <dgm:constr type="ctrX" for="ch" forName="accent_1" refType="h" fact="0.1082"/>
+                <dgm:constr type="l" for="ch" forName="text_1" refType="ctrX" refFor="ch" refForName="accent_1"/>
+                <dgm:constr type="r" for="ch" forName="text_1" refType="w"/>
+                <dgm:constr type="w" for="ch" forName="text_1" refType="h" refFor="ch" refForName="text_1" op="gte"/>
+                <dgm:constr type="h" for="ch" forName="text_1" refType="h" refFor="ch" refForName="accent_1" fact="0.8"/>
+                <dgm:constr type="ctrY" for="ch" forName="text_1" refType="ctrY" refFor="ch" refForName="accent_1"/>
+                <dgm:constr type="lMarg" for="ch" forName="text_1" refType="w" refFor="ch" refForName="accent_1" fact="1.8"/>
+                <dgm:constr type="h" for="ch" forName="accent_2" refType="h" fact="0.1563"/>
+                <dgm:constr type="w" for="ch" forName="accent_2" refType="h" refFor="ch" refForName="accent_2" op="equ"/>
+                <dgm:constr type="ctrY" for="ch" forName="accent_2" refType="h" fact="0.3125"/>
+                <dgm:constr type="ctrX" for="ch" forName="accent_2" refType="h" fact="0.1978"/>
+                <dgm:constr type="l" for="ch" forName="text_2" refType="ctrX" refFor="ch" refForName="accent_2"/>
+                <dgm:constr type="r" for="ch" forName="text_2" refType="w"/>
+                <dgm:constr type="w" for="ch" forName="text_2" refType="h" refFor="ch" refForName="text_2" op="gte"/>
+                <dgm:constr type="h" for="ch" forName="text_2" refType="h" refFor="ch" refForName="accent_2" fact="0.8"/>
+                <dgm:constr type="ctrY" for="ch" forName="text_2" refType="ctrY" refFor="ch" refForName="accent_2"/>
+                <dgm:constr type="lMarg" for="ch" forName="text_2" refType="w" refFor="ch" refForName="accent_2" fact="1.8"/>
+                <dgm:constr type="h" for="ch" forName="accent_3" refType="h" fact="0.1563"/>
+                <dgm:constr type="w" for="ch" forName="accent_3" refType="h" refFor="ch" refForName="accent_3" op="equ"/>
+                <dgm:constr type="ctrY" for="ch" forName="accent_3" refType="h" fact="0.5"/>
+                <dgm:constr type="ctrX" for="ch" forName="accent_3" refType="h" fact="0.2253"/>
+                <dgm:constr type="l" for="ch" forName="text_3" refType="ctrX" refFor="ch" refForName="accent_3"/>
+                <dgm:constr type="r" for="ch" forName="text_3" refType="w"/>
+                <dgm:constr type="w" for="ch" forName="text_3" refType="h" refFor="ch" refForName="text_3" op="gte"/>
+                <dgm:constr type="h" for="ch" forName="text_3" refType="h" refFor="ch" refForName="accent_3" fact="0.8"/>
+                <dgm:constr type="ctrY" for="ch" forName="text_3" refType="ctrY" refFor="ch" refForName="accent_3"/>
+                <dgm:constr type="lMarg" for="ch" forName="text_3" refType="w" refFor="ch" refForName="accent_3" fact="1.8"/>
+                <dgm:constr type="h" for="ch" forName="accent_4" refType="h" fact="0.1563"/>
+                <dgm:constr type="w" for="ch" forName="accent_4" refType="h" refFor="ch" refForName="accent_4" op="equ"/>
+                <dgm:constr type="ctrY" for="ch" forName="accent_4" refType="h" fact="0.6875"/>
+                <dgm:constr type="ctrX" for="ch" forName="accent_4" refType="h" fact="0.1978"/>
+                <dgm:constr type="l" for="ch" forName="text_4" refType="ctrX" refFor="ch" refForName="accent_4"/>
+                <dgm:constr type="r" for="ch" forName="text_4" refType="w"/>
+                <dgm:constr type="w" for="ch" forName="text_4" refType="h" refFor="ch" refForName="text_4" op="gte"/>
+                <dgm:constr type="h" for="ch" forName="text_4" refType="h" refFor="ch" refForName="accent_4" fact="0.8"/>
+                <dgm:constr type="ctrY" for="ch" forName="text_4" refType="ctrY" refFor="ch" refForName="accent_4"/>
+                <dgm:constr type="lMarg" for="ch" forName="text_4" refType="w" refFor="ch" refForName="accent_4" fact="1.8"/>
+                <dgm:constr type="h" for="ch" forName="accent_5" refType="h" fact="0.1563"/>
+                <dgm:constr type="w" for="ch" forName="accent_5" refType="h" refFor="ch" refForName="accent_5" op="equ"/>
+                <dgm:constr type="ctrY" for="ch" forName="accent_5" refType="h" fact="0.875"/>
+                <dgm:constr type="ctrX" for="ch" forName="accent_5" refType="h" fact="0.1082"/>
+                <dgm:constr type="l" for="ch" forName="text_5" refType="ctrX" refFor="ch" refForName="accent_5"/>
+                <dgm:constr type="r" for="ch" forName="text_5" refType="w"/>
+                <dgm:constr type="w" for="ch" forName="text_5" refType="h" refFor="ch" refForName="text_5" op="gte"/>
+                <dgm:constr type="h" for="ch" forName="text_5" refType="h" refFor="ch" refForName="accent_5" fact="0.8"/>
+                <dgm:constr type="ctrY" for="ch" forName="text_5" refType="ctrY" refFor="ch" refForName="accent_5"/>
+                <dgm:constr type="lMarg" for="ch" forName="text_5" refType="w" refFor="ch" refForName="accent_5" fact="1.8"/>
+                <dgm:constr type="primFontSz" for="ch" ptType="node" op="equ" val="65"/>
+              </dgm:constrLst>
+            </dgm:if>
+            <dgm:if name="Name10" axis="ch" ptType="node" func="cnt" op="equ" val="6">
+              <dgm:constrLst>
+                <dgm:constr type="h" for="ch" forName="cycle" refType="h"/>
+                <dgm:constr type="w" for="ch" forName="cycle" refType="h" refFor="ch" refForName="cycle" fact="0.26"/>
+                <dgm:constr type="l" for="ch" forName="cycle"/>
+                <dgm:constr type="ctrY" for="ch" forName="cycle" refType="h" fact="0.5"/>
+                <dgm:constr type="diam" for="ch" forName="cycle" refType="h" fact="1.344"/>
+                <dgm:constr type="h" for="ch" forName="accent_1" refType="h" fact="0.1316"/>
+                <dgm:constr type="w" for="ch" forName="accent_1" refType="h" refFor="ch" refForName="accent_1" op="equ"/>
+                <dgm:constr type="ctrY" for="ch" forName="accent_1" refType="h" fact="0.1053"/>
+                <dgm:constr type="ctrX" for="ch" forName="accent_1" refType="h" fact="0.0943"/>
+                <dgm:constr type="l" for="ch" forName="text_1" refType="ctrX" refFor="ch" refForName="accent_1"/>
+                <dgm:constr type="r" for="ch" forName="text_1" refType="w"/>
+                <dgm:constr type="w" for="ch" forName="text_1" refType="h" refFor="ch" refForName="text_1" op="gte"/>
+                <dgm:constr type="h" for="ch" forName="text_1" refType="h" refFor="ch" refForName="accent_1" fact="0.8"/>
+                <dgm:constr type="ctrY" for="ch" forName="text_1" refType="ctrY" refFor="ch" refForName="accent_1"/>
+                <dgm:constr type="lMarg" for="ch" forName="text_1" refType="w" refFor="ch" refForName="accent_1" fact="1.8"/>
+                <dgm:constr type="h" for="ch" forName="accent_2" refType="h" fact="0.1316"/>
+                <dgm:constr type="w" for="ch" forName="accent_2" refType="h" refFor="ch" refForName="accent_2" op="equ"/>
+                <dgm:constr type="ctrY" for="ch" forName="accent_2" refType="h" fact="0.2632"/>
+                <dgm:constr type="ctrX" for="ch" forName="accent_2" refType="h" fact="0.1809"/>
+                <dgm:constr type="l" for="ch" forName="text_2" refType="ctrX" refFor="ch" refForName="accent_2"/>
+                <dgm:constr type="r" for="ch" forName="text_2" refType="w"/>
+                <dgm:constr type="w" for="ch" forName="text_2" refType="h" refFor="ch" refForName="text_2" op="gte"/>
+                <dgm:constr type="h" for="ch" forName="text_2" refType="h" refFor="ch" refForName="accent_2" fact="0.8"/>
+                <dgm:constr type="ctrY" for="ch" forName="text_2" refType="ctrY" refFor="ch" refForName="accent_2"/>
+                <dgm:constr type="lMarg" for="ch" forName="text_2" refType="w" refFor="ch" refForName="accent_2" fact="1.8"/>
+                <dgm:constr type="h" for="ch" forName="accent_3" refType="h" fact="0.1316"/>
+                <dgm:constr type="w" for="ch" forName="accent_3" refType="h" refFor="ch" refForName="accent_3" op="equ"/>
+                <dgm:constr type="ctrY" for="ch" forName="accent_3" refType="h" fact="0.4211"/>
+                <dgm:constr type="ctrX" for="ch" forName="accent_3" refType="h" fact="0.2205"/>
+                <dgm:constr type="l" for="ch" forName="text_3" refType="ctrX" refFor="ch" refForName="accent_3"/>
+                <dgm:constr type="r" for="ch" forName="text_3" refType="w"/>
+                <dgm:constr type="w" for="ch" forName="text_3" refType="h" refFor="ch" refForName="text_3" op="gte"/>
+                <dgm:constr type="h" for="ch" forName="text_3" refType="h" refFor="ch" refForName="accent_3" fact="0.8"/>
+                <dgm:constr type="ctrY" for="ch" forName="text_3" refType="ctrY" refFor="ch" refForName="accent_3"/>
+                <dgm:constr type="lMarg" for="ch" forName="text_3" refType="w" refFor="ch" refForName="accent_3" fact="1.8"/>
+                <dgm:constr type="h" for="ch" forName="accent_4" refType="h" fact="0.1316"/>
+                <dgm:constr type="w" for="ch" forName="accent_4" refType="h" refFor="ch" refForName="accent_4" op="equ"/>
+                <dgm:constr type="ctrY" for="ch" forName="accent_4" refType="h" fact="0.5789"/>
+                <dgm:constr type="ctrX" for="ch" forName="accent_4" refType="h" fact="0.2205"/>
+                <dgm:constr type="l" for="ch" forName="text_4" refType="ctrX" refFor="ch" refForName="accent_4"/>
+                <dgm:constr type="r" for="ch" forName="text_4" refType="w"/>
+                <dgm:constr type="w" for="ch" forName="text_4" refType="h" refFor="ch" refForName="text_4" op="gte"/>
+                <dgm:constr type="h" for="ch" forName="text_4" refType="h" refFor="ch" refForName="accent_4" fact="0.8"/>
+                <dgm:constr type="ctrY" for="ch" forName="text_4" refType="ctrY" refFor="ch" refForName="accent_4"/>
+                <dgm:constr type="lMarg" for="ch" forName="text_4" refType="w" refFor="ch" refForName="accent_4" fact="1.8"/>
+                <dgm:constr type="h" for="ch" forName="accent_5" refType="h" fact="0.1316"/>
+                <dgm:constr type="w" for="ch" forName="accent_5" refType="h" refFor="ch" refForName="accent_5" op="equ"/>
+                <dgm:constr type="ctrY" for="ch" forName="accent_5" refType="h" fact="0.7368"/>
+                <dgm:constr type="ctrX" for="ch" forName="accent_5" refType="h" fact="0.1809"/>
+                <dgm:constr type="l" for="ch" forName="text_5" refType="ctrX" refFor="ch" refForName="accent_5"/>
+                <dgm:constr type="r" for="ch" forName="text_5" refType="w"/>
+                <dgm:constr type="w" for="ch" forName="text_5" refType="h" refFor="ch" refForName="text_5" op="gte"/>
+                <dgm:constr type="h" for="ch" forName="text_5" refType="h" refFor="ch" refForName="accent_5" fact="0.8"/>
+                <dgm:constr type="ctrY" for="ch" forName="text_5" refType="ctrY" refFor="ch" refForName="accent_5"/>
+                <dgm:constr type="lMarg" for="ch" forName="text_5" refType="w" refFor="ch" refForName="accent_5" fact="1.8"/>
+                <dgm:constr type="h" for="ch" forName="accent_6" refType="h" fact="0.1316"/>
+                <dgm:constr type="w" for="ch" forName="accent_6" refType="h" refFor="ch" refForName="accent_6" op="equ"/>
+                <dgm:constr type="ctrY" for="ch" forName="accent_6" refType="h" fact="0.8947"/>
+                <dgm:constr type="ctrX" for="ch" forName="accent_6" refType="h" fact="0.0943"/>
+                <dgm:constr type="l" for="ch" forName="text_6" refType="ctrX" refFor="ch" refForName="accent_6"/>
+                <dgm:constr type="r" for="ch" forName="text_6" refType="w"/>
+                <dgm:constr type="w" for="ch" forName="text_6" refType="h" refFor="ch" refForName="text_6" op="gte"/>
+                <dgm:constr type="h" for="ch" forName="text_6" refType="h" refFor="ch" refForName="accent_6" fact="0.8"/>
+                <dgm:constr type="ctrY" for="ch" forName="text_6" refType="ctrY" refFor="ch" refForName="accent_6"/>
+                <dgm:constr type="lMarg" for="ch" forName="text_6" refType="w" refFor="ch" refForName="accent_6" fact="1.8"/>
+                <dgm:constr type="primFontSz" for="ch" ptType="node" op="equ" val="65"/>
+              </dgm:constrLst>
+            </dgm:if>
+            <dgm:else name="Name11">
+              <dgm:constrLst>
+                <dgm:constr type="h" for="ch" forName="cycle" refType="h"/>
+                <dgm:constr type="w" for="ch" forName="cycle" refType="h" refFor="ch" refForName="cycle" fact="0.26"/>
+                <dgm:constr type="l" for="ch" forName="cycle"/>
+                <dgm:constr type="ctrY" for="ch" forName="cycle" refType="h" fact="0.5"/>
+                <dgm:constr type="diam" for="ch" forName="cycle" refType="h" fact="1.344"/>
+                <dgm:constr type="h" for="ch" forName="accent_1" refType="h" fact="0.1136"/>
+                <dgm:constr type="w" for="ch" forName="accent_1" refType="h" refFor="ch" refForName="accent_1" op="equ"/>
+                <dgm:constr type="ctrY" for="ch" forName="accent_1" refType="h" fact="0.0909"/>
+                <dgm:constr type="ctrX" for="ch" forName="accent_1" refType="h" fact="0.0835"/>
+                <dgm:constr type="l" for="ch" forName="text_1" refType="ctrX" refFor="ch" refForName="accent_1"/>
+                <dgm:constr type="r" for="ch" forName="text_1" refType="w"/>
+                <dgm:constr type="w" for="ch" forName="text_1" refType="h" refFor="ch" refForName="text_1" op="gte"/>
+                <dgm:constr type="h" for="ch" forName="text_1" refType="h" refFor="ch" refForName="accent_1" fact="0.8"/>
+                <dgm:constr type="ctrY" for="ch" forName="text_1" refType="ctrY" refFor="ch" refForName="accent_1"/>
+                <dgm:constr type="lMarg" for="ch" forName="text_1" refType="w" refFor="ch" refForName="accent_1" fact="1.8"/>
+                <dgm:constr type="h" for="ch" forName="accent_2" refType="h" fact="0.1136"/>
+                <dgm:constr type="w" for="ch" forName="accent_2" refType="h" refFor="ch" refForName="accent_2" op="equ"/>
+                <dgm:constr type="ctrY" for="ch" forName="accent_2" refType="h" fact="0.2273"/>
+                <dgm:constr type="ctrX" for="ch" forName="accent_2" refType="h" fact="0.1658"/>
+                <dgm:constr type="l" for="ch" forName="text_2" refType="ctrX" refFor="ch" refForName="accent_2"/>
+                <dgm:constr type="r" for="ch" forName="text_2" refType="w"/>
+                <dgm:constr type="w" for="ch" forName="text_2" refType="h" refFor="ch" refForName="text_2" op="gte"/>
+                <dgm:constr type="h" for="ch" forName="text_2" refType="h" refFor="ch" refForName="accent_2" fact="0.8"/>
+                <dgm:constr type="ctrY" for="ch" forName="text_2" refType="ctrY" refFor="ch" refForName="accent_2"/>
+                <dgm:constr type="lMarg" for="ch" forName="text_2" refType="w" refFor="ch" refForName="accent_2" fact="1.8"/>
+                <dgm:constr type="h" for="ch" forName="accent_3" refType="h" fact="0.1136"/>
+                <dgm:constr type="w" for="ch" forName="accent_3" refType="h" refFor="ch" refForName="accent_3" op="equ"/>
+                <dgm:constr type="ctrY" for="ch" forName="accent_3" refType="h" fact="0.3636"/>
+                <dgm:constr type="ctrX" for="ch" forName="accent_3" refType="h" fact="0.2109"/>
+                <dgm:constr type="l" for="ch" forName="text_3" refType="ctrX" refFor="ch" refForName="accent_3"/>
+                <dgm:constr type="r" for="ch" forName="text_3" refType="w"/>
+                <dgm:constr type="w" for="ch" forName="text_3" refType="h" refFor="ch" refForName="text_3" op="gte"/>
+                <dgm:constr type="h" for="ch" forName="text_3" refType="h" refFor="ch" refForName="accent_3" fact="0.8"/>
+                <dgm:constr type="ctrY" for="ch" forName="text_3" refType="ctrY" refFor="ch" refForName="accent_3"/>
+                <dgm:constr type="lMarg" for="ch" forName="text_3" refType="w" refFor="ch" refForName="accent_3" fact="1.8"/>
+                <dgm:constr type="h" for="ch" forName="accent_4" refType="h" fact="0.1136"/>
+                <dgm:constr type="w" for="ch" forName="accent_4" refType="h" refFor="ch" refForName="accent_4" op="equ"/>
+                <dgm:constr type="ctrY" for="ch" forName="accent_4" refType="h" fact="0.5"/>
+                <dgm:constr type="ctrX" for="ch" forName="accent_4" refType="h" fact="0.2253"/>
+                <dgm:constr type="l" for="ch" forName="text_4" refType="ctrX" refFor="ch" refForName="accent_4"/>
+                <dgm:constr type="r" for="ch" forName="text_4" refType="w"/>
+                <dgm:constr type="w" for="ch" forName="text_4" refType="h" refFor="ch" refForName="text_4" op="gte"/>
+                <dgm:constr type="h" for="ch" forName="text_4" refType="h" refFor="ch" refForName="accent_4" fact="0.8"/>
+                <dgm:constr type="ctrY" for="ch" forName="text_4" refType="ctrY" refFor="ch" refForName="accent_4"/>
+                <dgm:constr type="lMarg" for="ch" forName="text_4" refType="w" refFor="ch" refForName="accent_4" fact="1.8"/>
+                <dgm:constr type="h" for="ch" forName="accent_5" refType="h" fact="0.1136"/>
+                <dgm:constr type="w" for="ch" forName="accent_5" refType="h" refFor="ch" refForName="accent_5" op="equ"/>
+                <dgm:constr type="ctrY" for="ch" forName="accent_5" refType="h" fact="0.6364"/>
+                <dgm:constr type="ctrX" for="ch" forName="accent_5" refType="h" fact="0.2109"/>
+                <dgm:constr type="l" for="ch" forName="text_5" refType="ctrX" refFor="ch" refForName="accent_5"/>
+                <dgm:constr type="r" for="ch" forName="text_5" refType="w"/>
+                <dgm:constr type="w" for="ch" forName="text_5" refType="h" refFor="ch" refForName="text_5" op="gte"/>
+                <dgm:constr type="h" for="ch" forName="text_5" refType="h" refFor="ch" refForName="accent_5" fact="0.8"/>
+                <dgm:constr type="ctrY" for="ch" forName="text_5" refType="ctrY" refFor="ch" refForName="accent_5"/>
+                <dgm:constr type="lMarg" for="ch" forName="text_5" refType="w" refFor="ch" refForName="accent_5" fact="1.8"/>
+                <dgm:constr type="h" for="ch" forName="accent_6" refType="h" fact="0.1136"/>
+                <dgm:constr type="w" for="ch" forName="accent_6" refType="h" refFor="ch" refForName="accent_6" op="equ"/>
+                <dgm:constr type="ctrY" for="ch" forName="accent_6" refType="h" fact="0.7727"/>
+                <dgm:constr type="ctrX" for="ch" forName="accent_6" refType="h" fact="0.1658"/>
+                <dgm:constr type="l" for="ch" forName="text_6" refType="ctrX" refFor="ch" refForName="accent_6"/>
+                <dgm:constr type="r" for="ch" forName="text_6" refType="w"/>
+                <dgm:constr type="w" for="ch" forName="text_6" refType="h" refFor="ch" refForName="text_6" op="gte"/>
+                <dgm:constr type="h" for="ch" forName="text_6" refType="h" refFor="ch" refForName="accent_6" fact="0.8"/>
+                <dgm:constr type="ctrY" for="ch" forName="text_6" refType="ctrY" refFor="ch" refForName="accent_6"/>
+                <dgm:constr type="lMarg" for="ch" forName="text_6" refType="w" refFor="ch" refForName="accent_6" fact="1.8"/>
+                <dgm:constr type="h" for="ch" forName="accent_7" refType="h" fact="0.1136"/>
+                <dgm:constr type="w" for="ch" forName="accent_7" refType="h" refFor="ch" refForName="accent_7" op="equ"/>
+                <dgm:constr type="ctrY" for="ch" forName="accent_7" refType="h" fact="0.9091"/>
+                <dgm:constr type="ctrX" for="ch" forName="accent_7" refType="h" fact="0.0835"/>
+                <dgm:constr type="l" for="ch" forName="text_7" refType="ctrX" refFor="ch" refForName="accent_7"/>
+                <dgm:constr type="r" for="ch" forName="text_7" refType="w"/>
+                <dgm:constr type="w" for="ch" forName="text_7" refType="h" refFor="ch" refForName="text_7" op="gte"/>
+                <dgm:constr type="h" for="ch" forName="text_7" refType="h" refFor="ch" refForName="accent_7" fact="0.8"/>
+                <dgm:constr type="ctrY" for="ch" forName="text_7" refType="ctrY" refFor="ch" refForName="accent_7"/>
+                <dgm:constr type="lMarg" for="ch" forName="text_7" refType="w" refFor="ch" refForName="accent_7" fact="1.8"/>
+                <dgm:constr type="primFontSz" for="ch" ptType="node" op="equ" val="65"/>
+              </dgm:constrLst>
+            </dgm:else>
+          </dgm:choose>
+        </dgm:if>
+        <dgm:else name="Name12">
+          <dgm:choose name="Name13">
+            <dgm:if name="Name14" axis="ch" ptType="node" func="cnt" op="equ" val="1">
+              <dgm:constrLst>
+                <dgm:constr type="h" for="ch" forName="cycle" refType="h"/>
+                <dgm:constr type="w" for="ch" forName="cycle" refType="h" refFor="ch" refForName="cycle" fact="0.26"/>
+                <dgm:constr type="r" for="ch" forName="cycle" refType="w"/>
+                <dgm:constr type="ctrY" for="ch" forName="cycle" refType="h" fact="0.5"/>
+                <dgm:constr type="diam" for="ch" forName="cycle" refType="h" fact="1.344"/>
+                <dgm:constr type="h" for="ch" forName="accent_1" refType="h" fact="0.625"/>
+                <dgm:constr type="w" for="ch" forName="accent_1" refType="h" refFor="ch" refForName="accent_1" op="equ"/>
+                <dgm:constr type="ctrY" for="ch" forName="accent_1" refType="h" fact="0.5"/>
+                <dgm:constr type="ctrX" for="ch" forName="accent_1" refType="w"/>
+                <dgm:constr type="ctrXOff" for="ch" forName="accent_1" refType="h" fact="-0.2253"/>
+                <dgm:constr type="r" for="ch" forName="text_1" refType="ctrX" refFor="ch" refForName="accent_1"/>
+                <dgm:constr type="rOff" for="ch" forName="text_1" refType="ctrXOff" refFor="ch" refForName="accent_1"/>
+                <dgm:constr type="l" for="ch" forName="text_1"/>
+                <dgm:constr type="w" for="ch" forName="text_1" refType="h" refFor="ch" refForName="text_1" op="gte"/>
+                <dgm:constr type="h" for="ch" forName="text_1" refType="h" refFor="ch" refForName="accent_1" fact="0.8"/>
+                <dgm:constr type="ctrY" for="ch" forName="text_1" refType="ctrY" refFor="ch" refForName="accent_1"/>
+                <dgm:constr type="rMarg" for="ch" forName="text_1" refType="w" refFor="ch" refForName="accent_1" fact="1.8"/>
+                <dgm:constr type="primFontSz" for="ch" ptType="node" op="equ" val="65"/>
+              </dgm:constrLst>
+            </dgm:if>
+            <dgm:if name="Name15" axis="ch" ptType="node" func="cnt" op="equ" val="2">
+              <dgm:constrLst>
+                <dgm:constr type="h" for="ch" forName="cycle" refType="h"/>
+                <dgm:constr type="w" for="ch" forName="cycle" refType="h" refFor="ch" refForName="cycle" fact="0.26"/>
+                <dgm:constr type="r" for="ch" forName="cycle" refType="w"/>
+                <dgm:constr type="ctrY" for="ch" forName="cycle" refType="h" fact="0.5"/>
+                <dgm:constr type="diam" for="ch" forName="cycle" refType="h" fact="1.344"/>
+                <dgm:constr type="h" for="ch" forName="accent_1" refType="h" fact="0.3571"/>
+                <dgm:constr type="w" for="ch" forName="accent_1" refType="h" refFor="ch" refForName="accent_1" op="equ"/>
+                <dgm:constr type="ctrY" for="ch" forName="accent_1" refType="h" fact="0.2857"/>
+                <dgm:constr type="ctrX" for="ch" forName="accent_1" refType="w"/>
+                <dgm:constr type="ctrXOff" for="ch" forName="accent_1" refType="h" fact="-0.1891"/>
+                <dgm:constr type="r" for="ch" forName="text_1" refType="ctrX" refFor="ch" refForName="accent_1"/>
+                <dgm:constr type="rOff" for="ch" forName="text_1" refType="ctrXOff" refFor="ch" refForName="accent_1"/>
+                <dgm:constr type="l" for="ch" forName="text_1"/>
+                <dgm:constr type="w" for="ch" forName="text_1" refType="h" refFor="ch" refForName="text_1" op="gte"/>
+                <dgm:constr type="h" for="ch" forName="text_1" refType="h" refFor="ch" refForName="accent_1" fact="0.8"/>
+                <dgm:constr type="ctrY" for="ch" forName="text_1" refType="ctrY" refFor="ch" refForName="accent_1"/>
+                <dgm:constr type="rMarg" for="ch" forName="text_1" refType="w" refFor="ch" refForName="accent_1" fact="1.8"/>
+                <dgm:constr type="h" for="ch" forName="accent_2" refType="h" fact="0.3571"/>
+                <dgm:constr type="w" for="ch" forName="accent_2" refType="h" refFor="ch" refForName="accent_2" op="equ"/>
+                <dgm:constr type="ctrY" for="ch" forName="accent_2" refType="h" fact="0.7143"/>
+                <dgm:constr type="ctrX" for="ch" forName="accent_2" refType="w"/>
+                <dgm:constr type="ctrXOff" for="ch" forName="accent_2" refType="h" fact="-0.1891"/>
+                <dgm:constr type="r" for="ch" forName="text_2" refType="ctrX" refFor="ch" refForName="accent_2"/>
+                <dgm:constr type="rOff" for="ch" forName="text_2" refType="ctrXOff" refFor="ch" refForName="accent_2"/>
+                <dgm:constr type="l" for="ch" forName="text_2"/>
+                <dgm:constr type="w" for="ch" forName="text_2" refType="h" refFor="ch" refForName="text_2" op="gte"/>
+                <dgm:constr type="h" for="ch" forName="text_2" refType="h" refFor="ch" refForName="accent_2" fact="0.8"/>
+                <dgm:constr type="ctrY" for="ch" forName="text_2" refType="ctrY" refFor="ch" refForName="accent_2"/>
+                <dgm:constr type="rMarg" for="ch" forName="text_2" refType="w" refFor="ch" refForName="accent_2" fact="1.8"/>
+                <dgm:constr type="primFontSz" for="ch" ptType="node" op="equ" val="65"/>
+              </dgm:constrLst>
+            </dgm:if>
+            <dgm:if name="Name16" axis="ch" ptType="node" func="cnt" op="equ" val="3">
+              <dgm:constrLst>
+                <dgm:constr type="h" for="ch" forName="cycle" refType="h"/>
+                <dgm:constr type="w" for="ch" forName="cycle" refType="h" refFor="ch" refForName="cycle" fact="0.26"/>
+                <dgm:constr type="r" for="ch" forName="cycle" refType="w"/>
+                <dgm:constr type="ctrY" for="ch" forName="cycle" refType="h" fact="0.5"/>
+                <dgm:constr type="diam" for="ch" forName="cycle" refType="h" fact="1.344"/>
+                <dgm:constr type="h" for="ch" forName="accent_1" refType="h" fact="0.25"/>
+                <dgm:constr type="w" for="ch" forName="accent_1" refType="h" refFor="ch" refForName="accent_1" op="equ"/>
+                <dgm:constr type="ctrY" for="ch" forName="accent_1" refType="h" fact="0.2"/>
+                <dgm:constr type="ctrX" for="ch" forName="accent_1" refType="w"/>
+                <dgm:constr type="ctrXOff" for="ch" forName="accent_1" refType="h" fact="-0.1526"/>
+                <dgm:constr type="r" for="ch" forName="text_1" refType="ctrX" refFor="ch" refForName="accent_1"/>
+                <dgm:constr type="rOff" for="ch" forName="text_1" refType="ctrXOff" refFor="ch" refForName="accent_1"/>
+                <dgm:constr type="l" for="ch" forName="text_1"/>
+                <dgm:constr type="w" for="ch" forName="text_1" refType="h" refFor="ch" refForName="text_1" op="gte"/>
+                <dgm:constr type="h" for="ch" forName="text_1" refType="h" refFor="ch" refForName="accent_1" fact="0.8"/>
+                <dgm:constr type="ctrY" for="ch" forName="text_1" refType="ctrY" refFor="ch" refForName="accent_1"/>
+                <dgm:constr type="rMarg" for="ch" forName="text_1" refType="w" refFor="ch" refForName="accent_1" fact="1.8"/>
+                <dgm:constr type="h" for="ch" forName="accent_2" refType="h" fact="0.25"/>
+                <dgm:constr type="w" for="ch" forName="accent_2" refType="h" refFor="ch" refForName="accent_2" op="equ"/>
+                <dgm:constr type="ctrY" for="ch" forName="accent_2" refType="h" fact="0.5"/>
+                <dgm:constr type="ctrX" for="ch" forName="accent_2" refType="w"/>
+                <dgm:constr type="ctrXOff" for="ch" forName="accent_2" refType="h" fact="-0.2253"/>
+                <dgm:constr type="r" for="ch" forName="text_2" refType="ctrX" refFor="ch" refForName="accent_2"/>
+                <dgm:constr type="rOff" for="ch" forName="text_2" refType="ctrXOff" refFor="ch" refForName="accent_2"/>
+                <dgm:constr type="l" for="ch" forName="text_2"/>
+                <dgm:constr type="w" for="ch" forName="text_2" refType="h" refFor="ch" refForName="text_2" op="gte"/>
+                <dgm:constr type="h" for="ch" forName="text_2" refType="h" refFor="ch" refForName="accent_2" fact="0.8"/>
+                <dgm:constr type="ctrY" for="ch" forName="text_2" refType="ctrY" refFor="ch" refForName="accent_2"/>
+                <dgm:constr type="rMarg" for="ch" forName="text_2" refType="w" refFor="ch" refForName="accent_2" fact="1.8"/>
+                <dgm:constr type="h" for="ch" forName="accent_3" refType="h" fact="0.25"/>
+                <dgm:constr type="w" for="ch" forName="accent_3" refType="h" refFor="ch" refForName="accent_3" op="equ"/>
+                <dgm:constr type="ctrY" for="ch" forName="accent_3" refType="h" fact="0.8"/>
+                <dgm:constr type="ctrX" for="ch" forName="accent_3" refType="w"/>
+                <dgm:constr type="ctrXOff" for="ch" forName="accent_3" refType="h" fact="-0.1526"/>
+                <dgm:constr type="r" for="ch" forName="text_3" refType="ctrX" refFor="ch" refForName="accent_3"/>
+                <dgm:constr type="rOff" for="ch" forName="text_3" refType="ctrXOff" refFor="ch" refForName="accent_3"/>
+                <dgm:constr type="l" for="ch" forName="text_3"/>
+                <dgm:constr type="w" for="ch" forName="text_3" refType="h" refFor="ch" refForName="text_3" op="gte"/>
+                <dgm:constr type="h" for="ch" forName="text_3" refType="h" refFor="ch" refForName="accent_3" fact="0.8"/>
+                <dgm:constr type="ctrY" for="ch" forName="text_3" refType="ctrY" refFor="ch" refForName="accent_3"/>
+                <dgm:constr type="rMarg" for="ch" forName="text_3" refType="w" refFor="ch" refForName="accent_3" fact="1.8"/>
+                <dgm:constr type="primFontSz" for="ch" ptType="node" op="equ" val="65"/>
+              </dgm:constrLst>
+            </dgm:if>
+            <dgm:if name="Name17" axis="ch" ptType="node" func="cnt" op="equ" val="4">
+              <dgm:constrLst>
+                <dgm:constr type="h" for="ch" forName="cycle" refType="h"/>
+                <dgm:constr type="w" for="ch" forName="cycle" refType="h" refFor="ch" refForName="cycle" fact="0.26"/>
+                <dgm:constr type="r" for="ch" forName="cycle" refType="w"/>
+                <dgm:constr type="ctrY" for="ch" forName="cycle" refType="h" fact="0.5"/>
+                <dgm:constr type="diam" for="ch" forName="cycle" refType="h" fact="1.344"/>
+                <dgm:constr type="h" for="ch" forName="accent_1" refType="h" fact="0.1923"/>
+                <dgm:constr type="w" for="ch" forName="accent_1" refType="h" refFor="ch" refForName="accent_1" op="equ"/>
+                <dgm:constr type="ctrY" for="ch" forName="accent_1" refType="h" fact="0.1538"/>
+                <dgm:constr type="ctrX" for="ch" forName="accent_1" refType="w"/>
+                <dgm:constr type="ctrXOff" for="ch" forName="accent_1" refType="h" fact="-0.1268"/>
+                <dgm:constr type="r" for="ch" forName="text_1" refType="ctrX" refFor="ch" refForName="accent_1"/>
+                <dgm:constr type="rOff" for="ch" forName="text_1" refType="ctrXOff" refFor="ch" refForName="accent_1"/>
+                <dgm:constr type="l" for="ch" forName="text_1"/>
+                <dgm:constr type="w" for="ch" forName="text_1" refType="h" refFor="ch" refForName="text_1" op="gte"/>
+                <dgm:constr type="h" for="ch" forName="text_1" refType="h" refFor="ch" refForName="accent_1" fact="0.8"/>
+                <dgm:constr type="ctrY" for="ch" forName="text_1" refType="ctrY" refFor="ch" refForName="accent_1"/>
+                <dgm:constr type="rMarg" for="ch" forName="text_1" refType="w" refFor="ch" refForName="accent_1" fact="1.8"/>
+                <dgm:constr type="h" for="ch" forName="accent_2" refType="h" fact="0.1923"/>
+                <dgm:constr type="w" for="ch" forName="accent_2" refType="h" refFor="ch" refForName="accent_2" op="equ"/>
+                <dgm:constr type="ctrY" for="ch" forName="accent_2" refType="h" fact="0.3846"/>
+                <dgm:constr type="ctrX" for="ch" forName="accent_2" refType="w"/>
+                <dgm:constr type="ctrXOff" for="ch" forName="accent_2" refType="h" fact="-0.215"/>
+                <dgm:constr type="r" for="ch" forName="text_2" refType="ctrX" refFor="ch" refForName="accent_2"/>
+                <dgm:constr type="rOff" for="ch" forName="text_2" refType="ctrXOff" refFor="ch" refForName="accent_2"/>
+                <dgm:constr type="l" for="ch" forName="text_2"/>
+                <dgm:constr type="w" for="ch" forName="text_2" refType="h" refFor="ch" refForName="text_2" op="gte"/>
+                <dgm:constr type="h" for="ch" forName="text_2" refType="h" refFor="ch" refForName="accent_2" fact="0.8"/>
+                <dgm:constr type="ctrY" for="ch" forName="text_2" refType="ctrY" refFor="ch" refForName="accent_2"/>
+                <dgm:constr type="rMarg" for="ch" forName="text_2" refType="w" refFor="ch" refForName="accent_2" fact="1.8"/>
+                <dgm:constr type="h" for="ch" forName="accent_3" refType="h" fact="0.1923"/>
+                <dgm:constr type="w" for="ch" forName="accent_3" refType="h" refFor="ch" refForName="accent_3" op="equ"/>
+                <dgm:constr type="ctrY" for="ch" forName="accent_3" refType="h" fact="0.6154"/>
+                <dgm:constr type="ctrX" for="ch" forName="accent_3" refType="w"/>
+                <dgm:constr type="ctrXOff" for="ch" forName="accent_3" refType="h" fact="-0.215"/>
+                <dgm:constr type="r" for="ch" forName="text_3" refType="ctrX" refFor="ch" refForName="accent_3"/>
+                <dgm:constr type="rOff" for="ch" forName="text_3" refType="ctrXOff" refFor="ch" refForName="accent_3"/>
+                <dgm:constr type="l" for="ch" forName="text_3"/>
+                <dgm:constr type="w" for="ch" forName="text_3" refType="h" refFor="ch" refForName="text_3" op="gte"/>
+                <dgm:constr type="h" for="ch" forName="text_3" refType="h" refFor="ch" refForName="accent_3" fact="0.8"/>
+                <dgm:constr type="ctrY" for="ch" forName="text_3" refType="ctrY" refFor="ch" refForName="accent_3"/>
+                <dgm:constr type="rMarg" for="ch" forName="text_3" refType="w" refFor="ch" refForName="accent_3" fact="1.8"/>
+                <dgm:constr type="h" for="ch" forName="accent_4" refType="h" fact="0.1923"/>
+                <dgm:constr type="w" for="ch" forName="accent_4" refType="h" refFor="ch" refForName="accent_4" op="equ"/>
+                <dgm:constr type="ctrY" for="ch" forName="accent_4" refType="h" fact="0.8462"/>
+                <dgm:constr type="ctrX" for="ch" forName="accent_4" refType="w"/>
+                <dgm:constr type="ctrXOff" for="ch" forName="accent_4" refType="h" fact="-0.1268"/>
+                <dgm:constr type="r" for="ch" forName="text_4" refType="ctrX" refFor="ch" refForName="accent_4"/>
+                <dgm:constr type="rOff" for="ch" forName="text_4" refType="ctrXOff" refFor="ch" refForName="accent_4"/>
+                <dgm:constr type="l" for="ch" forName="text_4"/>
+                <dgm:constr type="w" for="ch" forName="text_4" refType="h" refFor="ch" refForName="text_4" op="gte"/>
+                <dgm:constr type="h" for="ch" forName="text_4" refType="h" refFor="ch" refForName="accent_4" fact="0.8"/>
+                <dgm:constr type="ctrY" for="ch" forName="text_4" refType="ctrY" refFor="ch" refForName="accent_4"/>
+                <dgm:constr type="rMarg" for="ch" forName="text_4" refType="w" refFor="ch" refForName="accent_4" fact="1.8"/>
+                <dgm:constr type="primFontSz" for="ch" ptType="node" op="equ" val="65"/>
+              </dgm:constrLst>
+            </dgm:if>
+            <dgm:if name="Name18" axis="ch" ptType="node" func="cnt" op="equ" val="5">
+              <dgm:constrLst>
+                <dgm:constr type="h" for="ch" forName="cycle" refType="h"/>
+                <dgm:constr type="w" for="ch" forName="cycle" refType="h" refFor="ch" refForName="cycle" fact="0.26"/>
+                <dgm:constr type="r" for="ch" forName="cycle" refType="w"/>
+                <dgm:constr type="ctrY" for="ch" forName="cycle" refType="h" fact="0.5"/>
+                <dgm:constr type="diam" for="ch" forName="cycle" refType="h" fact="1.344"/>
+                <dgm:constr type="h" for="ch" forName="accent_1" refType="h" fact="0.1563"/>
+                <dgm:constr type="w" for="ch" forName="accent_1" refType="h" refFor="ch" refForName="accent_1" op="equ"/>
+                <dgm:constr type="ctrY" for="ch" forName="accent_1" refType="h" fact="0.125"/>
+                <dgm:constr type="ctrX" for="ch" forName="accent_1" refType="w"/>
+                <dgm:constr type="ctrXOff" for="ch" forName="accent_1" refType="h" fact="-0.1082"/>
+                <dgm:constr type="r" for="ch" forName="text_1" refType="ctrX" refFor="ch" refForName="accent_1"/>
+                <dgm:constr type="rOff" for="ch" forName="text_1" refType="ctrXOff" refFor="ch" refForName="accent_1"/>
+                <dgm:constr type="l" for="ch" forName="text_1"/>
+                <dgm:constr type="w" for="ch" forName="text_1" refType="h" refFor="ch" refForName="text_1" op="gte"/>
+                <dgm:constr type="h" for="ch" forName="text_1" refType="h" refFor="ch" refForName="accent_1" fact="0.8"/>
+                <dgm:constr type="ctrY" for="ch" forName="text_1" refType="ctrY" refFor="ch" refForName="accent_1"/>
+                <dgm:constr type="rMarg" for="ch" forName="text_1" refType="w" refFor="ch" refForName="accent_1" fact="1.8"/>
+                <dgm:constr type="h" for="ch" forName="accent_2" refType="h" fact="0.1563"/>
+                <dgm:constr type="w" for="ch" forName="accent_2" refType="h" refFor="ch" refForName="accent_2" op="equ"/>
+                <dgm:constr type="ctrY" for="ch" forName="accent_2" refType="h" fact="0.3125"/>
+                <dgm:constr type="ctrX" for="ch" forName="accent_2" refType="w"/>
+                <dgm:constr type="ctrXOff" for="ch" forName="accent_2" refType="h" fact="-0.1978"/>
+                <dgm:constr type="r" for="ch" forName="text_2" refType="ctrX" refFor="ch" refForName="accent_2"/>
+                <dgm:constr type="rOff" for="ch" forName="text_2" refType="ctrXOff" refFor="ch" refForName="accent_2"/>
+                <dgm:constr type="l" for="ch" forName="text_2"/>
+                <dgm:constr type="w" for="ch" forName="text_2" refType="h" refFor="ch" refForName="text_2" op="gte"/>
+                <dgm:constr type="h" for="ch" forName="text_2" refType="h" refFor="ch" refForName="accent_2" fact="0.8"/>
+                <dgm:constr type="ctrY" for="ch" forName="text_2" refType="ctrY" refFor="ch" refForName="accent_2"/>
+                <dgm:constr type="rMarg" for="ch" forName="text_2" refType="w" refFor="ch" refForName="accent_2" fact="1.8"/>
+                <dgm:constr type="h" for="ch" forName="accent_3" refType="h" fact="0.1563"/>
+                <dgm:constr type="w" for="ch" forName="accent_3" refType="h" refFor="ch" refForName="accent_3" op="equ"/>
+                <dgm:constr type="ctrY" for="ch" forName="accent_3" refType="h" fact="0.5"/>
+                <dgm:constr type="ctrX" for="ch" forName="accent_3" refType="w"/>
+                <dgm:constr type="ctrXOff" for="ch" forName="accent_3" refType="h" fact="-0.2253"/>
+                <dgm:constr type="r" for="ch" forName="text_3" refType="ctrX" refFor="ch" refForName="accent_3"/>
+                <dgm:constr type="rOff" for="ch" forName="text_3" refType="ctrXOff" refFor="ch" refForName="accent_3"/>
+                <dgm:constr type="l" for="ch" forName="text_3"/>
+                <dgm:constr type="w" for="ch" forName="text_3" refType="h" refFor="ch" refForName="text_3" op="gte"/>
+                <dgm:constr type="h" for="ch" forName="text_3" refType="h" refFor="ch" refForName="accent_3" fact="0.8"/>
+                <dgm:constr type="ctrY" for="ch" forName="text_3" refType="ctrY" refFor="ch" refForName="accent_3"/>
+                <dgm:constr type="rMarg" for="ch" forName="text_3" refType="w" refFor="ch" refForName="accent_3" fact="1.8"/>
+                <dgm:constr type="h" for="ch" forName="accent_4" refType="h" fact="0.1563"/>
+                <dgm:constr type="w" for="ch" forName="accent_4" refType="h" refFor="ch" refForName="accent_4" op="equ"/>
+                <dgm:constr type="ctrY" for="ch" forName="accent_4" refType="h" fact="0.6875"/>
+                <dgm:constr type="ctrX" for="ch" forName="accent_4" refType="w"/>
+                <dgm:constr type="ctrXOff" for="ch" forName="accent_4" refType="h" fact="-0.1978"/>
+                <dgm:constr type="r" for="ch" forName="text_4" refType="ctrX" refFor="ch" refForName="accent_4"/>
+                <dgm:constr type="rOff" for="ch" forName="text_4" refType="ctrXOff" refFor="ch" refForName="accent_4"/>
+                <dgm:constr type="l" for="ch" forName="text_4"/>
+                <dgm:constr type="w" for="ch" forName="text_4" refType="h" refFor="ch" refForName="text_4" op="gte"/>
+                <dgm:constr type="h" for="ch" forName="text_4" refType="h" refFor="ch" refForName="accent_4" fact="0.8"/>
+                <dgm:constr type="ctrY" for="ch" forName="text_4" refType="ctrY" refFor="ch" refForName="accent_4"/>
+                <dgm:constr type="rMarg" for="ch" forName="text_4" refType="w" refFor="ch" refForName="accent_4" fact="1.8"/>
+                <dgm:constr type="h" for="ch" forName="accent_5" refType="h" fact="0.1563"/>
+                <dgm:constr type="w" for="ch" forName="accent_5" refType="h" refFor="ch" refForName="accent_5" op="equ"/>
+                <dgm:constr type="ctrY" for="ch" forName="accent_5" refType="h" fact="0.875"/>
+                <dgm:constr type="ctrX" for="ch" forName="accent_5" refType="w"/>
+                <dgm:constr type="ctrXOff" for="ch" forName="accent_5" refType="h" fact="-0.1082"/>
+                <dgm:constr type="r" for="ch" forName="text_5" refType="ctrX" refFor="ch" refForName="accent_5"/>
+                <dgm:constr type="rOff" for="ch" forName="text_5" refType="ctrXOff" refFor="ch" refForName="accent_5"/>
+                <dgm:constr type="l" for="ch" forName="text_5"/>
+                <dgm:constr type="w" for="ch" forName="text_5" refType="h" refFor="ch" refForName="text_5" op="gte"/>
+                <dgm:constr type="h" for="ch" forName="text_5" refType="h" refFor="ch" refForName="accent_5" fact="0.8"/>
+                <dgm:constr type="ctrY" for="ch" forName="text_5" refType="ctrY" refFor="ch" refForName="accent_5"/>
+                <dgm:constr type="rMarg" for="ch" forName="text_5" refType="w" refFor="ch" refForName="accent_5" fact="1.8"/>
+                <dgm:constr type="primFontSz" for="ch" ptType="node" op="equ" val="65"/>
+              </dgm:constrLst>
+            </dgm:if>
+            <dgm:if name="Name19" axis="ch" ptType="node" func="cnt" op="equ" val="6">
+              <dgm:constrLst>
+                <dgm:constr type="h" for="ch" forName="cycle" refType="h"/>
+                <dgm:constr type="w" for="ch" forName="cycle" refType="h" refFor="ch" refForName="cycle" fact="0.26"/>
+                <dgm:constr type="r" for="ch" forName="cycle" refType="w"/>
+                <dgm:constr type="ctrY" for="ch" forName="cycle" refType="h" fact="0.5"/>
+                <dgm:constr type="diam" for="ch" forName="cycle" refType="h" fact="1.344"/>
+                <dgm:constr type="h" for="ch" forName="accent_1" refType="h" fact="0.1316"/>
+                <dgm:constr type="w" for="ch" forName="accent_1" refType="h" refFor="ch" refForName="accent_1" op="equ"/>
+                <dgm:constr type="ctrY" for="ch" forName="accent_1" refType="h" fact="0.1053"/>
+                <dgm:constr type="ctrX" for="ch" forName="accent_1" refType="w"/>
+                <dgm:constr type="ctrXOff" for="ch" forName="accent_1" refType="h" fact="-0.0943"/>
+                <dgm:constr type="r" for="ch" forName="text_1" refType="ctrX" refFor="ch" refForName="accent_1"/>
+                <dgm:constr type="rOff" for="ch" forName="text_1" refType="ctrXOff" refFor="ch" refForName="accent_1"/>
+                <dgm:constr type="l" for="ch" forName="text_1"/>
+                <dgm:constr type="w" for="ch" forName="text_1" refType="h" refFor="ch" refForName="text_1" op="gte"/>
+                <dgm:constr type="h" for="ch" forName="text_1" refType="h" refFor="ch" refForName="accent_1" fact="0.8"/>
+                <dgm:constr type="ctrY" for="ch" forName="text_1" refType="ctrY" refFor="ch" refForName="accent_1"/>
+                <dgm:constr type="rMarg" for="ch" forName="text_1" refType="w" refFor="ch" refForName="accent_1" fact="1.8"/>
+                <dgm:constr type="h" for="ch" forName="accent_2" refType="h" fact="0.1316"/>
+                <dgm:constr type="w" for="ch" forName="accent_2" refType="h" refFor="ch" refForName="accent_2" op="equ"/>
+                <dgm:constr type="ctrY" for="ch" forName="accent_2" refType="h" fact="0.2632"/>
+                <dgm:constr type="ctrX" for="ch" forName="accent_2" refType="w"/>
+                <dgm:constr type="ctrXOff" for="ch" forName="accent_2" refType="h" fact="-0.1809"/>
+                <dgm:constr type="r" for="ch" forName="text_2" refType="ctrX" refFor="ch" refForName="accent_2"/>
+                <dgm:constr type="rOff" for="ch" forName="text_2" refType="ctrXOff" refFor="ch" refForName="accent_2"/>
+                <dgm:constr type="l" for="ch" forName="text_2"/>
+                <dgm:constr type="w" for="ch" forName="text_2" refType="h" refFor="ch" refForName="text_2" op="gte"/>
+                <dgm:constr type="h" for="ch" forName="text_2" refType="h" refFor="ch" refForName="accent_2" fact="0.8"/>
+                <dgm:constr type="ctrY" for="ch" forName="text_2" refType="ctrY" refFor="ch" refForName="accent_2"/>
+                <dgm:constr type="rMarg" for="ch" forName="text_2" refType="w" refFor="ch" refForName="accent_2" fact="1.8"/>
+                <dgm:constr type="h" for="ch" forName="accent_3" refType="h" fact="0.1316"/>
+                <dgm:constr type="w" for="ch" forName="accent_3" refType="h" refFor="ch" refForName="accent_3" op="equ"/>
+                <dgm:constr type="ctrY" for="ch" forName="accent_3" refType="h" fact="0.4211"/>
+                <dgm:constr type="ctrX" for="ch" forName="accent_3" refType="w"/>
+                <dgm:constr type="ctrXOff" for="ch" forName="accent_3" refType="h" fact="-0.2205"/>
+                <dgm:constr type="r" for="ch" forName="text_3" refType="ctrX" refFor="ch" refForName="accent_3"/>
+                <dgm:constr type="rOff" for="ch" forName="text_3" refType="ctrXOff" refFor="ch" refForName="accent_3"/>
+                <dgm:constr type="l" for="ch" forName="text_3"/>
+                <dgm:constr type="w" for="ch" forName="text_3" refType="h" refFor="ch" refForName="text_3" op="gte"/>
+                <dgm:constr type="h" for="ch" forName="text_3" refType="h" refFor="ch" refForName="accent_3" fact="0.8"/>
+                <dgm:constr type="ctrY" for="ch" forName="text_3" refType="ctrY" refFor="ch" refForName="accent_3"/>
+                <dgm:constr type="rMarg" for="ch" forName="text_3" refType="w" refFor="ch" refForName="accent_3" fact="1.8"/>
+                <dgm:constr type="h" for="ch" forName="accent_4" refType="h" fact="0.1316"/>
+                <dgm:constr type="w" for="ch" forName="accent_4" refType="h" refFor="ch" refForName="accent_4" op="equ"/>
+                <dgm:constr type="ctrY" for="ch" forName="accent_4" refType="h" fact="0.5789"/>
+                <dgm:constr type="ctrX" for="ch" forName="accent_4" refType="w"/>
+                <dgm:constr type="ctrXOff" for="ch" forName="accent_4" refType="h" fact="-0.2205"/>
+                <dgm:constr type="r" for="ch" forName="text_4" refType="ctrX" refFor="ch" refForName="accent_4"/>
+                <dgm:constr type="rOff" for="ch" forName="text_4" refType="ctrXOff" refFor="ch" refForName="accent_4"/>
+                <dgm:constr type="l" for="ch" forName="text_4"/>
+                <dgm:constr type="w" for="ch" forName="text_4" refType="h" refFor="ch" refForName="text_4" op="gte"/>
+                <dgm:constr type="h" for="ch" forName="text_4" refType="h" refFor="ch" refForName="accent_4" fact="0.8"/>
+                <dgm:constr type="ctrY" for="ch" forName="text_4" refType="ctrY" refFor="ch" refForName="accent_4"/>
+                <dgm:constr type="rMarg" for="ch" forName="text_4" refType="w" refFor="ch" refForName="accent_4" fact="1.8"/>
+                <dgm:constr type="h" for="ch" forName="accent_5" refType="h" fact="0.1316"/>
+                <dgm:constr type="w" for="ch" forName="accent_5" refType="h" refFor="ch" refForName="accent_5" op="equ"/>
+                <dgm:constr type="ctrY" for="ch" forName="accent_5" refType="h" fact="0.7368"/>
+                <dgm:constr type="ctrX" for="ch" forName="accent_5" refType="w"/>
+                <dgm:constr type="ctrXOff" for="ch" forName="accent_5" refType="h" fact="-0.1809"/>
+                <dgm:constr type="r" for="ch" forName="text_5" refType="ctrX" refFor="ch" refForName="accent_5"/>
+                <dgm:constr type="rOff" for="ch" forName="text_5" refType="ctrXOff" refFor="ch" refForName="accent_5"/>
+                <dgm:constr type="l" for="ch" forName="text_5"/>
+                <dgm:constr type="w" for="ch" forName="text_5" refType="h" refFor="ch" refForName="text_5" op="gte"/>
+                <dgm:constr type="h" for="ch" forName="text_5" refType="h" refFor="ch" refForName="accent_5" fact="0.8"/>
+                <dgm:constr type="ctrY" for="ch" forName="text_5" refType="ctrY" refFor="ch" refForName="accent_5"/>
+                <dgm:constr type="rMarg" for="ch" forName="text_5" refType="w" refFor="ch" refForName="accent_5" fact="1.8"/>
+                <dgm:constr type="h" for="ch" forName="accent_6" refType="h" fact="0.1316"/>
+                <dgm:constr type="w" for="ch" forName="accent_6" refType="h" refFor="ch" refForName="accent_6" op="equ"/>
+                <dgm:constr type="ctrY" for="ch" forName="accent_6" refType="h" fact="0.8947"/>
+                <dgm:constr type="ctrX" for="ch" forName="accent_6" refType="w"/>
+                <dgm:constr type="ctrXOff" for="ch" forName="accent_6" refType="h" fact="-0.0943"/>
+                <dgm:constr type="r" for="ch" forName="text_6" refType="ctrX" refFor="ch" refForName="accent_6"/>
+                <dgm:constr type="rOff" for="ch" forName="text_6" refType="ctrXOff" refFor="ch" refForName="accent_6"/>
+                <dgm:constr type="l" for="ch" forName="text_6"/>
+                <dgm:constr type="w" for="ch" forName="text_6" refType="h" refFor="ch" refForName="text_6" op="gte"/>
+                <dgm:constr type="h" for="ch" forName="text_6" refType="h" refFor="ch" refForName="accent_6" fact="0.8"/>
+                <dgm:constr type="ctrY" for="ch" forName="text_6" refType="ctrY" refFor="ch" refForName="accent_6"/>
+                <dgm:constr type="rMarg" for="ch" forName="text_6" refType="w" refFor="ch" refForName="accent_6" fact="1.8"/>
+                <dgm:constr type="primFontSz" for="ch" ptType="node" op="equ" val="65"/>
+              </dgm:constrLst>
+            </dgm:if>
+            <dgm:else name="Name20">
+              <dgm:constrLst>
+                <dgm:constr type="h" for="ch" forName="cycle" refType="h"/>
+                <dgm:constr type="w" for="ch" forName="cycle" refType="h" refFor="ch" refForName="cycle" fact="0.26"/>
+                <dgm:constr type="r" for="ch" forName="cycle" refType="w"/>
+                <dgm:constr type="ctrY" for="ch" forName="cycle" refType="h" fact="0.5"/>
+                <dgm:constr type="diam" for="ch" forName="cycle" refType="h" fact="1.344"/>
+                <dgm:constr type="h" for="ch" forName="accent_1" refType="h" fact="0.1136"/>
+                <dgm:constr type="w" for="ch" forName="accent_1" refType="h" refFor="ch" refForName="accent_1" op="equ"/>
+                <dgm:constr type="ctrY" for="ch" forName="accent_1" refType="h" fact="0.0909"/>
+                <dgm:constr type="ctrX" for="ch" forName="accent_1" refType="w"/>
+                <dgm:constr type="ctrXOff" for="ch" forName="accent_1" refType="h" fact="-0.0835"/>
+                <dgm:constr type="r" for="ch" forName="text_1" refType="ctrX" refFor="ch" refForName="accent_1"/>
+                <dgm:constr type="rOff" for="ch" forName="text_1" refType="ctrXOff" refFor="ch" refForName="accent_1"/>
+                <dgm:constr type="l" for="ch" forName="text_1"/>
+                <dgm:constr type="w" for="ch" forName="text_1" refType="h" refFor="ch" refForName="text_1" op="gte"/>
+                <dgm:constr type="h" for="ch" forName="text_1" refType="h" refFor="ch" refForName="accent_1" fact="0.8"/>
+                <dgm:constr type="ctrY" for="ch" forName="text_1" refType="ctrY" refFor="ch" refForName="accent_1"/>
+                <dgm:constr type="rMarg" for="ch" forName="text_1" refType="w" refFor="ch" refForName="accent_1" fact="1.8"/>
+                <dgm:constr type="h" for="ch" forName="accent_2" refType="h" fact="0.1136"/>
+                <dgm:constr type="w" for="ch" forName="accent_2" refType="h" refFor="ch" refForName="accent_2" op="equ"/>
+                <dgm:constr type="ctrY" for="ch" forName="accent_2" refType="h" fact="0.2273"/>
+                <dgm:constr type="ctrX" for="ch" forName="accent_2" refType="w"/>
+                <dgm:constr type="ctrXOff" for="ch" forName="accent_2" refType="h" fact="-0.1658"/>
+                <dgm:constr type="r" for="ch" forName="text_2" refType="ctrX" refFor="ch" refForName="accent_2"/>
+                <dgm:constr type="rOff" for="ch" forName="text_2" refType="ctrXOff" refFor="ch" refForName="accent_2"/>
+                <dgm:constr type="l" for="ch" forName="text_2"/>
+                <dgm:constr type="w" for="ch" forName="text_2" refType="h" refFor="ch" refForName="text_2" op="gte"/>
+                <dgm:constr type="h" for="ch" forName="text_2" refType="h" refFor="ch" refForName="accent_2" fact="0.8"/>
+                <dgm:constr type="ctrY" for="ch" forName="text_2" refType="ctrY" refFor="ch" refForName="accent_2"/>
+                <dgm:constr type="rMarg" for="ch" forName="text_2" refType="w" refFor="ch" refForName="accent_2" fact="1.8"/>
+                <dgm:constr type="h" for="ch" forName="accent_3" refType="h" fact="0.1136"/>
+                <dgm:constr type="w" for="ch" forName="accent_3" refType="h" refFor="ch" refForName="accent_3" op="equ"/>
+                <dgm:constr type="ctrY" for="ch" forName="accent_3" refType="h" fact="0.3636"/>
+                <dgm:constr type="ctrX" for="ch" forName="accent_3" refType="w"/>
+                <dgm:constr type="ctrXOff" for="ch" forName="accent_3" refType="h" fact="-0.2109"/>
+                <dgm:constr type="r" for="ch" forName="text_3" refType="ctrX" refFor="ch" refForName="accent_3"/>
+                <dgm:constr type="rOff" for="ch" forName="text_3" refType="ctrXOff" refFor="ch" refForName="accent_3"/>
+                <dgm:constr type="l" for="ch" forName="text_3"/>
+                <dgm:constr type="w" for="ch" forName="text_3" refType="h" refFor="ch" refForName="text_3" op="gte"/>
+                <dgm:constr type="h" for="ch" forName="text_3" refType="h" refFor="ch" refForName="accent_3" fact="0.8"/>
+                <dgm:constr type="ctrY" for="ch" forName="text_3" refType="ctrY" refFor="ch" refForName="accent_3"/>
+                <dgm:constr type="rMarg" for="ch" forName="text_3" refType="w" refFor="ch" refForName="accent_3" fact="1.8"/>
+                <dgm:constr type="h" for="ch" forName="accent_4" refType="h" fact="0.1136"/>
+                <dgm:constr type="w" for="ch" forName="accent_4" refType="h" refFor="ch" refForName="accent_4" op="equ"/>
+                <dgm:constr type="ctrY" for="ch" forName="accent_4" refType="h" fact="0.5"/>
+                <dgm:constr type="ctrX" for="ch" forName="accent_4" refType="w"/>
+                <dgm:constr type="ctrXOff" for="ch" forName="accent_4" refType="h" fact="-0.2253"/>
+                <dgm:constr type="r" for="ch" forName="text_4" refType="ctrX" refFor="ch" refForName="accent_4"/>
+                <dgm:constr type="rOff" for="ch" forName="text_4" refType="ctrXOff" refFor="ch" refForName="accent_4"/>
+                <dgm:constr type="l" for="ch" forName="text_4"/>
+                <dgm:constr type="w" for="ch" forName="text_4" refType="h" refFor="ch" refForName="text_4" op="gte"/>
+                <dgm:constr type="h" for="ch" forName="text_4" refType="h" refFor="ch" refForName="accent_4" fact="0.8"/>
+                <dgm:constr type="ctrY" for="ch" forName="text_4" refType="ctrY" refFor="ch" refForName="accent_4"/>
+                <dgm:constr type="rMarg" for="ch" forName="text_4" refType="w" refFor="ch" refForName="accent_4" fact="1.8"/>
+                <dgm:constr type="h" for="ch" forName="accent_5" refType="h" fact="0.1136"/>
+                <dgm:constr type="w" for="ch" forName="accent_5" refType="h" refFor="ch" refForName="accent_5" op="equ"/>
+                <dgm:constr type="ctrY" for="ch" forName="accent_5" refType="h" fact="0.6364"/>
+                <dgm:constr type="ctrX" for="ch" forName="accent_5" refType="w"/>
+                <dgm:constr type="ctrXOff" for="ch" forName="accent_5" refType="h" fact="-0.2109"/>
+                <dgm:constr type="r" for="ch" forName="text_5" refType="ctrX" refFor="ch" refForName="accent_5"/>
+                <dgm:constr type="rOff" for="ch" forName="text_5" refType="ctrXOff" refFor="ch" refForName="accent_5"/>
+                <dgm:constr type="l" for="ch" forName="text_5"/>
+                <dgm:constr type="w" for="ch" forName="text_5" refType="h" refFor="ch" refForName="text_5" op="gte"/>
+                <dgm:constr type="h" for="ch" forName="text_5" refType="h" refFor="ch" refForName="accent_5" fact="0.8"/>
+                <dgm:constr type="ctrY" for="ch" forName="text_5" refType="ctrY" refFor="ch" refForName="accent_5"/>
+                <dgm:constr type="rMarg" for="ch" forName="text_5" refType="w" refFor="ch" refForName="accent_5" fact="1.8"/>
+                <dgm:constr type="h" for="ch" forName="accent_6" refType="h" fact="0.1136"/>
+                <dgm:constr type="w" for="ch" forName="accent_6" refType="h" refFor="ch" refForName="accent_6" op="equ"/>
+                <dgm:constr type="ctrY" for="ch" forName="accent_6" refType="h" fact="0.7727"/>
+                <dgm:constr type="ctrX" for="ch" forName="accent_6" refType="w"/>
+                <dgm:constr type="ctrXOff" for="ch" forName="accent_6" refType="h" fact="-0.1658"/>
+                <dgm:constr type="r" for="ch" forName="text_6" refType="ctrX" refFor="ch" refForName="accent_6"/>
+                <dgm:constr type="rOff" for="ch" forName="text_6" refType="ctrXOff" refFor="ch" refForName="accent_6"/>
+                <dgm:constr type="l" for="ch" forName="text_6"/>
+                <dgm:constr type="w" for="ch" forName="text_6" refType="h" refFor="ch" refForName="text_6" op="gte"/>
+                <dgm:constr type="h" for="ch" forName="text_6" refType="h" refFor="ch" refForName="accent_6" fact="0.8"/>
+                <dgm:constr type="ctrY" for="ch" forName="text_6" refType="ctrY" refFor="ch" refForName="accent_6"/>
+                <dgm:constr type="rMarg" for="ch" forName="text_6" refType="w" refFor="ch" refForName="accent_6" fact="1.8"/>
+                <dgm:constr type="h" for="ch" forName="accent_7" refType="h" fact="0.1136"/>
+                <dgm:constr type="w" for="ch" forName="accent_7" refType="h" refFor="ch" refForName="accent_7" op="equ"/>
+                <dgm:constr type="ctrY" for="ch" forName="accent_7" refType="h" fact="0.9091"/>
+                <dgm:constr type="ctrX" for="ch" forName="accent_7" refType="w"/>
+                <dgm:constr type="ctrXOff" for="ch" forName="accent_7" refType="h" fact="-0.0835"/>
+                <dgm:constr type="r" for="ch" forName="text_7" refType="ctrX" refFor="ch" refForName="accent_7"/>
+                <dgm:constr type="rOff" for="ch" forName="text_7" refType="ctrXOff" refFor="ch" refForName="accent_7"/>
+                <dgm:constr type="l" for="ch" forName="text_7"/>
+                <dgm:constr type="w" for="ch" forName="text_7" refType="h" refFor="ch" refForName="text_7" op="gte"/>
+                <dgm:constr type="h" for="ch" forName="text_7" refType="h" refFor="ch" refForName="accent_7" fact="0.8"/>
+                <dgm:constr type="ctrY" for="ch" forName="text_7" refType="ctrY" refFor="ch" refForName="accent_7"/>
+                <dgm:constr type="rMarg" for="ch" forName="text_7" refType="w" refFor="ch" refForName="accent_7" fact="1.8"/>
+                <dgm:constr type="primFontSz" for="ch" ptType="node" op="equ" val="65"/>
+              </dgm:constrLst>
+            </dgm:else>
+          </dgm:choose>
+        </dgm:else>
+      </dgm:choose>
+      <dgm:layoutNode name="cycle">
+        <dgm:choose name="Name21">
+          <dgm:if name="Name22" func="var" arg="dir" op="equ" val="norm">
+            <dgm:alg type="cycle">
+              <dgm:param type="stAng" val="45"/>
+              <dgm:param type="spanAng" val="90"/>
+            </dgm:alg>
+          </dgm:if>
+          <dgm:else name="Name23">
+            <dgm:alg type="cycle">
+              <dgm:param type="stAng" val="225"/>
+              <dgm:param type="spanAng" val="90"/>
+            </dgm:alg>
+          </dgm:else>
+        </dgm:choose>
+        <dgm:shape xmlns:r="http://schemas.openxmlformats.org/officeDocument/2006/relationships" r:blip="">
+          <dgm:adjLst/>
+        </dgm:shape>
+        <dgm:presOf/>
+        <dgm:constrLst>
+          <dgm:constr type="w" for="ch" val="1"/>
+          <dgm:constr type="h" for="ch" val="1"/>
+          <dgm:constr type="diam" for="ch" forName="conn" refType="diam"/>
+        </dgm:constrLst>
+        <dgm:layoutNode name="srcNode">
+          <dgm:alg type="sp"/>
+          <dgm:shape xmlns:r="http://schemas.openxmlformats.org/officeDocument/2006/relationships" type="rect" r:blip="" hideGeom="1">
+            <dgm:adjLst/>
+          </dgm:shape>
+          <dgm:presOf/>
+        </dgm:layoutNode>
+        <dgm:layoutNode name="conn" styleLbl="parChTrans1D2">
+          <dgm:alg type="conn">
+            <dgm:param type="connRout" val="curve"/>
+            <dgm:param type="srcNode" val="srcNode"/>
+            <dgm:param type="dstNode" val="dstNode"/>
+            <dgm:param type="begPts" val="ctr"/>
+            <dgm:param type="endPts" val="ctr"/>
+            <dgm:param type="endSty" val="noArr"/>
+          </dgm:alg>
+          <dgm:shape xmlns:r="http://schemas.openxmlformats.org/officeDocument/2006/relationships" type="conn" r:blip="">
+            <dgm:adjLst/>
+          </dgm:shape>
+          <dgm:presOf axis="desOrSelf" ptType="sibTrans" hideLastTrans="0" st="0" cnt="1"/>
+          <dgm:constrLst>
+            <dgm:constr type="begPad"/>
+            <dgm:constr type="endPad"/>
+          </dgm:constrLst>
+        </dgm:layoutNode>
+        <dgm:layoutNode name="extraNode">
+          <dgm:alg type="sp"/>
+          <dgm:shape xmlns:r="http://schemas.openxmlformats.org/officeDocument/2006/relationships" type="rect" r:blip="" hideGeom="1">
+            <dgm:adjLst/>
+          </dgm:shape>
+          <dgm:presOf/>
+        </dgm:layoutNode>
+        <dgm:layoutNode name="dstNode">
+          <dgm:alg type="sp"/>
+          <dgm:shape xmlns:r="http://schemas.openxmlformats.org/officeDocument/2006/relationships" type="rect" r:blip="" hideGeom="1">
+            <dgm:adjLst/>
+          </dgm:shape>
+          <dgm:presOf/>
+        </dgm:layoutNode>
+      </dgm:layoutNode>
+      <dgm:forEach name="wrapper" axis="self" ptType="parTrans">
+        <dgm:forEach name="wrapper2" axis="self" ptType="sibTrans" st="2">
+          <dgm:forEach name="accentRepeat" axis="self">
+            <dgm:layoutNode name="accentRepeatNode" styleLbl="solidFgAcc1">
+              <dgm:alg type="sp"/>
+              <dgm:shape xmlns:r="http://schemas.openxmlformats.org/officeDocument/2006/relationships" type="ellipse" r:blip="">
+                <dgm:adjLst/>
+              </dgm:shape>
+              <dgm:presOf/>
+            </dgm:layoutNode>
+          </dgm:forEach>
+        </dgm:forEach>
+      </dgm:forEach>
+      <dgm:forEach name="Name24" axis="ch" ptType="node" cnt="1">
+        <dgm:layoutNode name="text_1" styleLbl="node1">
+          <dgm:varLst>
+            <dgm:bulletEnabled val="1"/>
+          </dgm:varLst>
+          <dgm:choose name="Name25">
+            <dgm:if name="Name26" func="var" arg="dir" op="equ" val="norm">
+              <dgm:alg type="tx">
+                <dgm:param type="parTxLTRAlign" val="l"/>
+                <dgm:param type="shpTxLTRAlignCh" val="l"/>
+                <dgm:param type="parTxRTLAlign" val="l"/>
+                <dgm:param type="shpTxRTLAlignCh" val="l"/>
+              </dgm:alg>
+            </dgm:if>
+            <dgm:else name="Name27">
+              <dgm:alg type="tx">
+                <dgm:param type="parTxLTRAlign" val="r"/>
+                <dgm:param type="shpTxLTRAlignCh" val="r"/>
+                <dgm:param type="parTxRTLAlign" val="r"/>
+                <dgm:param type="shpTxRTLAlignCh" val="r"/>
+              </dgm:alg>
+            </dgm:else>
+          </dgm:choose>
+          <dgm:shape xmlns:r="http://schemas.openxmlformats.org/officeDocument/2006/relationships" type="rect" r:blip="">
+            <dgm:adjLst/>
+          </dgm:shape>
+          <dgm:presOf axis="desOrSelf" ptType="node"/>
+          <dgm:constrLst>
+            <dgm:constr type="primFontSz" val="65"/>
+            <dgm:constr type="lMarg" refType="primFontSz" fact="0.2"/>
+            <dgm:constr type="rMarg" refType="primFontSz" fact="0.2"/>
+            <dgm:constr type="tMarg" refType="primFontSz" fact="0.2"/>
+            <dgm:constr type="bMarg" refType="primFontSz" fact="0.2"/>
+          </dgm:constrLst>
+          <dgm:ruleLst>
+            <dgm:rule type="primFontSz" val="5" fact="NaN" max="NaN"/>
+          </dgm:ruleLst>
+        </dgm:layoutNode>
+        <dgm:layoutNode name="accent_1">
+          <dgm:alg type="sp"/>
+          <dgm:shape xmlns:r="http://schemas.openxmlformats.org/officeDocument/2006/relationships" r:blip="">
+            <dgm:adjLst/>
+          </dgm:shape>
+          <dgm:presOf/>
+          <dgm:constrLst/>
+          <dgm:forEach name="Name28" ref="accentRepeat"/>
+        </dgm:layoutNode>
+      </dgm:forEach>
+      <dgm:forEach name="Name29" axis="ch" ptType="node" st="2" cnt="1">
+        <dgm:layoutNode name="text_2" styleLbl="node1">
+          <dgm:varLst>
+            <dgm:bulletEnabled val="1"/>
+          </dgm:varLst>
+          <dgm:choose name="Name30">
+            <dgm:if name="Name31" func="var" arg="dir" op="equ" val="norm">
+              <dgm:alg type="tx">
+                <dgm:param type="parTxLTRAlign" val="l"/>
+                <dgm:param type="shpTxLTRAlignCh" val="l"/>
+                <dgm:param type="parTxRTLAlign" val="l"/>
+                <dgm:param type="shpTxRTLAlignCh" val="l"/>
+              </dgm:alg>
+            </dgm:if>
+            <dgm:else name="Name32">
+              <dgm:alg type="tx">
+                <dgm:param type="parTxLTRAlign" val="r"/>
+                <dgm:param type="shpTxLTRAlignCh" val="r"/>
+                <dgm:param type="parTxRTLAlign" val="r"/>
+                <dgm:param type="shpTxRTLAlignCh" val="r"/>
+              </dgm:alg>
+            </dgm:else>
+          </dgm:choose>
+          <dgm:shape xmlns:r="http://schemas.openxmlformats.org/officeDocument/2006/relationships" type="rect" r:blip="">
+            <dgm:adjLst/>
+          </dgm:shape>
+          <dgm:presOf axis="desOrSelf" ptType="node"/>
+          <dgm:constrLst>
+            <dgm:constr type="primFontSz" val="65"/>
+            <dgm:constr type="lMarg" refType="primFontSz" fact="0.2"/>
+            <dgm:constr type="rMarg" refType="primFontSz" fact="0.2"/>
+            <dgm:constr type="tMarg" refType="primFontSz" fact="0.2"/>
+            <dgm:constr type="bMarg" refType="primFontSz" fact="0.2"/>
+          </dgm:constrLst>
+          <dgm:ruleLst>
+            <dgm:rule type="primFontSz" val="5" fact="NaN" max="NaN"/>
+          </dgm:ruleLst>
+        </dgm:layoutNode>
+        <dgm:layoutNode name="accent_2">
+          <dgm:alg type="sp"/>
+          <dgm:shape xmlns:r="http://schemas.openxmlformats.org/officeDocument/2006/relationships" r:blip="">
+            <dgm:adjLst/>
+          </dgm:shape>
+          <dgm:presOf/>
+          <dgm:constrLst/>
+          <dgm:forEach name="Name33" ref="accentRepeat"/>
+        </dgm:layoutNode>
+      </dgm:forEach>
+      <dgm:forEach name="Name34" axis="ch" ptType="node" st="3" cnt="1">
+        <dgm:layoutNode name="text_3" styleLbl="node1">
+          <dgm:varLst>
+            <dgm:bulletEnabled val="1"/>
+          </dgm:varLst>
+          <dgm:choose name="Name35">
+            <dgm:if name="Name36" func="var" arg="dir" op="equ" val="norm">
+              <dgm:alg type="tx">
+                <dgm:param type="parTxLTRAlign" val="l"/>
+                <dgm:param type="shpTxLTRAlignCh" val="l"/>
+                <dgm:param type="parTxRTLAlign" val="l"/>
+                <dgm:param type="shpTxRTLAlignCh" val="l"/>
+              </dgm:alg>
+            </dgm:if>
+            <dgm:else name="Name37">
+              <dgm:alg type="tx">
+                <dgm:param type="parTxLTRAlign" val="r"/>
+                <dgm:param type="shpTxLTRAlignCh" val="r"/>
+                <dgm:param type="parTxRTLAlign" val="r"/>
+                <dgm:param type="shpTxRTLAlignCh" val="r"/>
+              </dgm:alg>
+            </dgm:else>
+          </dgm:choose>
+          <dgm:shape xmlns:r="http://schemas.openxmlformats.org/officeDocument/2006/relationships" type="rect" r:blip="">
+            <dgm:adjLst/>
+          </dgm:shape>
+          <dgm:presOf axis="desOrSelf" ptType="node"/>
+          <dgm:constrLst>
+            <dgm:constr type="primFontSz" val="65"/>
+            <dgm:constr type="lMarg" refType="primFontSz" fact="0.2"/>
+            <dgm:constr type="rMarg" refType="primFontSz" fact="0.2"/>
+            <dgm:constr type="tMarg" refType="primFontSz" fact="0.2"/>
+            <dgm:constr type="bMarg" refType="primFontSz" fact="0.2"/>
+          </dgm:constrLst>
+          <dgm:ruleLst>
+            <dgm:rule type="primFontSz" val="5" fact="NaN" max="NaN"/>
+          </dgm:ruleLst>
+        </dgm:layoutNode>
+        <dgm:layoutNode name="accent_3">
+          <dgm:alg type="sp"/>
+          <dgm:shape xmlns:r="http://schemas.openxmlformats.org/officeDocument/2006/relationships" r:blip="">
+            <dgm:adjLst/>
+          </dgm:shape>
+          <dgm:presOf/>
+          <dgm:constrLst/>
+          <dgm:forEach name="Name38" ref="accentRepeat"/>
+        </dgm:layoutNode>
+      </dgm:forEach>
+      <dgm:forEach name="Name39" axis="ch" ptType="node" st="4" cnt="1">
+        <dgm:layoutNode name="text_4" styleLbl="node1">
+          <dgm:varLst>
+            <dgm:bulletEnabled val="1"/>
+          </dgm:varLst>
+          <dgm:choose name="Name40">
+            <dgm:if name="Name41" func="var" arg="dir" op="equ" val="norm">
+              <dgm:alg type="tx">
+                <dgm:param type="parTxLTRAlign" val="l"/>
+                <dgm:param type="shpTxLTRAlignCh" val="l"/>
+                <dgm:param type="parTxRTLAlign" val="l"/>
+                <dgm:param type="shpTxRTLAlignCh" val="l"/>
+              </dgm:alg>
+            </dgm:if>
+            <dgm:else name="Name42">
+              <dgm:alg type="tx">
+                <dgm:param type="parTxLTRAlign" val="r"/>
+                <dgm:param type="shpTxLTRAlignCh" val="r"/>
+                <dgm:param type="parTxRTLAlign" val="r"/>
+                <dgm:param type="shpTxRTLAlignCh" val="r"/>
+              </dgm:alg>
+            </dgm:else>
+          </dgm:choose>
+          <dgm:shape xmlns:r="http://schemas.openxmlformats.org/officeDocument/2006/relationships" type="rect" r:blip="">
+            <dgm:adjLst/>
+          </dgm:shape>
+          <dgm:presOf axis="desOrSelf" ptType="node"/>
+          <dgm:constrLst>
+            <dgm:constr type="primFontSz" val="65"/>
+            <dgm:constr type="lMarg" refType="primFontSz" fact="0.2"/>
+            <dgm:constr type="rMarg" refType="primFontSz" fact="0.2"/>
+            <dgm:constr type="tMarg" refType="primFontSz" fact="0.2"/>
+            <dgm:constr type="bMarg" refType="primFontSz" fact="0.2"/>
+          </dgm:constrLst>
+          <dgm:ruleLst>
+            <dgm:rule type="primFontSz" val="5" fact="NaN" max="NaN"/>
+          </dgm:ruleLst>
+        </dgm:layoutNode>
+        <dgm:layoutNode name="accent_4">
+          <dgm:alg type="sp"/>
+          <dgm:shape xmlns:r="http://schemas.openxmlformats.org/officeDocument/2006/relationships" r:blip="">
+            <dgm:adjLst/>
+          </dgm:shape>
+          <dgm:presOf/>
+          <dgm:constrLst/>
+          <dgm:forEach name="Name43" ref="accentRepeat"/>
+        </dgm:layoutNode>
+      </dgm:forEach>
+      <dgm:forEach name="Name44" axis="ch" ptType="node" st="5" cnt="1">
+        <dgm:layoutNode name="text_5" styleLbl="node1">
+          <dgm:varLst>
+            <dgm:bulletEnabled val="1"/>
+          </dgm:varLst>
+          <dgm:choose name="Name45">
+            <dgm:if name="Name46" func="var" arg="dir" op="equ" val="norm">
+              <dgm:alg type="tx">
+                <dgm:param type="parTxLTRAlign" val="l"/>
+                <dgm:param type="shpTxLTRAlignCh" val="l"/>
+                <dgm:param type="parTxRTLAlign" val="l"/>
+                <dgm:param type="shpTxRTLAlignCh" val="l"/>
+              </dgm:alg>
+            </dgm:if>
+            <dgm:else name="Name47">
+              <dgm:alg type="tx">
+                <dgm:param type="parTxLTRAlign" val="r"/>
+                <dgm:param type="shpTxLTRAlignCh" val="r"/>
+                <dgm:param type="parTxRTLAlign" val="r"/>
+                <dgm:param type="shpTxRTLAlignCh" val="r"/>
+              </dgm:alg>
+            </dgm:else>
+          </dgm:choose>
+          <dgm:shape xmlns:r="http://schemas.openxmlformats.org/officeDocument/2006/relationships" type="rect" r:blip="">
+            <dgm:adjLst/>
+          </dgm:shape>
+          <dgm:presOf axis="desOrSelf" ptType="node"/>
+          <dgm:constrLst>
+            <dgm:constr type="primFontSz" val="65"/>
+            <dgm:constr type="lMarg" refType="primFontSz" fact="0.2"/>
+            <dgm:constr type="rMarg" refType="primFontSz" fact="0.2"/>
+            <dgm:constr type="tMarg" refType="primFontSz" fact="0.2"/>
+            <dgm:constr type="bMarg" refType="primFontSz" fact="0.2"/>
+          </dgm:constrLst>
+          <dgm:ruleLst>
+            <dgm:rule type="primFontSz" val="5" fact="NaN" max="NaN"/>
+          </dgm:ruleLst>
+        </dgm:layoutNode>
+        <dgm:layoutNode name="accent_5">
+          <dgm:alg type="sp"/>
+          <dgm:shape xmlns:r="http://schemas.openxmlformats.org/officeDocument/2006/relationships" r:blip="">
+            <dgm:adjLst/>
+          </dgm:shape>
+          <dgm:presOf/>
+          <dgm:constrLst/>
+          <dgm:forEach name="Name48" ref="accentRepeat"/>
+        </dgm:layoutNode>
+      </dgm:forEach>
+      <dgm:forEach name="Name49" axis="ch" ptType="node" st="6" cnt="1">
+        <dgm:layoutNode name="text_6" styleLbl="node1">
+          <dgm:varLst>
+            <dgm:bulletEnabled val="1"/>
+          </dgm:varLst>
+          <dgm:choose name="Name50">
+            <dgm:if name="Name51" func="var" arg="dir" op="equ" val="norm">
+              <dgm:alg type="tx">
+                <dgm:param type="parTxLTRAlign" val="l"/>
+                <dgm:param type="shpTxLTRAlignCh" val="l"/>
+                <dgm:param type="parTxRTLAlign" val="l"/>
+                <dgm:param type="shpTxRTLAlignCh" val="l"/>
+              </dgm:alg>
+            </dgm:if>
+            <dgm:else name="Name52">
+              <dgm:alg type="tx">
+                <dgm:param type="parTxLTRAlign" val="r"/>
+                <dgm:param type="shpTxLTRAlignCh" val="r"/>
+                <dgm:param type="parTxRTLAlign" val="r"/>
+                <dgm:param type="shpTxRTLAlignCh" val="r"/>
+              </dgm:alg>
+            </dgm:else>
+          </dgm:choose>
+          <dgm:shape xmlns:r="http://schemas.openxmlformats.org/officeDocument/2006/relationships" type="rect" r:blip="">
+            <dgm:adjLst/>
+          </dgm:shape>
+          <dgm:presOf axis="desOrSelf" ptType="node"/>
+          <dgm:constrLst>
+            <dgm:constr type="primFontSz" val="65"/>
+            <dgm:constr type="lMarg" refType="primFontSz" fact="0.2"/>
+            <dgm:constr type="rMarg" refType="primFontSz" fact="0.2"/>
+            <dgm:constr type="tMarg" refType="primFontSz" fact="0.2"/>
+            <dgm:constr type="bMarg" refType="primFontSz" fact="0.2"/>
+          </dgm:constrLst>
+          <dgm:ruleLst>
+            <dgm:rule type="primFontSz" val="5" fact="NaN" max="NaN"/>
+          </dgm:ruleLst>
+        </dgm:layoutNode>
+        <dgm:layoutNode name="accent_6">
+          <dgm:alg type="sp"/>
+          <dgm:shape xmlns:r="http://schemas.openxmlformats.org/officeDocument/2006/relationships" r:blip="">
+            <dgm:adjLst/>
+          </dgm:shape>
+          <dgm:presOf/>
+          <dgm:constrLst/>
+          <dgm:forEach name="Name53" ref="accentRepeat"/>
+        </dgm:layoutNode>
+      </dgm:forEach>
+      <dgm:forEach name="Name54" axis="ch" ptType="node" st="7" cnt="1">
+        <dgm:layoutNode name="text_7" styleLbl="node1">
+          <dgm:varLst>
+            <dgm:bulletEnabled val="1"/>
+          </dgm:varLst>
+          <dgm:choose name="Name55">
+            <dgm:if name="Name56" func="var" arg="dir" op="equ" val="norm">
+              <dgm:alg type="tx">
+                <dgm:param type="parTxLTRAlign" val="l"/>
+                <dgm:param type="shpTxLTRAlignCh" val="l"/>
+                <dgm:param type="parTxRTLAlign" val="l"/>
+                <dgm:param type="shpTxRTLAlignCh" val="l"/>
+              </dgm:alg>
+            </dgm:if>
+            <dgm:else name="Name57">
+              <dgm:alg type="tx">
+                <dgm:param type="parTxLTRAlign" val="r"/>
+                <dgm:param type="shpTxLTRAlignCh" val="r"/>
+                <dgm:param type="parTxRTLAlign" val="r"/>
+                <dgm:param type="shpTxRTLAlignCh" val="r"/>
+              </dgm:alg>
+            </dgm:else>
+          </dgm:choose>
+          <dgm:shape xmlns:r="http://schemas.openxmlformats.org/officeDocument/2006/relationships" type="rect" r:blip="">
+            <dgm:adjLst/>
+          </dgm:shape>
+          <dgm:presOf axis="desOrSelf" ptType="node"/>
+          <dgm:constrLst>
+            <dgm:constr type="primFontSz" val="65"/>
+            <dgm:constr type="lMarg" refType="primFontSz" fact="0.2"/>
+            <dgm:constr type="rMarg" refType="primFontSz" fact="0.2"/>
+            <dgm:constr type="tMarg" refType="primFontSz" fact="0.2"/>
+            <dgm:constr type="bMarg" refType="primFontSz" fact="0.2"/>
+          </dgm:constrLst>
+          <dgm:ruleLst>
+            <dgm:rule type="primFontSz" val="5" fact="NaN" max="NaN"/>
+          </dgm:ruleLst>
+        </dgm:layoutNode>
+        <dgm:layoutNode name="accent_7">
+          <dgm:alg type="sp"/>
+          <dgm:shape xmlns:r="http://schemas.openxmlformats.org/officeDocument/2006/relationships" r:blip="">
+            <dgm:adjLst/>
+          </dgm:shape>
+          <dgm:presOf/>
+          <dgm:constrLst/>
+          <dgm:forEach name="Name58" ref="accentRepeat"/>
+        </dgm:layoutNode>
+      </dgm:forEach>
+    </dgm:layoutNode>
+  </dgm:layoutNode>
+</dgm:layoutDef>
+</file>
+
+<file path=ppt/diagrams/layout4.xml><?xml version="1.0" encoding="utf-8"?>
+<dgm:layoutDef xmlns:dgm="http://schemas.openxmlformats.org/drawingml/2006/diagram" xmlns:a="http://schemas.openxmlformats.org/drawingml/2006/main" uniqueId="urn:microsoft.com/office/officeart/2005/8/layout/chevron2">
+  <dgm:title val=""/>
+  <dgm:desc val=""/>
+  <dgm:catLst>
+    <dgm:cat type="process" pri="12000"/>
+    <dgm:cat type="list" pri="16000"/>
+    <dgm:cat type="convert" pri="11000"/>
+  </dgm:catLst>
+  <dgm:sampData>
+    <dgm:dataModel>
+      <dgm:ptLst>
+        <dgm:pt modelId="0" type="doc"/>
+        <dgm:pt modelId="1">
+          <dgm:prSet phldr="1"/>
+        </dgm:pt>
+        <dgm:pt modelId="11">
+          <dgm:prSet phldr="1"/>
+        </dgm:pt>
+        <dgm:pt modelId="12">
+          <dgm:prSet phldr="1"/>
+        </dgm:pt>
+        <dgm:pt modelId="2">
+          <dgm:prSet phldr="1"/>
+        </dgm:pt>
+        <dgm:pt modelId="21">
+          <dgm:prSet phldr="1"/>
+        </dgm:pt>
+        <dgm:pt modelId="22">
+          <dgm:prSet phldr="1"/>
+        </dgm:pt>
+        <dgm:pt modelId="3">
+          <dgm:prSet phldr="1"/>
+        </dgm:pt>
+        <dgm:pt modelId="31">
+          <dgm:prSet phldr="1"/>
+        </dgm:pt>
+        <dgm:pt modelId="32">
+          <dgm:prSet phldr="1"/>
+        </dgm:pt>
+      </dgm:ptLst>
+      <dgm:cxnLst>
+        <dgm:cxn modelId="4" srcId="0" destId="1" srcOrd="0" destOrd="0"/>
+        <dgm:cxn modelId="5" srcId="0" destId="2" srcOrd="1" destOrd="0"/>
+        <dgm:cxn modelId="6" srcId="0" destId="3" srcOrd="2" destOrd="0"/>
+        <dgm:cxn modelId="13" srcId="1" destId="11" srcOrd="0" destOrd="0"/>
+        <dgm:cxn modelId="14" srcId="1" destId="12" srcOrd="1" destOrd="0"/>
+        <dgm:cxn modelId="23" srcId="2" destId="21" srcOrd="0" destOrd="0"/>
+        <dgm:cxn modelId="24" srcId="2" destId="22" srcOrd="1" destOrd="0"/>
+        <dgm:cxn modelId="33" srcId="3" destId="31" srcOrd="0" destOrd="0"/>
+        <dgm:cxn modelId="34" srcId="3" destId="32" srcOrd="1" destOrd="0"/>
+      </dgm:cxnLst>
+      <dgm:bg/>
+      <dgm:whole/>
+    </dgm:dataModel>
+  </dgm:sampData>
+  <dgm:styleData>
+    <dgm:dataModel>
+      <dgm:ptLst>
+        <dgm:pt modelId="0" type="doc"/>
+        <dgm:pt modelId="1"/>
+      </dgm:ptLst>
+      <dgm:cxnLst>
+        <dgm:cxn modelId="4" srcId="0" destId="1" srcOrd="0" destOrd="0"/>
+      </dgm:cxnLst>
+      <dgm:bg/>
+      <dgm:whole/>
+    </dgm:dataModel>
+  </dgm:styleData>
+  <dgm:clrData>
+    <dgm:dataModel>
+      <dgm:ptLst>
+        <dgm:pt modelId="0" type="doc"/>
+        <dgm:pt modelId="1"/>
+        <dgm:pt modelId="11"/>
+        <dgm:pt modelId="2"/>
+        <dgm:pt modelId="21"/>
+        <dgm:pt modelId="3"/>
+        <dgm:pt modelId="31"/>
+        <dgm:pt modelId="4"/>
+        <dgm:pt modelId="41"/>
+      </dgm:ptLst>
+      <dgm:cxnLst>
+        <dgm:cxn modelId="5" srcId="0" destId="1" srcOrd="0" destOrd="0"/>
+        <dgm:cxn modelId="6" srcId="0" destId="2" srcOrd="1" destOrd="0"/>
+        <dgm:cxn modelId="7" srcId="0" destId="3" srcOrd="2" destOrd="0"/>
+        <dgm:cxn modelId="8" srcId="0" destId="4" srcOrd="3" destOrd="0"/>
+        <dgm:cxn modelId="13" srcId="1" destId="11" srcOrd="0" destOrd="0"/>
+        <dgm:cxn modelId="23" srcId="2" destId="21" srcOrd="0" destOrd="0"/>
+        <dgm:cxn modelId="33" srcId="3" destId="31" srcOrd="0" destOrd="0"/>
+        <dgm:cxn modelId="43" srcId="4" destId="41" srcOrd="0" destOrd="0"/>
+      </dgm:cxnLst>
+      <dgm:bg/>
+      <dgm:whole/>
+    </dgm:dataModel>
+  </dgm:clrData>
+  <dgm:layoutNode name="linearFlow">
+    <dgm:varLst>
+      <dgm:dir/>
+      <dgm:animLvl val="lvl"/>
+      <dgm:resizeHandles val="exact"/>
+    </dgm:varLst>
+    <dgm:alg type="lin">
+      <dgm:param type="linDir" val="fromT"/>
+      <dgm:param type="nodeHorzAlign" val="l"/>
+    </dgm:alg>
+    <dgm:shape xmlns:r="http://schemas.openxmlformats.org/officeDocument/2006/relationships" r:blip="">
+      <dgm:adjLst/>
+    </dgm:shape>
+    <dgm:presOf/>
+    <dgm:constrLst>
+      <dgm:constr type="h" for="ch" forName="composite" refType="h"/>
+      <dgm:constr type="w" for="ch" forName="composite" refType="w"/>
+      <dgm:constr type="h" for="des" forName="parentText" op="equ"/>
+      <dgm:constr type="h" for="ch" forName="sp" val="-14.88"/>
+      <dgm:constr type="h" for="ch" forName="sp" refType="w" refFor="des" refForName="parentText" op="gte" fact="-0.3"/>
+      <dgm:constr type="primFontSz" for="des" forName="parentText" op="equ" val="65"/>
+      <dgm:constr type="primFontSz" for="des" forName="descendantText" op="equ" val="65"/>
+    </dgm:constrLst>
+    <dgm:ruleLst/>
+    <dgm:forEach name="Name0" axis="ch" ptType="node">
+      <dgm:layoutNode name="composite">
+        <dgm:alg type="composite"/>
+        <dgm:shape xmlns:r="http://schemas.openxmlformats.org/officeDocument/2006/relationships" r:blip="">
+          <dgm:adjLst/>
+        </dgm:shape>
+        <dgm:presOf/>
+        <dgm:choose name="Name1">
+          <dgm:if name="Name2" func="var" arg="dir" op="equ" val="norm">
+            <dgm:constrLst>
+              <dgm:constr type="t" for="ch" forName="parentText"/>
+              <dgm:constr type="l" for="ch" forName="parentText"/>
+              <dgm:constr type="w" for="ch" forName="parentText" refType="w" fact="0.4"/>
+              <dgm:constr type="h" for="ch" forName="parentText" refType="h"/>
+              <dgm:constr type="w" for="ch" forName="parentText" refType="w" op="lte" fact="0.5"/>
+              <dgm:constr type="w" for="ch" forName="parentText" refType="h" refFor="ch" refForName="parentText" op="lte" fact="0.7"/>
+              <dgm:constr type="h" for="ch" forName="parentText" refType="w" refFor="ch" refForName="parentText" op="lte" fact="3"/>
+              <dgm:constr type="l" for="ch" forName="descendantText" refType="w" refFor="ch" refForName="parentText"/>
+              <dgm:constr type="w" for="ch" forName="descendantText" refType="w"/>
+              <dgm:constr type="wOff" for="ch" forName="descendantText" refType="w" refFor="ch" refForName="parentText" fact="-1"/>
+              <dgm:constr type="t" for="ch" forName="descendantText"/>
+              <dgm:constr type="b" for="ch" forName="descendantText" refType="h" refFor="ch" refForName="parentText"/>
+              <dgm:constr type="bOff" for="ch" forName="descendantText" refType="w" refFor="ch" refForName="parentText" fact="-0.5"/>
+            </dgm:constrLst>
+          </dgm:if>
+          <dgm:else name="Name3">
+            <dgm:constrLst>
+              <dgm:constr type="t" for="ch" forName="parentText"/>
+              <dgm:constr type="r" for="ch" forName="parentText" refType="w"/>
+              <dgm:constr type="w" for="ch" forName="parentText" refType="w" fact="0.4"/>
+              <dgm:constr type="h" for="ch" forName="parentText" refType="h"/>
+              <dgm:constr type="w" for="ch" forName="parentText" refType="w" op="lte" fact="0.5"/>
+              <dgm:constr type="w" for="ch" forName="parentText" refType="h" refFor="ch" refForName="parentText" op="lte" fact="0.7"/>
+              <dgm:constr type="h" for="ch" forName="parentText" refType="w" refFor="ch" refForName="parentText" op="lte" fact="3"/>
+              <dgm:constr type="l" for="ch" forName="descendantText"/>
+              <dgm:constr type="w" for="ch" forName="descendantText" refType="w"/>
+              <dgm:constr type="wOff" for="ch" forName="descendantText" refType="w" refFor="ch" refForName="parentText" fact="-1"/>
+              <dgm:constr type="t" for="ch" forName="descendantText"/>
+              <dgm:constr type="b" for="ch" forName="descendantText" refType="h" refFor="ch" refForName="parentText"/>
+              <dgm:constr type="bOff" for="ch" forName="descendantText" refType="w" refFor="ch" refForName="parentText" fact="-0.5"/>
+            </dgm:constrLst>
+          </dgm:else>
+        </dgm:choose>
+        <dgm:ruleLst/>
+        <dgm:layoutNode name="parentText" styleLbl="alignNode1">
+          <dgm:varLst>
+            <dgm:chMax val="1"/>
+            <dgm:bulletEnabled val="1"/>
+          </dgm:varLst>
+          <dgm:alg type="tx"/>
+          <dgm:shape xmlns:r="http://schemas.openxmlformats.org/officeDocument/2006/relationships" rot="90" type="chevron" r:blip="">
+            <dgm:adjLst/>
+          </dgm:shape>
+          <dgm:presOf axis="self" ptType="node"/>
+          <dgm:constrLst>
+            <dgm:constr type="lMarg" refType="primFontSz" fact="0.05"/>
+            <dgm:constr type="rMarg" refType="primFontSz" fact="0.05"/>
+            <dgm:constr type="tMarg" refType="primFontSz" fact="0.05"/>
+            <dgm:constr type="bMarg" refType="primFontSz" fact="0.05"/>
+          </dgm:constrLst>
+          <dgm:ruleLst>
+            <dgm:rule type="h" val="100" fact="NaN" max="NaN"/>
+            <dgm:rule type="primFontSz" val="24" fact="NaN" max="NaN"/>
+            <dgm:rule type="h" val="110" fact="NaN" max="NaN"/>
+            <dgm:rule type="primFontSz" val="18" fact="NaN" max="NaN"/>
+            <dgm:rule type="h" val="INF" fact="NaN" max="NaN"/>
+            <dgm:rule type="primFontSz" val="5" fact="NaN" max="NaN"/>
+          </dgm:ruleLst>
+        </dgm:layoutNode>
+        <dgm:layoutNode name="descendantText" styleLbl="alignAcc1">
+          <dgm:varLst>
+            <dgm:bulletEnabled val="1"/>
+          </dgm:varLst>
+          <dgm:choose name="Name4">
+            <dgm:if name="Name5" func="var" arg="dir" op="equ" val="norm">
+              <dgm:alg type="tx">
+                <dgm:param type="stBulletLvl" val="1"/>
+                <dgm:param type="txAnchorVertCh" val="mid"/>
+              </dgm:alg>
+              <dgm:shape xmlns:r="http://schemas.openxmlformats.org/officeDocument/2006/relationships" rot="90" type="round2SameRect" r:blip="">
+                <dgm:adjLst/>
+              </dgm:shape>
+            </dgm:if>
+            <dgm:else name="Name6">
+              <dgm:alg type="tx">
+                <dgm:param type="stBulletLvl" val="1"/>
+                <dgm:param type="txAnchorVertCh" val="mid"/>
+              </dgm:alg>
+              <dgm:shape xmlns:r="http://schemas.openxmlformats.org/officeDocument/2006/relationships" rot="-90" type="round2SameRect" r:blip="">
+                <dgm:adjLst/>
+              </dgm:shape>
+            </dgm:else>
+          </dgm:choose>
+          <dgm:presOf axis="des" ptType="node"/>
+          <dgm:choose name="Name7">
+            <dgm:if name="Name8" func="var" arg="dir" op="equ" val="norm">
+              <dgm:constrLst>
+                <dgm:constr type="secFontSz" refType="primFontSz"/>
+                <dgm:constr type="tMarg" refType="primFontSz" fact="0.05"/>
+                <dgm:constr type="bMarg" refType="primFontSz" fact="0.05"/>
+                <dgm:constr type="rMarg" refType="primFontSz" fact="0.05"/>
+              </dgm:constrLst>
+            </dgm:if>
+            <dgm:else name="Name9">
+              <dgm:constrLst>
+                <dgm:constr type="secFontSz" refType="primFontSz"/>
+                <dgm:constr type="tMarg" refType="primFontSz" fact="0.05"/>
+                <dgm:constr type="bMarg" refType="primFontSz" fact="0.05"/>
+                <dgm:constr type="lMarg" refType="primFontSz" fact="0.05"/>
+              </dgm:constrLst>
+            </dgm:else>
+          </dgm:choose>
+          <dgm:ruleLst>
+            <dgm:rule type="primFontSz" val="5" fact="NaN" max="NaN"/>
+          </dgm:ruleLst>
+        </dgm:layoutNode>
+      </dgm:layoutNode>
+      <dgm:forEach name="Name10" axis="followSib" ptType="sibTrans" cnt="1">
+        <dgm:layoutNode name="sp">
+          <dgm:alg type="sp"/>
+          <dgm:shape xmlns:r="http://schemas.openxmlformats.org/officeDocument/2006/relationships" r:blip="">
+            <dgm:adjLst/>
+          </dgm:shape>
+          <dgm:presOf axis="self"/>
+          <dgm:constrLst>
+            <dgm:constr type="w" val="1"/>
+            <dgm:constr type="h" val="37.5"/>
+          </dgm:constrLst>
+          <dgm:ruleLst/>
+        </dgm:layoutNode>
+      </dgm:forEach>
+    </dgm:forEach>
+  </dgm:layoutNode>
+</dgm:layoutDef>
+</file>
+
+<file path=ppt/diagrams/layout5.xml><?xml version="1.0" encoding="utf-8"?>
 <dgm:layoutDef xmlns:dgm="http://schemas.openxmlformats.org/drawingml/2006/diagram" xmlns:a="http://schemas.openxmlformats.org/drawingml/2006/main" uniqueId="urn:microsoft.com/office/officeart/2005/8/layout/matrix3">
   <dgm:title val=""/>
   <dgm:desc val=""/>
@@ -7786,7 +11801,7 @@
 </dgm:layoutDef>
 </file>
 
-<file path=ppt/diagrams/layout4.xml><?xml version="1.0" encoding="utf-8"?>
+<file path=ppt/diagrams/layout6.xml><?xml version="1.0" encoding="utf-8"?>
 <dgm:layoutDef xmlns:dgm="http://schemas.openxmlformats.org/drawingml/2006/diagram" xmlns:a="http://schemas.openxmlformats.org/drawingml/2006/main" uniqueId="urn:microsoft.com/office/officeart/2005/8/layout/matrix3">
   <dgm:title val=""/>
   <dgm:desc val=""/>
@@ -12141,6 +16156,2074 @@
 </dgm:styleDef>
 </file>
 
+<file path=ppt/diagrams/quickStyle5.xml><?xml version="1.0" encoding="utf-8"?>
+<dgm:styleDef xmlns:dgm="http://schemas.openxmlformats.org/drawingml/2006/diagram" xmlns:a="http://schemas.openxmlformats.org/drawingml/2006/main" uniqueId="urn:microsoft.com/office/officeart/2005/8/quickstyle/simple1">
+  <dgm:title val=""/>
+  <dgm:desc val=""/>
+  <dgm:catLst>
+    <dgm:cat type="simple" pri="10100"/>
+  </dgm:catLst>
+  <dgm:scene3d>
+    <a:camera prst="orthographicFront"/>
+    <a:lightRig rig="threePt" dir="t"/>
+  </dgm:scene3d>
+  <dgm:styleLbl name="node0">
+    <dgm:scene3d>
+      <a:camera prst="orthographicFront"/>
+      <a:lightRig rig="threePt" dir="t"/>
+    </dgm:scene3d>
+    <dgm:sp3d/>
+    <dgm:txPr/>
+    <dgm:style>
+      <a:lnRef idx="2">
+        <a:scrgbClr r="0" g="0" b="0"/>
+      </a:lnRef>
+      <a:fillRef idx="1">
+        <a:scrgbClr r="0" g="0" b="0"/>
+      </a:fillRef>
+      <a:effectRef idx="0">
+        <a:scrgbClr r="0" g="0" b="0"/>
+      </a:effectRef>
+      <a:fontRef idx="minor">
+        <a:schemeClr val="lt1"/>
+      </a:fontRef>
+    </dgm:style>
+  </dgm:styleLbl>
+  <dgm:styleLbl name="lnNode1">
+    <dgm:scene3d>
+      <a:camera prst="orthographicFront"/>
+      <a:lightRig rig="threePt" dir="t"/>
+    </dgm:scene3d>
+    <dgm:sp3d/>
+    <dgm:txPr/>
+    <dgm:style>
+      <a:lnRef idx="2">
+        <a:scrgbClr r="0" g="0" b="0"/>
+      </a:lnRef>
+      <a:fillRef idx="1">
+        <a:scrgbClr r="0" g="0" b="0"/>
+      </a:fillRef>
+      <a:effectRef idx="0">
+        <a:scrgbClr r="0" g="0" b="0"/>
+      </a:effectRef>
+      <a:fontRef idx="minor">
+        <a:schemeClr val="lt1"/>
+      </a:fontRef>
+    </dgm:style>
+  </dgm:styleLbl>
+  <dgm:styleLbl name="vennNode1">
+    <dgm:scene3d>
+      <a:camera prst="orthographicFront"/>
+      <a:lightRig rig="threePt" dir="t"/>
+    </dgm:scene3d>
+    <dgm:sp3d/>
+    <dgm:txPr/>
+    <dgm:style>
+      <a:lnRef idx="2">
+        <a:scrgbClr r="0" g="0" b="0"/>
+      </a:lnRef>
+      <a:fillRef idx="1">
+        <a:scrgbClr r="0" g="0" b="0"/>
+      </a:fillRef>
+      <a:effectRef idx="0">
+        <a:scrgbClr r="0" g="0" b="0"/>
+      </a:effectRef>
+      <a:fontRef idx="minor">
+        <a:schemeClr val="tx1"/>
+      </a:fontRef>
+    </dgm:style>
+  </dgm:styleLbl>
+  <dgm:styleLbl name="alignNode1">
+    <dgm:scene3d>
+      <a:camera prst="orthographicFront"/>
+      <a:lightRig rig="threePt" dir="t"/>
+    </dgm:scene3d>
+    <dgm:sp3d/>
+    <dgm:txPr/>
+    <dgm:style>
+      <a:lnRef idx="2">
+        <a:scrgbClr r="0" g="0" b="0"/>
+      </a:lnRef>
+      <a:fillRef idx="1">
+        <a:scrgbClr r="0" g="0" b="0"/>
+      </a:fillRef>
+      <a:effectRef idx="0">
+        <a:scrgbClr r="0" g="0" b="0"/>
+      </a:effectRef>
+      <a:fontRef idx="minor">
+        <a:schemeClr val="lt1"/>
+      </a:fontRef>
+    </dgm:style>
+  </dgm:styleLbl>
+  <dgm:styleLbl name="node1">
+    <dgm:scene3d>
+      <a:camera prst="orthographicFront"/>
+      <a:lightRig rig="threePt" dir="t"/>
+    </dgm:scene3d>
+    <dgm:sp3d/>
+    <dgm:txPr/>
+    <dgm:style>
+      <a:lnRef idx="2">
+        <a:scrgbClr r="0" g="0" b="0"/>
+      </a:lnRef>
+      <a:fillRef idx="1">
+        <a:scrgbClr r="0" g="0" b="0"/>
+      </a:fillRef>
+      <a:effectRef idx="0">
+        <a:scrgbClr r="0" g="0" b="0"/>
+      </a:effectRef>
+      <a:fontRef idx="minor">
+        <a:schemeClr val="lt1"/>
+      </a:fontRef>
+    </dgm:style>
+  </dgm:styleLbl>
+  <dgm:styleLbl name="node2">
+    <dgm:scene3d>
+      <a:camera prst="orthographicFront"/>
+      <a:lightRig rig="threePt" dir="t"/>
+    </dgm:scene3d>
+    <dgm:sp3d/>
+    <dgm:txPr/>
+    <dgm:style>
+      <a:lnRef idx="2">
+        <a:scrgbClr r="0" g="0" b="0"/>
+      </a:lnRef>
+      <a:fillRef idx="1">
+        <a:scrgbClr r="0" g="0" b="0"/>
+      </a:fillRef>
+      <a:effectRef idx="0">
+        <a:scrgbClr r="0" g="0" b="0"/>
+      </a:effectRef>
+      <a:fontRef idx="minor">
+        <a:schemeClr val="lt1"/>
+      </a:fontRef>
+    </dgm:style>
+  </dgm:styleLbl>
+  <dgm:styleLbl name="node3">
+    <dgm:scene3d>
+      <a:camera prst="orthographicFront"/>
+      <a:lightRig rig="threePt" dir="t"/>
+    </dgm:scene3d>
+    <dgm:sp3d/>
+    <dgm:txPr/>
+    <dgm:style>
+      <a:lnRef idx="2">
+        <a:scrgbClr r="0" g="0" b="0"/>
+      </a:lnRef>
+      <a:fillRef idx="1">
+        <a:scrgbClr r="0" g="0" b="0"/>
+      </a:fillRef>
+      <a:effectRef idx="0">
+        <a:scrgbClr r="0" g="0" b="0"/>
+      </a:effectRef>
+      <a:fontRef idx="minor">
+        <a:schemeClr val="lt1"/>
+      </a:fontRef>
+    </dgm:style>
+  </dgm:styleLbl>
+  <dgm:styleLbl name="node4">
+    <dgm:scene3d>
+      <a:camera prst="orthographicFront"/>
+      <a:lightRig rig="threePt" dir="t"/>
+    </dgm:scene3d>
+    <dgm:sp3d/>
+    <dgm:txPr/>
+    <dgm:style>
+      <a:lnRef idx="2">
+        <a:scrgbClr r="0" g="0" b="0"/>
+      </a:lnRef>
+      <a:fillRef idx="1">
+        <a:scrgbClr r="0" g="0" b="0"/>
+      </a:fillRef>
+      <a:effectRef idx="0">
+        <a:scrgbClr r="0" g="0" b="0"/>
+      </a:effectRef>
+      <a:fontRef idx="minor">
+        <a:schemeClr val="lt1"/>
+      </a:fontRef>
+    </dgm:style>
+  </dgm:styleLbl>
+  <dgm:styleLbl name="fgImgPlace1">
+    <dgm:scene3d>
+      <a:camera prst="orthographicFront"/>
+      <a:lightRig rig="threePt" dir="t"/>
+    </dgm:scene3d>
+    <dgm:sp3d/>
+    <dgm:txPr/>
+    <dgm:style>
+      <a:lnRef idx="2">
+        <a:scrgbClr r="0" g="0" b="0"/>
+      </a:lnRef>
+      <a:fillRef idx="1">
+        <a:scrgbClr r="0" g="0" b="0"/>
+      </a:fillRef>
+      <a:effectRef idx="0">
+        <a:scrgbClr r="0" g="0" b="0"/>
+      </a:effectRef>
+      <a:fontRef idx="minor"/>
+    </dgm:style>
+  </dgm:styleLbl>
+  <dgm:styleLbl name="alignImgPlace1">
+    <dgm:scene3d>
+      <a:camera prst="orthographicFront"/>
+      <a:lightRig rig="threePt" dir="t"/>
+    </dgm:scene3d>
+    <dgm:sp3d/>
+    <dgm:txPr/>
+    <dgm:style>
+      <a:lnRef idx="2">
+        <a:scrgbClr r="0" g="0" b="0"/>
+      </a:lnRef>
+      <a:fillRef idx="1">
+        <a:scrgbClr r="0" g="0" b="0"/>
+      </a:fillRef>
+      <a:effectRef idx="0">
+        <a:scrgbClr r="0" g="0" b="0"/>
+      </a:effectRef>
+      <a:fontRef idx="minor"/>
+    </dgm:style>
+  </dgm:styleLbl>
+  <dgm:styleLbl name="bgImgPlace1">
+    <dgm:scene3d>
+      <a:camera prst="orthographicFront"/>
+      <a:lightRig rig="threePt" dir="t"/>
+    </dgm:scene3d>
+    <dgm:sp3d/>
+    <dgm:txPr/>
+    <dgm:style>
+      <a:lnRef idx="2">
+        <a:scrgbClr r="0" g="0" b="0"/>
+      </a:lnRef>
+      <a:fillRef idx="1">
+        <a:scrgbClr r="0" g="0" b="0"/>
+      </a:fillRef>
+      <a:effectRef idx="0">
+        <a:scrgbClr r="0" g="0" b="0"/>
+      </a:effectRef>
+      <a:fontRef idx="minor"/>
+    </dgm:style>
+  </dgm:styleLbl>
+  <dgm:styleLbl name="sibTrans2D1">
+    <dgm:scene3d>
+      <a:camera prst="orthographicFront"/>
+      <a:lightRig rig="threePt" dir="t"/>
+    </dgm:scene3d>
+    <dgm:sp3d/>
+    <dgm:txPr/>
+    <dgm:style>
+      <a:lnRef idx="0">
+        <a:scrgbClr r="0" g="0" b="0"/>
+      </a:lnRef>
+      <a:fillRef idx="1">
+        <a:scrgbClr r="0" g="0" b="0"/>
+      </a:fillRef>
+      <a:effectRef idx="0">
+        <a:scrgbClr r="0" g="0" b="0"/>
+      </a:effectRef>
+      <a:fontRef idx="minor">
+        <a:schemeClr val="lt1"/>
+      </a:fontRef>
+    </dgm:style>
+  </dgm:styleLbl>
+  <dgm:styleLbl name="fgSibTrans2D1">
+    <dgm:scene3d>
+      <a:camera prst="orthographicFront"/>
+      <a:lightRig rig="threePt" dir="t"/>
+    </dgm:scene3d>
+    <dgm:sp3d/>
+    <dgm:txPr/>
+    <dgm:style>
+      <a:lnRef idx="0">
+        <a:scrgbClr r="0" g="0" b="0"/>
+      </a:lnRef>
+      <a:fillRef idx="1">
+        <a:scrgbClr r="0" g="0" b="0"/>
+      </a:fillRef>
+      <a:effectRef idx="0">
+        <a:scrgbClr r="0" g="0" b="0"/>
+      </a:effectRef>
+      <a:fontRef idx="minor">
+        <a:schemeClr val="lt1"/>
+      </a:fontRef>
+    </dgm:style>
+  </dgm:styleLbl>
+  <dgm:styleLbl name="bgSibTrans2D1">
+    <dgm:scene3d>
+      <a:camera prst="orthographicFront"/>
+      <a:lightRig rig="threePt" dir="t"/>
+    </dgm:scene3d>
+    <dgm:sp3d/>
+    <dgm:txPr/>
+    <dgm:style>
+      <a:lnRef idx="0">
+        <a:scrgbClr r="0" g="0" b="0"/>
+      </a:lnRef>
+      <a:fillRef idx="1">
+        <a:scrgbClr r="0" g="0" b="0"/>
+      </a:fillRef>
+      <a:effectRef idx="0">
+        <a:scrgbClr r="0" g="0" b="0"/>
+      </a:effectRef>
+      <a:fontRef idx="minor">
+        <a:schemeClr val="lt1"/>
+      </a:fontRef>
+    </dgm:style>
+  </dgm:styleLbl>
+  <dgm:styleLbl name="sibTrans1D1">
+    <dgm:scene3d>
+      <a:camera prst="orthographicFront"/>
+      <a:lightRig rig="threePt" dir="t"/>
+    </dgm:scene3d>
+    <dgm:sp3d/>
+    <dgm:txPr/>
+    <dgm:style>
+      <a:lnRef idx="1">
+        <a:scrgbClr r="0" g="0" b="0"/>
+      </a:lnRef>
+      <a:fillRef idx="0">
+        <a:scrgbClr r="0" g="0" b="0"/>
+      </a:fillRef>
+      <a:effectRef idx="0">
+        <a:scrgbClr r="0" g="0" b="0"/>
+      </a:effectRef>
+      <a:fontRef idx="minor"/>
+    </dgm:style>
+  </dgm:styleLbl>
+  <dgm:styleLbl name="callout">
+    <dgm:scene3d>
+      <a:camera prst="orthographicFront"/>
+      <a:lightRig rig="threePt" dir="t"/>
+    </dgm:scene3d>
+    <dgm:sp3d/>
+    <dgm:txPr/>
+    <dgm:style>
+      <a:lnRef idx="2">
+        <a:scrgbClr r="0" g="0" b="0"/>
+      </a:lnRef>
+      <a:fillRef idx="1">
+        <a:scrgbClr r="0" g="0" b="0"/>
+      </a:fillRef>
+      <a:effectRef idx="0">
+        <a:scrgbClr r="0" g="0" b="0"/>
+      </a:effectRef>
+      <a:fontRef idx="minor"/>
+    </dgm:style>
+  </dgm:styleLbl>
+  <dgm:styleLbl name="asst0">
+    <dgm:scene3d>
+      <a:camera prst="orthographicFront"/>
+      <a:lightRig rig="threePt" dir="t"/>
+    </dgm:scene3d>
+    <dgm:sp3d/>
+    <dgm:txPr/>
+    <dgm:style>
+      <a:lnRef idx="2">
+        <a:scrgbClr r="0" g="0" b="0"/>
+      </a:lnRef>
+      <a:fillRef idx="1">
+        <a:scrgbClr r="0" g="0" b="0"/>
+      </a:fillRef>
+      <a:effectRef idx="0">
+        <a:scrgbClr r="0" g="0" b="0"/>
+      </a:effectRef>
+      <a:fontRef idx="minor">
+        <a:schemeClr val="lt1"/>
+      </a:fontRef>
+    </dgm:style>
+  </dgm:styleLbl>
+  <dgm:styleLbl name="asst1">
+    <dgm:scene3d>
+      <a:camera prst="orthographicFront"/>
+      <a:lightRig rig="threePt" dir="t"/>
+    </dgm:scene3d>
+    <dgm:sp3d/>
+    <dgm:txPr/>
+    <dgm:style>
+      <a:lnRef idx="2">
+        <a:scrgbClr r="0" g="0" b="0"/>
+      </a:lnRef>
+      <a:fillRef idx="1">
+        <a:scrgbClr r="0" g="0" b="0"/>
+      </a:fillRef>
+      <a:effectRef idx="0">
+        <a:scrgbClr r="0" g="0" b="0"/>
+      </a:effectRef>
+      <a:fontRef idx="minor">
+        <a:schemeClr val="lt1"/>
+      </a:fontRef>
+    </dgm:style>
+  </dgm:styleLbl>
+  <dgm:styleLbl name="asst2">
+    <dgm:scene3d>
+      <a:camera prst="orthographicFront"/>
+      <a:lightRig rig="threePt" dir="t"/>
+    </dgm:scene3d>
+    <dgm:sp3d/>
+    <dgm:txPr/>
+    <dgm:style>
+      <a:lnRef idx="2">
+        <a:scrgbClr r="0" g="0" b="0"/>
+      </a:lnRef>
+      <a:fillRef idx="1">
+        <a:scrgbClr r="0" g="0" b="0"/>
+      </a:fillRef>
+      <a:effectRef idx="0">
+        <a:scrgbClr r="0" g="0" b="0"/>
+      </a:effectRef>
+      <a:fontRef idx="minor">
+        <a:schemeClr val="lt1"/>
+      </a:fontRef>
+    </dgm:style>
+  </dgm:styleLbl>
+  <dgm:styleLbl name="asst3">
+    <dgm:scene3d>
+      <a:camera prst="orthographicFront"/>
+      <a:lightRig rig="threePt" dir="t"/>
+    </dgm:scene3d>
+    <dgm:sp3d/>
+    <dgm:txPr/>
+    <dgm:style>
+      <a:lnRef idx="2">
+        <a:scrgbClr r="0" g="0" b="0"/>
+      </a:lnRef>
+      <a:fillRef idx="1">
+        <a:scrgbClr r="0" g="0" b="0"/>
+      </a:fillRef>
+      <a:effectRef idx="0">
+        <a:scrgbClr r="0" g="0" b="0"/>
+      </a:effectRef>
+      <a:fontRef idx="minor">
+        <a:schemeClr val="lt1"/>
+      </a:fontRef>
+    </dgm:style>
+  </dgm:styleLbl>
+  <dgm:styleLbl name="asst4">
+    <dgm:scene3d>
+      <a:camera prst="orthographicFront"/>
+      <a:lightRig rig="threePt" dir="t"/>
+    </dgm:scene3d>
+    <dgm:sp3d/>
+    <dgm:txPr/>
+    <dgm:style>
+      <a:lnRef idx="2">
+        <a:scrgbClr r="0" g="0" b="0"/>
+      </a:lnRef>
+      <a:fillRef idx="1">
+        <a:scrgbClr r="0" g="0" b="0"/>
+      </a:fillRef>
+      <a:effectRef idx="0">
+        <a:scrgbClr r="0" g="0" b="0"/>
+      </a:effectRef>
+      <a:fontRef idx="minor">
+        <a:schemeClr val="lt1"/>
+      </a:fontRef>
+    </dgm:style>
+  </dgm:styleLbl>
+  <dgm:styleLbl name="parChTrans2D1">
+    <dgm:scene3d>
+      <a:camera prst="orthographicFront"/>
+      <a:lightRig rig="threePt" dir="t"/>
+    </dgm:scene3d>
+    <dgm:sp3d/>
+    <dgm:txPr/>
+    <dgm:style>
+      <a:lnRef idx="2">
+        <a:scrgbClr r="0" g="0" b="0"/>
+      </a:lnRef>
+      <a:fillRef idx="1">
+        <a:scrgbClr r="0" g="0" b="0"/>
+      </a:fillRef>
+      <a:effectRef idx="0">
+        <a:scrgbClr r="0" g="0" b="0"/>
+      </a:effectRef>
+      <a:fontRef idx="minor">
+        <a:schemeClr val="lt1"/>
+      </a:fontRef>
+    </dgm:style>
+  </dgm:styleLbl>
+  <dgm:styleLbl name="parChTrans2D2">
+    <dgm:scene3d>
+      <a:camera prst="orthographicFront"/>
+      <a:lightRig rig="threePt" dir="t"/>
+    </dgm:scene3d>
+    <dgm:sp3d/>
+    <dgm:txPr/>
+    <dgm:style>
+      <a:lnRef idx="2">
+        <a:scrgbClr r="0" g="0" b="0"/>
+      </a:lnRef>
+      <a:fillRef idx="1">
+        <a:scrgbClr r="0" g="0" b="0"/>
+      </a:fillRef>
+      <a:effectRef idx="0">
+        <a:scrgbClr r="0" g="0" b="0"/>
+      </a:effectRef>
+      <a:fontRef idx="minor">
+        <a:schemeClr val="lt1"/>
+      </a:fontRef>
+    </dgm:style>
+  </dgm:styleLbl>
+  <dgm:styleLbl name="parChTrans2D3">
+    <dgm:scene3d>
+      <a:camera prst="orthographicFront"/>
+      <a:lightRig rig="threePt" dir="t"/>
+    </dgm:scene3d>
+    <dgm:sp3d/>
+    <dgm:txPr/>
+    <dgm:style>
+      <a:lnRef idx="2">
+        <a:scrgbClr r="0" g="0" b="0"/>
+      </a:lnRef>
+      <a:fillRef idx="1">
+        <a:scrgbClr r="0" g="0" b="0"/>
+      </a:fillRef>
+      <a:effectRef idx="0">
+        <a:scrgbClr r="0" g="0" b="0"/>
+      </a:effectRef>
+      <a:fontRef idx="minor">
+        <a:schemeClr val="lt1"/>
+      </a:fontRef>
+    </dgm:style>
+  </dgm:styleLbl>
+  <dgm:styleLbl name="parChTrans2D4">
+    <dgm:scene3d>
+      <a:camera prst="orthographicFront"/>
+      <a:lightRig rig="threePt" dir="t"/>
+    </dgm:scene3d>
+    <dgm:sp3d/>
+    <dgm:txPr/>
+    <dgm:style>
+      <a:lnRef idx="2">
+        <a:scrgbClr r="0" g="0" b="0"/>
+      </a:lnRef>
+      <a:fillRef idx="1">
+        <a:scrgbClr r="0" g="0" b="0"/>
+      </a:fillRef>
+      <a:effectRef idx="0">
+        <a:scrgbClr r="0" g="0" b="0"/>
+      </a:effectRef>
+      <a:fontRef idx="minor">
+        <a:schemeClr val="lt1"/>
+      </a:fontRef>
+    </dgm:style>
+  </dgm:styleLbl>
+  <dgm:styleLbl name="parChTrans1D1">
+    <dgm:scene3d>
+      <a:camera prst="orthographicFront"/>
+      <a:lightRig rig="threePt" dir="t"/>
+    </dgm:scene3d>
+    <dgm:sp3d/>
+    <dgm:txPr/>
+    <dgm:style>
+      <a:lnRef idx="2">
+        <a:scrgbClr r="0" g="0" b="0"/>
+      </a:lnRef>
+      <a:fillRef idx="0">
+        <a:scrgbClr r="0" g="0" b="0"/>
+      </a:fillRef>
+      <a:effectRef idx="0">
+        <a:scrgbClr r="0" g="0" b="0"/>
+      </a:effectRef>
+      <a:fontRef idx="minor"/>
+    </dgm:style>
+  </dgm:styleLbl>
+  <dgm:styleLbl name="parChTrans1D2">
+    <dgm:scene3d>
+      <a:camera prst="orthographicFront"/>
+      <a:lightRig rig="threePt" dir="t"/>
+    </dgm:scene3d>
+    <dgm:sp3d/>
+    <dgm:txPr/>
+    <dgm:style>
+      <a:lnRef idx="2">
+        <a:scrgbClr r="0" g="0" b="0"/>
+      </a:lnRef>
+      <a:fillRef idx="0">
+        <a:scrgbClr r="0" g="0" b="0"/>
+      </a:fillRef>
+      <a:effectRef idx="0">
+        <a:scrgbClr r="0" g="0" b="0"/>
+      </a:effectRef>
+      <a:fontRef idx="minor"/>
+    </dgm:style>
+  </dgm:styleLbl>
+  <dgm:styleLbl name="parChTrans1D3">
+    <dgm:scene3d>
+      <a:camera prst="orthographicFront"/>
+      <a:lightRig rig="threePt" dir="t"/>
+    </dgm:scene3d>
+    <dgm:sp3d/>
+    <dgm:txPr/>
+    <dgm:style>
+      <a:lnRef idx="2">
+        <a:scrgbClr r="0" g="0" b="0"/>
+      </a:lnRef>
+      <a:fillRef idx="0">
+        <a:scrgbClr r="0" g="0" b="0"/>
+      </a:fillRef>
+      <a:effectRef idx="0">
+        <a:scrgbClr r="0" g="0" b="0"/>
+      </a:effectRef>
+      <a:fontRef idx="minor"/>
+    </dgm:style>
+  </dgm:styleLbl>
+  <dgm:styleLbl name="parChTrans1D4">
+    <dgm:scene3d>
+      <a:camera prst="orthographicFront"/>
+      <a:lightRig rig="threePt" dir="t"/>
+    </dgm:scene3d>
+    <dgm:sp3d/>
+    <dgm:txPr/>
+    <dgm:style>
+      <a:lnRef idx="2">
+        <a:scrgbClr r="0" g="0" b="0"/>
+      </a:lnRef>
+      <a:fillRef idx="0">
+        <a:scrgbClr r="0" g="0" b="0"/>
+      </a:fillRef>
+      <a:effectRef idx="0">
+        <a:scrgbClr r="0" g="0" b="0"/>
+      </a:effectRef>
+      <a:fontRef idx="minor"/>
+    </dgm:style>
+  </dgm:styleLbl>
+  <dgm:styleLbl name="fgAcc1">
+    <dgm:scene3d>
+      <a:camera prst="orthographicFront"/>
+      <a:lightRig rig="threePt" dir="t"/>
+    </dgm:scene3d>
+    <dgm:sp3d/>
+    <dgm:txPr/>
+    <dgm:style>
+      <a:lnRef idx="2">
+        <a:scrgbClr r="0" g="0" b="0"/>
+      </a:lnRef>
+      <a:fillRef idx="1">
+        <a:scrgbClr r="0" g="0" b="0"/>
+      </a:fillRef>
+      <a:effectRef idx="0">
+        <a:scrgbClr r="0" g="0" b="0"/>
+      </a:effectRef>
+      <a:fontRef idx="minor"/>
+    </dgm:style>
+  </dgm:styleLbl>
+  <dgm:styleLbl name="conFgAcc1">
+    <dgm:scene3d>
+      <a:camera prst="orthographicFront"/>
+      <a:lightRig rig="threePt" dir="t"/>
+    </dgm:scene3d>
+    <dgm:sp3d/>
+    <dgm:txPr/>
+    <dgm:style>
+      <a:lnRef idx="2">
+        <a:scrgbClr r="0" g="0" b="0"/>
+      </a:lnRef>
+      <a:fillRef idx="1">
+        <a:scrgbClr r="0" g="0" b="0"/>
+      </a:fillRef>
+      <a:effectRef idx="0">
+        <a:scrgbClr r="0" g="0" b="0"/>
+      </a:effectRef>
+      <a:fontRef idx="minor"/>
+    </dgm:style>
+  </dgm:styleLbl>
+  <dgm:styleLbl name="alignAcc1">
+    <dgm:scene3d>
+      <a:camera prst="orthographicFront"/>
+      <a:lightRig rig="threePt" dir="t"/>
+    </dgm:scene3d>
+    <dgm:sp3d/>
+    <dgm:txPr/>
+    <dgm:style>
+      <a:lnRef idx="2">
+        <a:scrgbClr r="0" g="0" b="0"/>
+      </a:lnRef>
+      <a:fillRef idx="1">
+        <a:scrgbClr r="0" g="0" b="0"/>
+      </a:fillRef>
+      <a:effectRef idx="0">
+        <a:scrgbClr r="0" g="0" b="0"/>
+      </a:effectRef>
+      <a:fontRef idx="minor"/>
+    </dgm:style>
+  </dgm:styleLbl>
+  <dgm:styleLbl name="trAlignAcc1">
+    <dgm:scene3d>
+      <a:camera prst="orthographicFront"/>
+      <a:lightRig rig="threePt" dir="t"/>
+    </dgm:scene3d>
+    <dgm:sp3d/>
+    <dgm:txPr/>
+    <dgm:style>
+      <a:lnRef idx="1">
+        <a:scrgbClr r="0" g="0" b="0"/>
+      </a:lnRef>
+      <a:fillRef idx="1">
+        <a:scrgbClr r="0" g="0" b="0"/>
+      </a:fillRef>
+      <a:effectRef idx="0">
+        <a:scrgbClr r="0" g="0" b="0"/>
+      </a:effectRef>
+      <a:fontRef idx="minor"/>
+    </dgm:style>
+  </dgm:styleLbl>
+  <dgm:styleLbl name="bgAcc1">
+    <dgm:scene3d>
+      <a:camera prst="orthographicFront"/>
+      <a:lightRig rig="threePt" dir="t"/>
+    </dgm:scene3d>
+    <dgm:sp3d/>
+    <dgm:txPr/>
+    <dgm:style>
+      <a:lnRef idx="2">
+        <a:scrgbClr r="0" g="0" b="0"/>
+      </a:lnRef>
+      <a:fillRef idx="1">
+        <a:scrgbClr r="0" g="0" b="0"/>
+      </a:fillRef>
+      <a:effectRef idx="0">
+        <a:scrgbClr r="0" g="0" b="0"/>
+      </a:effectRef>
+      <a:fontRef idx="minor"/>
+    </dgm:style>
+  </dgm:styleLbl>
+  <dgm:styleLbl name="solidFgAcc1">
+    <dgm:scene3d>
+      <a:camera prst="orthographicFront"/>
+      <a:lightRig rig="threePt" dir="t"/>
+    </dgm:scene3d>
+    <dgm:sp3d/>
+    <dgm:txPr/>
+    <dgm:style>
+      <a:lnRef idx="2">
+        <a:scrgbClr r="0" g="0" b="0"/>
+      </a:lnRef>
+      <a:fillRef idx="1">
+        <a:scrgbClr r="0" g="0" b="0"/>
+      </a:fillRef>
+      <a:effectRef idx="0">
+        <a:scrgbClr r="0" g="0" b="0"/>
+      </a:effectRef>
+      <a:fontRef idx="minor"/>
+    </dgm:style>
+  </dgm:styleLbl>
+  <dgm:styleLbl name="solidAlignAcc1">
+    <dgm:scene3d>
+      <a:camera prst="orthographicFront"/>
+      <a:lightRig rig="threePt" dir="t"/>
+    </dgm:scene3d>
+    <dgm:sp3d/>
+    <dgm:txPr/>
+    <dgm:style>
+      <a:lnRef idx="2">
+        <a:scrgbClr r="0" g="0" b="0"/>
+      </a:lnRef>
+      <a:fillRef idx="1">
+        <a:scrgbClr r="0" g="0" b="0"/>
+      </a:fillRef>
+      <a:effectRef idx="0">
+        <a:scrgbClr r="0" g="0" b="0"/>
+      </a:effectRef>
+      <a:fontRef idx="minor"/>
+    </dgm:style>
+  </dgm:styleLbl>
+  <dgm:styleLbl name="solidBgAcc1">
+    <dgm:scene3d>
+      <a:camera prst="orthographicFront"/>
+      <a:lightRig rig="threePt" dir="t"/>
+    </dgm:scene3d>
+    <dgm:sp3d/>
+    <dgm:txPr/>
+    <dgm:style>
+      <a:lnRef idx="2">
+        <a:scrgbClr r="0" g="0" b="0"/>
+      </a:lnRef>
+      <a:fillRef idx="1">
+        <a:scrgbClr r="0" g="0" b="0"/>
+      </a:fillRef>
+      <a:effectRef idx="0">
+        <a:scrgbClr r="0" g="0" b="0"/>
+      </a:effectRef>
+      <a:fontRef idx="minor"/>
+    </dgm:style>
+  </dgm:styleLbl>
+  <dgm:styleLbl name="fgAccFollowNode1">
+    <dgm:scene3d>
+      <a:camera prst="orthographicFront"/>
+      <a:lightRig rig="threePt" dir="t"/>
+    </dgm:scene3d>
+    <dgm:sp3d/>
+    <dgm:txPr/>
+    <dgm:style>
+      <a:lnRef idx="2">
+        <a:scrgbClr r="0" g="0" b="0"/>
+      </a:lnRef>
+      <a:fillRef idx="1">
+        <a:scrgbClr r="0" g="0" b="0"/>
+      </a:fillRef>
+      <a:effectRef idx="0">
+        <a:scrgbClr r="0" g="0" b="0"/>
+      </a:effectRef>
+      <a:fontRef idx="minor"/>
+    </dgm:style>
+  </dgm:styleLbl>
+  <dgm:styleLbl name="alignAccFollowNode1">
+    <dgm:scene3d>
+      <a:camera prst="orthographicFront"/>
+      <a:lightRig rig="threePt" dir="t"/>
+    </dgm:scene3d>
+    <dgm:sp3d/>
+    <dgm:txPr/>
+    <dgm:style>
+      <a:lnRef idx="2">
+        <a:scrgbClr r="0" g="0" b="0"/>
+      </a:lnRef>
+      <a:fillRef idx="1">
+        <a:scrgbClr r="0" g="0" b="0"/>
+      </a:fillRef>
+      <a:effectRef idx="0">
+        <a:scrgbClr r="0" g="0" b="0"/>
+      </a:effectRef>
+      <a:fontRef idx="minor"/>
+    </dgm:style>
+  </dgm:styleLbl>
+  <dgm:styleLbl name="bgAccFollowNode1">
+    <dgm:scene3d>
+      <a:camera prst="orthographicFront"/>
+      <a:lightRig rig="threePt" dir="t"/>
+    </dgm:scene3d>
+    <dgm:sp3d/>
+    <dgm:txPr/>
+    <dgm:style>
+      <a:lnRef idx="2">
+        <a:scrgbClr r="0" g="0" b="0"/>
+      </a:lnRef>
+      <a:fillRef idx="1">
+        <a:scrgbClr r="0" g="0" b="0"/>
+      </a:fillRef>
+      <a:effectRef idx="0">
+        <a:scrgbClr r="0" g="0" b="0"/>
+      </a:effectRef>
+      <a:fontRef idx="minor"/>
+    </dgm:style>
+  </dgm:styleLbl>
+  <dgm:styleLbl name="fgAcc0">
+    <dgm:scene3d>
+      <a:camera prst="orthographicFront"/>
+      <a:lightRig rig="threePt" dir="t"/>
+    </dgm:scene3d>
+    <dgm:sp3d/>
+    <dgm:txPr/>
+    <dgm:style>
+      <a:lnRef idx="2">
+        <a:scrgbClr r="0" g="0" b="0"/>
+      </a:lnRef>
+      <a:fillRef idx="1">
+        <a:scrgbClr r="0" g="0" b="0"/>
+      </a:fillRef>
+      <a:effectRef idx="0">
+        <a:scrgbClr r="0" g="0" b="0"/>
+      </a:effectRef>
+      <a:fontRef idx="minor"/>
+    </dgm:style>
+  </dgm:styleLbl>
+  <dgm:styleLbl name="fgAcc2">
+    <dgm:scene3d>
+      <a:camera prst="orthographicFront"/>
+      <a:lightRig rig="threePt" dir="t"/>
+    </dgm:scene3d>
+    <dgm:sp3d/>
+    <dgm:txPr/>
+    <dgm:style>
+      <a:lnRef idx="2">
+        <a:scrgbClr r="0" g="0" b="0"/>
+      </a:lnRef>
+      <a:fillRef idx="1">
+        <a:scrgbClr r="0" g="0" b="0"/>
+      </a:fillRef>
+      <a:effectRef idx="0">
+        <a:scrgbClr r="0" g="0" b="0"/>
+      </a:effectRef>
+      <a:fontRef idx="minor"/>
+    </dgm:style>
+  </dgm:styleLbl>
+  <dgm:styleLbl name="fgAcc3">
+    <dgm:scene3d>
+      <a:camera prst="orthographicFront"/>
+      <a:lightRig rig="threePt" dir="t"/>
+    </dgm:scene3d>
+    <dgm:sp3d/>
+    <dgm:txPr/>
+    <dgm:style>
+      <a:lnRef idx="2">
+        <a:scrgbClr r="0" g="0" b="0"/>
+      </a:lnRef>
+      <a:fillRef idx="1">
+        <a:scrgbClr r="0" g="0" b="0"/>
+      </a:fillRef>
+      <a:effectRef idx="0">
+        <a:scrgbClr r="0" g="0" b="0"/>
+      </a:effectRef>
+      <a:fontRef idx="minor"/>
+    </dgm:style>
+  </dgm:styleLbl>
+  <dgm:styleLbl name="fgAcc4">
+    <dgm:scene3d>
+      <a:camera prst="orthographicFront"/>
+      <a:lightRig rig="threePt" dir="t"/>
+    </dgm:scene3d>
+    <dgm:sp3d/>
+    <dgm:txPr/>
+    <dgm:style>
+      <a:lnRef idx="2">
+        <a:scrgbClr r="0" g="0" b="0"/>
+      </a:lnRef>
+      <a:fillRef idx="1">
+        <a:scrgbClr r="0" g="0" b="0"/>
+      </a:fillRef>
+      <a:effectRef idx="0">
+        <a:scrgbClr r="0" g="0" b="0"/>
+      </a:effectRef>
+      <a:fontRef idx="minor"/>
+    </dgm:style>
+  </dgm:styleLbl>
+  <dgm:styleLbl name="bgShp">
+    <dgm:scene3d>
+      <a:camera prst="orthographicFront"/>
+      <a:lightRig rig="threePt" dir="t"/>
+    </dgm:scene3d>
+    <dgm:sp3d/>
+    <dgm:txPr/>
+    <dgm:style>
+      <a:lnRef idx="0">
+        <a:scrgbClr r="0" g="0" b="0"/>
+      </a:lnRef>
+      <a:fillRef idx="1">
+        <a:scrgbClr r="0" g="0" b="0"/>
+      </a:fillRef>
+      <a:effectRef idx="0">
+        <a:scrgbClr r="0" g="0" b="0"/>
+      </a:effectRef>
+      <a:fontRef idx="minor"/>
+    </dgm:style>
+  </dgm:styleLbl>
+  <dgm:styleLbl name="dkBgShp">
+    <dgm:scene3d>
+      <a:camera prst="orthographicFront"/>
+      <a:lightRig rig="threePt" dir="t"/>
+    </dgm:scene3d>
+    <dgm:sp3d/>
+    <dgm:txPr/>
+    <dgm:style>
+      <a:lnRef idx="0">
+        <a:scrgbClr r="0" g="0" b="0"/>
+      </a:lnRef>
+      <a:fillRef idx="1">
+        <a:scrgbClr r="0" g="0" b="0"/>
+      </a:fillRef>
+      <a:effectRef idx="0">
+        <a:scrgbClr r="0" g="0" b="0"/>
+      </a:effectRef>
+      <a:fontRef idx="minor"/>
+    </dgm:style>
+  </dgm:styleLbl>
+  <dgm:styleLbl name="trBgShp">
+    <dgm:scene3d>
+      <a:camera prst="orthographicFront"/>
+      <a:lightRig rig="threePt" dir="t"/>
+    </dgm:scene3d>
+    <dgm:sp3d/>
+    <dgm:txPr/>
+    <dgm:style>
+      <a:lnRef idx="0">
+        <a:scrgbClr r="0" g="0" b="0"/>
+      </a:lnRef>
+      <a:fillRef idx="1">
+        <a:scrgbClr r="0" g="0" b="0"/>
+      </a:fillRef>
+      <a:effectRef idx="0">
+        <a:scrgbClr r="0" g="0" b="0"/>
+      </a:effectRef>
+      <a:fontRef idx="minor"/>
+    </dgm:style>
+  </dgm:styleLbl>
+  <dgm:styleLbl name="fgShp">
+    <dgm:scene3d>
+      <a:camera prst="orthographicFront"/>
+      <a:lightRig rig="threePt" dir="t"/>
+    </dgm:scene3d>
+    <dgm:sp3d/>
+    <dgm:txPr/>
+    <dgm:style>
+      <a:lnRef idx="2">
+        <a:scrgbClr r="0" g="0" b="0"/>
+      </a:lnRef>
+      <a:fillRef idx="1">
+        <a:scrgbClr r="0" g="0" b="0"/>
+      </a:fillRef>
+      <a:effectRef idx="0">
+        <a:scrgbClr r="0" g="0" b="0"/>
+      </a:effectRef>
+      <a:fontRef idx="minor"/>
+    </dgm:style>
+  </dgm:styleLbl>
+  <dgm:styleLbl name="revTx">
+    <dgm:scene3d>
+      <a:camera prst="orthographicFront"/>
+      <a:lightRig rig="threePt" dir="t"/>
+    </dgm:scene3d>
+    <dgm:sp3d/>
+    <dgm:txPr/>
+    <dgm:style>
+      <a:lnRef idx="0">
+        <a:scrgbClr r="0" g="0" b="0"/>
+      </a:lnRef>
+      <a:fillRef idx="0">
+        <a:scrgbClr r="0" g="0" b="0"/>
+      </a:fillRef>
+      <a:effectRef idx="0">
+        <a:scrgbClr r="0" g="0" b="0"/>
+      </a:effectRef>
+      <a:fontRef idx="minor"/>
+    </dgm:style>
+  </dgm:styleLbl>
+</dgm:styleDef>
+</file>
+
+<file path=ppt/diagrams/quickStyle6.xml><?xml version="1.0" encoding="utf-8"?>
+<dgm:styleDef xmlns:dgm="http://schemas.openxmlformats.org/drawingml/2006/diagram" xmlns:a="http://schemas.openxmlformats.org/drawingml/2006/main" uniqueId="urn:microsoft.com/office/officeart/2005/8/quickstyle/simple1">
+  <dgm:title val=""/>
+  <dgm:desc val=""/>
+  <dgm:catLst>
+    <dgm:cat type="simple" pri="10100"/>
+  </dgm:catLst>
+  <dgm:scene3d>
+    <a:camera prst="orthographicFront"/>
+    <a:lightRig rig="threePt" dir="t"/>
+  </dgm:scene3d>
+  <dgm:styleLbl name="node0">
+    <dgm:scene3d>
+      <a:camera prst="orthographicFront"/>
+      <a:lightRig rig="threePt" dir="t"/>
+    </dgm:scene3d>
+    <dgm:sp3d/>
+    <dgm:txPr/>
+    <dgm:style>
+      <a:lnRef idx="2">
+        <a:scrgbClr r="0" g="0" b="0"/>
+      </a:lnRef>
+      <a:fillRef idx="1">
+        <a:scrgbClr r="0" g="0" b="0"/>
+      </a:fillRef>
+      <a:effectRef idx="0">
+        <a:scrgbClr r="0" g="0" b="0"/>
+      </a:effectRef>
+      <a:fontRef idx="minor">
+        <a:schemeClr val="lt1"/>
+      </a:fontRef>
+    </dgm:style>
+  </dgm:styleLbl>
+  <dgm:styleLbl name="lnNode1">
+    <dgm:scene3d>
+      <a:camera prst="orthographicFront"/>
+      <a:lightRig rig="threePt" dir="t"/>
+    </dgm:scene3d>
+    <dgm:sp3d/>
+    <dgm:txPr/>
+    <dgm:style>
+      <a:lnRef idx="2">
+        <a:scrgbClr r="0" g="0" b="0"/>
+      </a:lnRef>
+      <a:fillRef idx="1">
+        <a:scrgbClr r="0" g="0" b="0"/>
+      </a:fillRef>
+      <a:effectRef idx="0">
+        <a:scrgbClr r="0" g="0" b="0"/>
+      </a:effectRef>
+      <a:fontRef idx="minor">
+        <a:schemeClr val="lt1"/>
+      </a:fontRef>
+    </dgm:style>
+  </dgm:styleLbl>
+  <dgm:styleLbl name="vennNode1">
+    <dgm:scene3d>
+      <a:camera prst="orthographicFront"/>
+      <a:lightRig rig="threePt" dir="t"/>
+    </dgm:scene3d>
+    <dgm:sp3d/>
+    <dgm:txPr/>
+    <dgm:style>
+      <a:lnRef idx="2">
+        <a:scrgbClr r="0" g="0" b="0"/>
+      </a:lnRef>
+      <a:fillRef idx="1">
+        <a:scrgbClr r="0" g="0" b="0"/>
+      </a:fillRef>
+      <a:effectRef idx="0">
+        <a:scrgbClr r="0" g="0" b="0"/>
+      </a:effectRef>
+      <a:fontRef idx="minor">
+        <a:schemeClr val="tx1"/>
+      </a:fontRef>
+    </dgm:style>
+  </dgm:styleLbl>
+  <dgm:styleLbl name="alignNode1">
+    <dgm:scene3d>
+      <a:camera prst="orthographicFront"/>
+      <a:lightRig rig="threePt" dir="t"/>
+    </dgm:scene3d>
+    <dgm:sp3d/>
+    <dgm:txPr/>
+    <dgm:style>
+      <a:lnRef idx="2">
+        <a:scrgbClr r="0" g="0" b="0"/>
+      </a:lnRef>
+      <a:fillRef idx="1">
+        <a:scrgbClr r="0" g="0" b="0"/>
+      </a:fillRef>
+      <a:effectRef idx="0">
+        <a:scrgbClr r="0" g="0" b="0"/>
+      </a:effectRef>
+      <a:fontRef idx="minor">
+        <a:schemeClr val="lt1"/>
+      </a:fontRef>
+    </dgm:style>
+  </dgm:styleLbl>
+  <dgm:styleLbl name="node1">
+    <dgm:scene3d>
+      <a:camera prst="orthographicFront"/>
+      <a:lightRig rig="threePt" dir="t"/>
+    </dgm:scene3d>
+    <dgm:sp3d/>
+    <dgm:txPr/>
+    <dgm:style>
+      <a:lnRef idx="2">
+        <a:scrgbClr r="0" g="0" b="0"/>
+      </a:lnRef>
+      <a:fillRef idx="1">
+        <a:scrgbClr r="0" g="0" b="0"/>
+      </a:fillRef>
+      <a:effectRef idx="0">
+        <a:scrgbClr r="0" g="0" b="0"/>
+      </a:effectRef>
+      <a:fontRef idx="minor">
+        <a:schemeClr val="lt1"/>
+      </a:fontRef>
+    </dgm:style>
+  </dgm:styleLbl>
+  <dgm:styleLbl name="node2">
+    <dgm:scene3d>
+      <a:camera prst="orthographicFront"/>
+      <a:lightRig rig="threePt" dir="t"/>
+    </dgm:scene3d>
+    <dgm:sp3d/>
+    <dgm:txPr/>
+    <dgm:style>
+      <a:lnRef idx="2">
+        <a:scrgbClr r="0" g="0" b="0"/>
+      </a:lnRef>
+      <a:fillRef idx="1">
+        <a:scrgbClr r="0" g="0" b="0"/>
+      </a:fillRef>
+      <a:effectRef idx="0">
+        <a:scrgbClr r="0" g="0" b="0"/>
+      </a:effectRef>
+      <a:fontRef idx="minor">
+        <a:schemeClr val="lt1"/>
+      </a:fontRef>
+    </dgm:style>
+  </dgm:styleLbl>
+  <dgm:styleLbl name="node3">
+    <dgm:scene3d>
+      <a:camera prst="orthographicFront"/>
+      <a:lightRig rig="threePt" dir="t"/>
+    </dgm:scene3d>
+    <dgm:sp3d/>
+    <dgm:txPr/>
+    <dgm:style>
+      <a:lnRef idx="2">
+        <a:scrgbClr r="0" g="0" b="0"/>
+      </a:lnRef>
+      <a:fillRef idx="1">
+        <a:scrgbClr r="0" g="0" b="0"/>
+      </a:fillRef>
+      <a:effectRef idx="0">
+        <a:scrgbClr r="0" g="0" b="0"/>
+      </a:effectRef>
+      <a:fontRef idx="minor">
+        <a:schemeClr val="lt1"/>
+      </a:fontRef>
+    </dgm:style>
+  </dgm:styleLbl>
+  <dgm:styleLbl name="node4">
+    <dgm:scene3d>
+      <a:camera prst="orthographicFront"/>
+      <a:lightRig rig="threePt" dir="t"/>
+    </dgm:scene3d>
+    <dgm:sp3d/>
+    <dgm:txPr/>
+    <dgm:style>
+      <a:lnRef idx="2">
+        <a:scrgbClr r="0" g="0" b="0"/>
+      </a:lnRef>
+      <a:fillRef idx="1">
+        <a:scrgbClr r="0" g="0" b="0"/>
+      </a:fillRef>
+      <a:effectRef idx="0">
+        <a:scrgbClr r="0" g="0" b="0"/>
+      </a:effectRef>
+      <a:fontRef idx="minor">
+        <a:schemeClr val="lt1"/>
+      </a:fontRef>
+    </dgm:style>
+  </dgm:styleLbl>
+  <dgm:styleLbl name="fgImgPlace1">
+    <dgm:scene3d>
+      <a:camera prst="orthographicFront"/>
+      <a:lightRig rig="threePt" dir="t"/>
+    </dgm:scene3d>
+    <dgm:sp3d/>
+    <dgm:txPr/>
+    <dgm:style>
+      <a:lnRef idx="2">
+        <a:scrgbClr r="0" g="0" b="0"/>
+      </a:lnRef>
+      <a:fillRef idx="1">
+        <a:scrgbClr r="0" g="0" b="0"/>
+      </a:fillRef>
+      <a:effectRef idx="0">
+        <a:scrgbClr r="0" g="0" b="0"/>
+      </a:effectRef>
+      <a:fontRef idx="minor"/>
+    </dgm:style>
+  </dgm:styleLbl>
+  <dgm:styleLbl name="alignImgPlace1">
+    <dgm:scene3d>
+      <a:camera prst="orthographicFront"/>
+      <a:lightRig rig="threePt" dir="t"/>
+    </dgm:scene3d>
+    <dgm:sp3d/>
+    <dgm:txPr/>
+    <dgm:style>
+      <a:lnRef idx="2">
+        <a:scrgbClr r="0" g="0" b="0"/>
+      </a:lnRef>
+      <a:fillRef idx="1">
+        <a:scrgbClr r="0" g="0" b="0"/>
+      </a:fillRef>
+      <a:effectRef idx="0">
+        <a:scrgbClr r="0" g="0" b="0"/>
+      </a:effectRef>
+      <a:fontRef idx="minor"/>
+    </dgm:style>
+  </dgm:styleLbl>
+  <dgm:styleLbl name="bgImgPlace1">
+    <dgm:scene3d>
+      <a:camera prst="orthographicFront"/>
+      <a:lightRig rig="threePt" dir="t"/>
+    </dgm:scene3d>
+    <dgm:sp3d/>
+    <dgm:txPr/>
+    <dgm:style>
+      <a:lnRef idx="2">
+        <a:scrgbClr r="0" g="0" b="0"/>
+      </a:lnRef>
+      <a:fillRef idx="1">
+        <a:scrgbClr r="0" g="0" b="0"/>
+      </a:fillRef>
+      <a:effectRef idx="0">
+        <a:scrgbClr r="0" g="0" b="0"/>
+      </a:effectRef>
+      <a:fontRef idx="minor"/>
+    </dgm:style>
+  </dgm:styleLbl>
+  <dgm:styleLbl name="sibTrans2D1">
+    <dgm:scene3d>
+      <a:camera prst="orthographicFront"/>
+      <a:lightRig rig="threePt" dir="t"/>
+    </dgm:scene3d>
+    <dgm:sp3d/>
+    <dgm:txPr/>
+    <dgm:style>
+      <a:lnRef idx="0">
+        <a:scrgbClr r="0" g="0" b="0"/>
+      </a:lnRef>
+      <a:fillRef idx="1">
+        <a:scrgbClr r="0" g="0" b="0"/>
+      </a:fillRef>
+      <a:effectRef idx="0">
+        <a:scrgbClr r="0" g="0" b="0"/>
+      </a:effectRef>
+      <a:fontRef idx="minor">
+        <a:schemeClr val="lt1"/>
+      </a:fontRef>
+    </dgm:style>
+  </dgm:styleLbl>
+  <dgm:styleLbl name="fgSibTrans2D1">
+    <dgm:scene3d>
+      <a:camera prst="orthographicFront"/>
+      <a:lightRig rig="threePt" dir="t"/>
+    </dgm:scene3d>
+    <dgm:sp3d/>
+    <dgm:txPr/>
+    <dgm:style>
+      <a:lnRef idx="0">
+        <a:scrgbClr r="0" g="0" b="0"/>
+      </a:lnRef>
+      <a:fillRef idx="1">
+        <a:scrgbClr r="0" g="0" b="0"/>
+      </a:fillRef>
+      <a:effectRef idx="0">
+        <a:scrgbClr r="0" g="0" b="0"/>
+      </a:effectRef>
+      <a:fontRef idx="minor">
+        <a:schemeClr val="lt1"/>
+      </a:fontRef>
+    </dgm:style>
+  </dgm:styleLbl>
+  <dgm:styleLbl name="bgSibTrans2D1">
+    <dgm:scene3d>
+      <a:camera prst="orthographicFront"/>
+      <a:lightRig rig="threePt" dir="t"/>
+    </dgm:scene3d>
+    <dgm:sp3d/>
+    <dgm:txPr/>
+    <dgm:style>
+      <a:lnRef idx="0">
+        <a:scrgbClr r="0" g="0" b="0"/>
+      </a:lnRef>
+      <a:fillRef idx="1">
+        <a:scrgbClr r="0" g="0" b="0"/>
+      </a:fillRef>
+      <a:effectRef idx="0">
+        <a:scrgbClr r="0" g="0" b="0"/>
+      </a:effectRef>
+      <a:fontRef idx="minor">
+        <a:schemeClr val="lt1"/>
+      </a:fontRef>
+    </dgm:style>
+  </dgm:styleLbl>
+  <dgm:styleLbl name="sibTrans1D1">
+    <dgm:scene3d>
+      <a:camera prst="orthographicFront"/>
+      <a:lightRig rig="threePt" dir="t"/>
+    </dgm:scene3d>
+    <dgm:sp3d/>
+    <dgm:txPr/>
+    <dgm:style>
+      <a:lnRef idx="1">
+        <a:scrgbClr r="0" g="0" b="0"/>
+      </a:lnRef>
+      <a:fillRef idx="0">
+        <a:scrgbClr r="0" g="0" b="0"/>
+      </a:fillRef>
+      <a:effectRef idx="0">
+        <a:scrgbClr r="0" g="0" b="0"/>
+      </a:effectRef>
+      <a:fontRef idx="minor"/>
+    </dgm:style>
+  </dgm:styleLbl>
+  <dgm:styleLbl name="callout">
+    <dgm:scene3d>
+      <a:camera prst="orthographicFront"/>
+      <a:lightRig rig="threePt" dir="t"/>
+    </dgm:scene3d>
+    <dgm:sp3d/>
+    <dgm:txPr/>
+    <dgm:style>
+      <a:lnRef idx="2">
+        <a:scrgbClr r="0" g="0" b="0"/>
+      </a:lnRef>
+      <a:fillRef idx="1">
+        <a:scrgbClr r="0" g="0" b="0"/>
+      </a:fillRef>
+      <a:effectRef idx="0">
+        <a:scrgbClr r="0" g="0" b="0"/>
+      </a:effectRef>
+      <a:fontRef idx="minor"/>
+    </dgm:style>
+  </dgm:styleLbl>
+  <dgm:styleLbl name="asst0">
+    <dgm:scene3d>
+      <a:camera prst="orthographicFront"/>
+      <a:lightRig rig="threePt" dir="t"/>
+    </dgm:scene3d>
+    <dgm:sp3d/>
+    <dgm:txPr/>
+    <dgm:style>
+      <a:lnRef idx="2">
+        <a:scrgbClr r="0" g="0" b="0"/>
+      </a:lnRef>
+      <a:fillRef idx="1">
+        <a:scrgbClr r="0" g="0" b="0"/>
+      </a:fillRef>
+      <a:effectRef idx="0">
+        <a:scrgbClr r="0" g="0" b="0"/>
+      </a:effectRef>
+      <a:fontRef idx="minor">
+        <a:schemeClr val="lt1"/>
+      </a:fontRef>
+    </dgm:style>
+  </dgm:styleLbl>
+  <dgm:styleLbl name="asst1">
+    <dgm:scene3d>
+      <a:camera prst="orthographicFront"/>
+      <a:lightRig rig="threePt" dir="t"/>
+    </dgm:scene3d>
+    <dgm:sp3d/>
+    <dgm:txPr/>
+    <dgm:style>
+      <a:lnRef idx="2">
+        <a:scrgbClr r="0" g="0" b="0"/>
+      </a:lnRef>
+      <a:fillRef idx="1">
+        <a:scrgbClr r="0" g="0" b="0"/>
+      </a:fillRef>
+      <a:effectRef idx="0">
+        <a:scrgbClr r="0" g="0" b="0"/>
+      </a:effectRef>
+      <a:fontRef idx="minor">
+        <a:schemeClr val="lt1"/>
+      </a:fontRef>
+    </dgm:style>
+  </dgm:styleLbl>
+  <dgm:styleLbl name="asst2">
+    <dgm:scene3d>
+      <a:camera prst="orthographicFront"/>
+      <a:lightRig rig="threePt" dir="t"/>
+    </dgm:scene3d>
+    <dgm:sp3d/>
+    <dgm:txPr/>
+    <dgm:style>
+      <a:lnRef idx="2">
+        <a:scrgbClr r="0" g="0" b="0"/>
+      </a:lnRef>
+      <a:fillRef idx="1">
+        <a:scrgbClr r="0" g="0" b="0"/>
+      </a:fillRef>
+      <a:effectRef idx="0">
+        <a:scrgbClr r="0" g="0" b="0"/>
+      </a:effectRef>
+      <a:fontRef idx="minor">
+        <a:schemeClr val="lt1"/>
+      </a:fontRef>
+    </dgm:style>
+  </dgm:styleLbl>
+  <dgm:styleLbl name="asst3">
+    <dgm:scene3d>
+      <a:camera prst="orthographicFront"/>
+      <a:lightRig rig="threePt" dir="t"/>
+    </dgm:scene3d>
+    <dgm:sp3d/>
+    <dgm:txPr/>
+    <dgm:style>
+      <a:lnRef idx="2">
+        <a:scrgbClr r="0" g="0" b="0"/>
+      </a:lnRef>
+      <a:fillRef idx="1">
+        <a:scrgbClr r="0" g="0" b="0"/>
+      </a:fillRef>
+      <a:effectRef idx="0">
+        <a:scrgbClr r="0" g="0" b="0"/>
+      </a:effectRef>
+      <a:fontRef idx="minor">
+        <a:schemeClr val="lt1"/>
+      </a:fontRef>
+    </dgm:style>
+  </dgm:styleLbl>
+  <dgm:styleLbl name="asst4">
+    <dgm:scene3d>
+      <a:camera prst="orthographicFront"/>
+      <a:lightRig rig="threePt" dir="t"/>
+    </dgm:scene3d>
+    <dgm:sp3d/>
+    <dgm:txPr/>
+    <dgm:style>
+      <a:lnRef idx="2">
+        <a:scrgbClr r="0" g="0" b="0"/>
+      </a:lnRef>
+      <a:fillRef idx="1">
+        <a:scrgbClr r="0" g="0" b="0"/>
+      </a:fillRef>
+      <a:effectRef idx="0">
+        <a:scrgbClr r="0" g="0" b="0"/>
+      </a:effectRef>
+      <a:fontRef idx="minor">
+        <a:schemeClr val="lt1"/>
+      </a:fontRef>
+    </dgm:style>
+  </dgm:styleLbl>
+  <dgm:styleLbl name="parChTrans2D1">
+    <dgm:scene3d>
+      <a:camera prst="orthographicFront"/>
+      <a:lightRig rig="threePt" dir="t"/>
+    </dgm:scene3d>
+    <dgm:sp3d/>
+    <dgm:txPr/>
+    <dgm:style>
+      <a:lnRef idx="2">
+        <a:scrgbClr r="0" g="0" b="0"/>
+      </a:lnRef>
+      <a:fillRef idx="1">
+        <a:scrgbClr r="0" g="0" b="0"/>
+      </a:fillRef>
+      <a:effectRef idx="0">
+        <a:scrgbClr r="0" g="0" b="0"/>
+      </a:effectRef>
+      <a:fontRef idx="minor">
+        <a:schemeClr val="lt1"/>
+      </a:fontRef>
+    </dgm:style>
+  </dgm:styleLbl>
+  <dgm:styleLbl name="parChTrans2D2">
+    <dgm:scene3d>
+      <a:camera prst="orthographicFront"/>
+      <a:lightRig rig="threePt" dir="t"/>
+    </dgm:scene3d>
+    <dgm:sp3d/>
+    <dgm:txPr/>
+    <dgm:style>
+      <a:lnRef idx="2">
+        <a:scrgbClr r="0" g="0" b="0"/>
+      </a:lnRef>
+      <a:fillRef idx="1">
+        <a:scrgbClr r="0" g="0" b="0"/>
+      </a:fillRef>
+      <a:effectRef idx="0">
+        <a:scrgbClr r="0" g="0" b="0"/>
+      </a:effectRef>
+      <a:fontRef idx="minor">
+        <a:schemeClr val="lt1"/>
+      </a:fontRef>
+    </dgm:style>
+  </dgm:styleLbl>
+  <dgm:styleLbl name="parChTrans2D3">
+    <dgm:scene3d>
+      <a:camera prst="orthographicFront"/>
+      <a:lightRig rig="threePt" dir="t"/>
+    </dgm:scene3d>
+    <dgm:sp3d/>
+    <dgm:txPr/>
+    <dgm:style>
+      <a:lnRef idx="2">
+        <a:scrgbClr r="0" g="0" b="0"/>
+      </a:lnRef>
+      <a:fillRef idx="1">
+        <a:scrgbClr r="0" g="0" b="0"/>
+      </a:fillRef>
+      <a:effectRef idx="0">
+        <a:scrgbClr r="0" g="0" b="0"/>
+      </a:effectRef>
+      <a:fontRef idx="minor">
+        <a:schemeClr val="lt1"/>
+      </a:fontRef>
+    </dgm:style>
+  </dgm:styleLbl>
+  <dgm:styleLbl name="parChTrans2D4">
+    <dgm:scene3d>
+      <a:camera prst="orthographicFront"/>
+      <a:lightRig rig="threePt" dir="t"/>
+    </dgm:scene3d>
+    <dgm:sp3d/>
+    <dgm:txPr/>
+    <dgm:style>
+      <a:lnRef idx="2">
+        <a:scrgbClr r="0" g="0" b="0"/>
+      </a:lnRef>
+      <a:fillRef idx="1">
+        <a:scrgbClr r="0" g="0" b="0"/>
+      </a:fillRef>
+      <a:effectRef idx="0">
+        <a:scrgbClr r="0" g="0" b="0"/>
+      </a:effectRef>
+      <a:fontRef idx="minor">
+        <a:schemeClr val="lt1"/>
+      </a:fontRef>
+    </dgm:style>
+  </dgm:styleLbl>
+  <dgm:styleLbl name="parChTrans1D1">
+    <dgm:scene3d>
+      <a:camera prst="orthographicFront"/>
+      <a:lightRig rig="threePt" dir="t"/>
+    </dgm:scene3d>
+    <dgm:sp3d/>
+    <dgm:txPr/>
+    <dgm:style>
+      <a:lnRef idx="2">
+        <a:scrgbClr r="0" g="0" b="0"/>
+      </a:lnRef>
+      <a:fillRef idx="0">
+        <a:scrgbClr r="0" g="0" b="0"/>
+      </a:fillRef>
+      <a:effectRef idx="0">
+        <a:scrgbClr r="0" g="0" b="0"/>
+      </a:effectRef>
+      <a:fontRef idx="minor"/>
+    </dgm:style>
+  </dgm:styleLbl>
+  <dgm:styleLbl name="parChTrans1D2">
+    <dgm:scene3d>
+      <a:camera prst="orthographicFront"/>
+      <a:lightRig rig="threePt" dir="t"/>
+    </dgm:scene3d>
+    <dgm:sp3d/>
+    <dgm:txPr/>
+    <dgm:style>
+      <a:lnRef idx="2">
+        <a:scrgbClr r="0" g="0" b="0"/>
+      </a:lnRef>
+      <a:fillRef idx="0">
+        <a:scrgbClr r="0" g="0" b="0"/>
+      </a:fillRef>
+      <a:effectRef idx="0">
+        <a:scrgbClr r="0" g="0" b="0"/>
+      </a:effectRef>
+      <a:fontRef idx="minor"/>
+    </dgm:style>
+  </dgm:styleLbl>
+  <dgm:styleLbl name="parChTrans1D3">
+    <dgm:scene3d>
+      <a:camera prst="orthographicFront"/>
+      <a:lightRig rig="threePt" dir="t"/>
+    </dgm:scene3d>
+    <dgm:sp3d/>
+    <dgm:txPr/>
+    <dgm:style>
+      <a:lnRef idx="2">
+        <a:scrgbClr r="0" g="0" b="0"/>
+      </a:lnRef>
+      <a:fillRef idx="0">
+        <a:scrgbClr r="0" g="0" b="0"/>
+      </a:fillRef>
+      <a:effectRef idx="0">
+        <a:scrgbClr r="0" g="0" b="0"/>
+      </a:effectRef>
+      <a:fontRef idx="minor"/>
+    </dgm:style>
+  </dgm:styleLbl>
+  <dgm:styleLbl name="parChTrans1D4">
+    <dgm:scene3d>
+      <a:camera prst="orthographicFront"/>
+      <a:lightRig rig="threePt" dir="t"/>
+    </dgm:scene3d>
+    <dgm:sp3d/>
+    <dgm:txPr/>
+    <dgm:style>
+      <a:lnRef idx="2">
+        <a:scrgbClr r="0" g="0" b="0"/>
+      </a:lnRef>
+      <a:fillRef idx="0">
+        <a:scrgbClr r="0" g="0" b="0"/>
+      </a:fillRef>
+      <a:effectRef idx="0">
+        <a:scrgbClr r="0" g="0" b="0"/>
+      </a:effectRef>
+      <a:fontRef idx="minor"/>
+    </dgm:style>
+  </dgm:styleLbl>
+  <dgm:styleLbl name="fgAcc1">
+    <dgm:scene3d>
+      <a:camera prst="orthographicFront"/>
+      <a:lightRig rig="threePt" dir="t"/>
+    </dgm:scene3d>
+    <dgm:sp3d/>
+    <dgm:txPr/>
+    <dgm:style>
+      <a:lnRef idx="2">
+        <a:scrgbClr r="0" g="0" b="0"/>
+      </a:lnRef>
+      <a:fillRef idx="1">
+        <a:scrgbClr r="0" g="0" b="0"/>
+      </a:fillRef>
+      <a:effectRef idx="0">
+        <a:scrgbClr r="0" g="0" b="0"/>
+      </a:effectRef>
+      <a:fontRef idx="minor"/>
+    </dgm:style>
+  </dgm:styleLbl>
+  <dgm:styleLbl name="conFgAcc1">
+    <dgm:scene3d>
+      <a:camera prst="orthographicFront"/>
+      <a:lightRig rig="threePt" dir="t"/>
+    </dgm:scene3d>
+    <dgm:sp3d/>
+    <dgm:txPr/>
+    <dgm:style>
+      <a:lnRef idx="2">
+        <a:scrgbClr r="0" g="0" b="0"/>
+      </a:lnRef>
+      <a:fillRef idx="1">
+        <a:scrgbClr r="0" g="0" b="0"/>
+      </a:fillRef>
+      <a:effectRef idx="0">
+        <a:scrgbClr r="0" g="0" b="0"/>
+      </a:effectRef>
+      <a:fontRef idx="minor"/>
+    </dgm:style>
+  </dgm:styleLbl>
+  <dgm:styleLbl name="alignAcc1">
+    <dgm:scene3d>
+      <a:camera prst="orthographicFront"/>
+      <a:lightRig rig="threePt" dir="t"/>
+    </dgm:scene3d>
+    <dgm:sp3d/>
+    <dgm:txPr/>
+    <dgm:style>
+      <a:lnRef idx="2">
+        <a:scrgbClr r="0" g="0" b="0"/>
+      </a:lnRef>
+      <a:fillRef idx="1">
+        <a:scrgbClr r="0" g="0" b="0"/>
+      </a:fillRef>
+      <a:effectRef idx="0">
+        <a:scrgbClr r="0" g="0" b="0"/>
+      </a:effectRef>
+      <a:fontRef idx="minor"/>
+    </dgm:style>
+  </dgm:styleLbl>
+  <dgm:styleLbl name="trAlignAcc1">
+    <dgm:scene3d>
+      <a:camera prst="orthographicFront"/>
+      <a:lightRig rig="threePt" dir="t"/>
+    </dgm:scene3d>
+    <dgm:sp3d/>
+    <dgm:txPr/>
+    <dgm:style>
+      <a:lnRef idx="1">
+        <a:scrgbClr r="0" g="0" b="0"/>
+      </a:lnRef>
+      <a:fillRef idx="1">
+        <a:scrgbClr r="0" g="0" b="0"/>
+      </a:fillRef>
+      <a:effectRef idx="0">
+        <a:scrgbClr r="0" g="0" b="0"/>
+      </a:effectRef>
+      <a:fontRef idx="minor"/>
+    </dgm:style>
+  </dgm:styleLbl>
+  <dgm:styleLbl name="bgAcc1">
+    <dgm:scene3d>
+      <a:camera prst="orthographicFront"/>
+      <a:lightRig rig="threePt" dir="t"/>
+    </dgm:scene3d>
+    <dgm:sp3d/>
+    <dgm:txPr/>
+    <dgm:style>
+      <a:lnRef idx="2">
+        <a:scrgbClr r="0" g="0" b="0"/>
+      </a:lnRef>
+      <a:fillRef idx="1">
+        <a:scrgbClr r="0" g="0" b="0"/>
+      </a:fillRef>
+      <a:effectRef idx="0">
+        <a:scrgbClr r="0" g="0" b="0"/>
+      </a:effectRef>
+      <a:fontRef idx="minor"/>
+    </dgm:style>
+  </dgm:styleLbl>
+  <dgm:styleLbl name="solidFgAcc1">
+    <dgm:scene3d>
+      <a:camera prst="orthographicFront"/>
+      <a:lightRig rig="threePt" dir="t"/>
+    </dgm:scene3d>
+    <dgm:sp3d/>
+    <dgm:txPr/>
+    <dgm:style>
+      <a:lnRef idx="2">
+        <a:scrgbClr r="0" g="0" b="0"/>
+      </a:lnRef>
+      <a:fillRef idx="1">
+        <a:scrgbClr r="0" g="0" b="0"/>
+      </a:fillRef>
+      <a:effectRef idx="0">
+        <a:scrgbClr r="0" g="0" b="0"/>
+      </a:effectRef>
+      <a:fontRef idx="minor"/>
+    </dgm:style>
+  </dgm:styleLbl>
+  <dgm:styleLbl name="solidAlignAcc1">
+    <dgm:scene3d>
+      <a:camera prst="orthographicFront"/>
+      <a:lightRig rig="threePt" dir="t"/>
+    </dgm:scene3d>
+    <dgm:sp3d/>
+    <dgm:txPr/>
+    <dgm:style>
+      <a:lnRef idx="2">
+        <a:scrgbClr r="0" g="0" b="0"/>
+      </a:lnRef>
+      <a:fillRef idx="1">
+        <a:scrgbClr r="0" g="0" b="0"/>
+      </a:fillRef>
+      <a:effectRef idx="0">
+        <a:scrgbClr r="0" g="0" b="0"/>
+      </a:effectRef>
+      <a:fontRef idx="minor"/>
+    </dgm:style>
+  </dgm:styleLbl>
+  <dgm:styleLbl name="solidBgAcc1">
+    <dgm:scene3d>
+      <a:camera prst="orthographicFront"/>
+      <a:lightRig rig="threePt" dir="t"/>
+    </dgm:scene3d>
+    <dgm:sp3d/>
+    <dgm:txPr/>
+    <dgm:style>
+      <a:lnRef idx="2">
+        <a:scrgbClr r="0" g="0" b="0"/>
+      </a:lnRef>
+      <a:fillRef idx="1">
+        <a:scrgbClr r="0" g="0" b="0"/>
+      </a:fillRef>
+      <a:effectRef idx="0">
+        <a:scrgbClr r="0" g="0" b="0"/>
+      </a:effectRef>
+      <a:fontRef idx="minor"/>
+    </dgm:style>
+  </dgm:styleLbl>
+  <dgm:styleLbl name="fgAccFollowNode1">
+    <dgm:scene3d>
+      <a:camera prst="orthographicFront"/>
+      <a:lightRig rig="threePt" dir="t"/>
+    </dgm:scene3d>
+    <dgm:sp3d/>
+    <dgm:txPr/>
+    <dgm:style>
+      <a:lnRef idx="2">
+        <a:scrgbClr r="0" g="0" b="0"/>
+      </a:lnRef>
+      <a:fillRef idx="1">
+        <a:scrgbClr r="0" g="0" b="0"/>
+      </a:fillRef>
+      <a:effectRef idx="0">
+        <a:scrgbClr r="0" g="0" b="0"/>
+      </a:effectRef>
+      <a:fontRef idx="minor"/>
+    </dgm:style>
+  </dgm:styleLbl>
+  <dgm:styleLbl name="alignAccFollowNode1">
+    <dgm:scene3d>
+      <a:camera prst="orthographicFront"/>
+      <a:lightRig rig="threePt" dir="t"/>
+    </dgm:scene3d>
+    <dgm:sp3d/>
+    <dgm:txPr/>
+    <dgm:style>
+      <a:lnRef idx="2">
+        <a:scrgbClr r="0" g="0" b="0"/>
+      </a:lnRef>
+      <a:fillRef idx="1">
+        <a:scrgbClr r="0" g="0" b="0"/>
+      </a:fillRef>
+      <a:effectRef idx="0">
+        <a:scrgbClr r="0" g="0" b="0"/>
+      </a:effectRef>
+      <a:fontRef idx="minor"/>
+    </dgm:style>
+  </dgm:styleLbl>
+  <dgm:styleLbl name="bgAccFollowNode1">
+    <dgm:scene3d>
+      <a:camera prst="orthographicFront"/>
+      <a:lightRig rig="threePt" dir="t"/>
+    </dgm:scene3d>
+    <dgm:sp3d/>
+    <dgm:txPr/>
+    <dgm:style>
+      <a:lnRef idx="2">
+        <a:scrgbClr r="0" g="0" b="0"/>
+      </a:lnRef>
+      <a:fillRef idx="1">
+        <a:scrgbClr r="0" g="0" b="0"/>
+      </a:fillRef>
+      <a:effectRef idx="0">
+        <a:scrgbClr r="0" g="0" b="0"/>
+      </a:effectRef>
+      <a:fontRef idx="minor"/>
+    </dgm:style>
+  </dgm:styleLbl>
+  <dgm:styleLbl name="fgAcc0">
+    <dgm:scene3d>
+      <a:camera prst="orthographicFront"/>
+      <a:lightRig rig="threePt" dir="t"/>
+    </dgm:scene3d>
+    <dgm:sp3d/>
+    <dgm:txPr/>
+    <dgm:style>
+      <a:lnRef idx="2">
+        <a:scrgbClr r="0" g="0" b="0"/>
+      </a:lnRef>
+      <a:fillRef idx="1">
+        <a:scrgbClr r="0" g="0" b="0"/>
+      </a:fillRef>
+      <a:effectRef idx="0">
+        <a:scrgbClr r="0" g="0" b="0"/>
+      </a:effectRef>
+      <a:fontRef idx="minor"/>
+    </dgm:style>
+  </dgm:styleLbl>
+  <dgm:styleLbl name="fgAcc2">
+    <dgm:scene3d>
+      <a:camera prst="orthographicFront"/>
+      <a:lightRig rig="threePt" dir="t"/>
+    </dgm:scene3d>
+    <dgm:sp3d/>
+    <dgm:txPr/>
+    <dgm:style>
+      <a:lnRef idx="2">
+        <a:scrgbClr r="0" g="0" b="0"/>
+      </a:lnRef>
+      <a:fillRef idx="1">
+        <a:scrgbClr r="0" g="0" b="0"/>
+      </a:fillRef>
+      <a:effectRef idx="0">
+        <a:scrgbClr r="0" g="0" b="0"/>
+      </a:effectRef>
+      <a:fontRef idx="minor"/>
+    </dgm:style>
+  </dgm:styleLbl>
+  <dgm:styleLbl name="fgAcc3">
+    <dgm:scene3d>
+      <a:camera prst="orthographicFront"/>
+      <a:lightRig rig="threePt" dir="t"/>
+    </dgm:scene3d>
+    <dgm:sp3d/>
+    <dgm:txPr/>
+    <dgm:style>
+      <a:lnRef idx="2">
+        <a:scrgbClr r="0" g="0" b="0"/>
+      </a:lnRef>
+      <a:fillRef idx="1">
+        <a:scrgbClr r="0" g="0" b="0"/>
+      </a:fillRef>
+      <a:effectRef idx="0">
+        <a:scrgbClr r="0" g="0" b="0"/>
+      </a:effectRef>
+      <a:fontRef idx="minor"/>
+    </dgm:style>
+  </dgm:styleLbl>
+  <dgm:styleLbl name="fgAcc4">
+    <dgm:scene3d>
+      <a:camera prst="orthographicFront"/>
+      <a:lightRig rig="threePt" dir="t"/>
+    </dgm:scene3d>
+    <dgm:sp3d/>
+    <dgm:txPr/>
+    <dgm:style>
+      <a:lnRef idx="2">
+        <a:scrgbClr r="0" g="0" b="0"/>
+      </a:lnRef>
+      <a:fillRef idx="1">
+        <a:scrgbClr r="0" g="0" b="0"/>
+      </a:fillRef>
+      <a:effectRef idx="0">
+        <a:scrgbClr r="0" g="0" b="0"/>
+      </a:effectRef>
+      <a:fontRef idx="minor"/>
+    </dgm:style>
+  </dgm:styleLbl>
+  <dgm:styleLbl name="bgShp">
+    <dgm:scene3d>
+      <a:camera prst="orthographicFront"/>
+      <a:lightRig rig="threePt" dir="t"/>
+    </dgm:scene3d>
+    <dgm:sp3d/>
+    <dgm:txPr/>
+    <dgm:style>
+      <a:lnRef idx="0">
+        <a:scrgbClr r="0" g="0" b="0"/>
+      </a:lnRef>
+      <a:fillRef idx="1">
+        <a:scrgbClr r="0" g="0" b="0"/>
+      </a:fillRef>
+      <a:effectRef idx="0">
+        <a:scrgbClr r="0" g="0" b="0"/>
+      </a:effectRef>
+      <a:fontRef idx="minor"/>
+    </dgm:style>
+  </dgm:styleLbl>
+  <dgm:styleLbl name="dkBgShp">
+    <dgm:scene3d>
+      <a:camera prst="orthographicFront"/>
+      <a:lightRig rig="threePt" dir="t"/>
+    </dgm:scene3d>
+    <dgm:sp3d/>
+    <dgm:txPr/>
+    <dgm:style>
+      <a:lnRef idx="0">
+        <a:scrgbClr r="0" g="0" b="0"/>
+      </a:lnRef>
+      <a:fillRef idx="1">
+        <a:scrgbClr r="0" g="0" b="0"/>
+      </a:fillRef>
+      <a:effectRef idx="0">
+        <a:scrgbClr r="0" g="0" b="0"/>
+      </a:effectRef>
+      <a:fontRef idx="minor"/>
+    </dgm:style>
+  </dgm:styleLbl>
+  <dgm:styleLbl name="trBgShp">
+    <dgm:scene3d>
+      <a:camera prst="orthographicFront"/>
+      <a:lightRig rig="threePt" dir="t"/>
+    </dgm:scene3d>
+    <dgm:sp3d/>
+    <dgm:txPr/>
+    <dgm:style>
+      <a:lnRef idx="0">
+        <a:scrgbClr r="0" g="0" b="0"/>
+      </a:lnRef>
+      <a:fillRef idx="1">
+        <a:scrgbClr r="0" g="0" b="0"/>
+      </a:fillRef>
+      <a:effectRef idx="0">
+        <a:scrgbClr r="0" g="0" b="0"/>
+      </a:effectRef>
+      <a:fontRef idx="minor"/>
+    </dgm:style>
+  </dgm:styleLbl>
+  <dgm:styleLbl name="fgShp">
+    <dgm:scene3d>
+      <a:camera prst="orthographicFront"/>
+      <a:lightRig rig="threePt" dir="t"/>
+    </dgm:scene3d>
+    <dgm:sp3d/>
+    <dgm:txPr/>
+    <dgm:style>
+      <a:lnRef idx="2">
+        <a:scrgbClr r="0" g="0" b="0"/>
+      </a:lnRef>
+      <a:fillRef idx="1">
+        <a:scrgbClr r="0" g="0" b="0"/>
+      </a:fillRef>
+      <a:effectRef idx="0">
+        <a:scrgbClr r="0" g="0" b="0"/>
+      </a:effectRef>
+      <a:fontRef idx="minor"/>
+    </dgm:style>
+  </dgm:styleLbl>
+  <dgm:styleLbl name="revTx">
+    <dgm:scene3d>
+      <a:camera prst="orthographicFront"/>
+      <a:lightRig rig="threePt" dir="t"/>
+    </dgm:scene3d>
+    <dgm:sp3d/>
+    <dgm:txPr/>
+    <dgm:style>
+      <a:lnRef idx="0">
+        <a:scrgbClr r="0" g="0" b="0"/>
+      </a:lnRef>
+      <a:fillRef idx="0">
+        <a:scrgbClr r="0" g="0" b="0"/>
+      </a:fillRef>
+      <a:effectRef idx="0">
+        <a:scrgbClr r="0" g="0" b="0"/>
+      </a:effectRef>
+      <a:fontRef idx="minor"/>
+    </dgm:style>
+  </dgm:styleLbl>
+</dgm:styleDef>
+</file>
+
 <file path=ppt/handoutMasters/handoutMaster1.xml><?xml version="1.0" encoding="utf-8"?>
 <p:handoutMaster xmlns:a="http://schemas.openxmlformats.org/drawingml/2006/main" xmlns:r="http://schemas.openxmlformats.org/officeDocument/2006/relationships" xmlns:p="http://schemas.openxmlformats.org/presentationml/2006/main">
   <p:cSld>
@@ -12223,7 +18306,7 @@
           <a:p>
             <a:fld id="{80680FBE-A8DF-4758-9AC4-3A9E1039168F}" type="datetimeFigureOut">
               <a:rPr lang="en-US" smtClean="0"/>
-              <a:t>1/3/2018</a:t>
+              <a:t>1/5/2018</a:t>
             </a:fld>
             <a:endParaRPr lang="en-US"/>
           </a:p>
@@ -12388,7 +18471,7 @@
           <a:p>
             <a:fld id="{EC13577B-6902-467D-A26C-08A0DD5E4E03}" type="datetimeFigureOut">
               <a:rPr lang="en-US" smtClean="0"/>
-              <a:t>1/3/2018</a:t>
+              <a:t>1/5/2018</a:t>
             </a:fld>
             <a:endParaRPr lang="en-US"/>
           </a:p>
@@ -12903,7 +18986,7 @@
           <a:p>
             <a:fld id="{DF61EA0F-A667-4B49-8422-0062BC55E249}" type="slidenum">
               <a:rPr lang="en-US" smtClean="0"/>
-              <a:t>15</a:t>
+              <a:t>14</a:t>
             </a:fld>
             <a:endParaRPr lang="en-US"/>
           </a:p>
@@ -12992,7 +19075,7 @@
           <a:p>
             <a:fld id="{DF61EA0F-A667-4B49-8422-0062BC55E249}" type="slidenum">
               <a:rPr lang="en-US" smtClean="0"/>
-              <a:t>18</a:t>
+              <a:t>17</a:t>
             </a:fld>
             <a:endParaRPr lang="en-US"/>
           </a:p>
@@ -13089,7 +19172,7 @@
           <a:p>
             <a:fld id="{DF61EA0F-A667-4B49-8422-0062BC55E249}" type="slidenum">
               <a:rPr lang="en-US" smtClean="0"/>
-              <a:t>19</a:t>
+              <a:t>18</a:t>
             </a:fld>
             <a:endParaRPr lang="en-US"/>
           </a:p>
@@ -13547,7 +19630,7 @@
             <a:fld id="{8BEEBAAA-29B5-4AF5-BC5F-7E580C29002D}" type="datetimeFigureOut">
               <a:rPr lang="en-US" smtClean="0"/>
               <a:pPr/>
-              <a:t>1/3/2018</a:t>
+              <a:t>1/5/2018</a:t>
             </a:fld>
             <a:endParaRPr lang="en-US" dirty="0"/>
           </a:p>
@@ -14208,7 +20291,7 @@
             <a:fld id="{8BEEBAAA-29B5-4AF5-BC5F-7E580C29002D}" type="datetimeFigureOut">
               <a:rPr lang="en-US" smtClean="0"/>
               <a:pPr/>
-              <a:t>1/3/2018</a:t>
+              <a:t>1/5/2018</a:t>
             </a:fld>
             <a:endParaRPr lang="en-US" dirty="0"/>
           </a:p>
@@ -14700,46 +20783,20 @@
                   <a:schemeClr val="bg1"/>
                 </a:solidFill>
               </a:rPr>
-              <a:t> Web API </a:t>
+              <a:t> Web </a:t>
+            </a:r>
+            <a:r>
+              <a:rPr lang="en-US" sz="4800" dirty="0" smtClean="0">
+                <a:solidFill>
+                  <a:schemeClr val="bg1"/>
+                </a:solidFill>
+              </a:rPr>
+              <a:t>API Parte 1 </a:t>
             </a:r>
             <a:endParaRPr lang="en-US" sz="4800" dirty="0">
               <a:solidFill>
                 <a:schemeClr val="bg1"/>
               </a:solidFill>
-            </a:endParaRPr>
-          </a:p>
-        </p:txBody>
-      </p:sp>
-      <p:sp>
-        <p:nvSpPr>
-          <p:cNvPr id="3" name="Subtitle 2"/>
-          <p:cNvSpPr>
-            <a:spLocks noGrp="1"/>
-          </p:cNvSpPr>
-          <p:nvPr>
-            <p:ph type="subTitle" idx="4294967295"/>
-          </p:nvPr>
-        </p:nvSpPr>
-        <p:spPr>
-          <a:xfrm>
-            <a:off x="855620" y="2933105"/>
-            <a:ext cx="9582736" cy="1137793"/>
-          </a:xfrm>
-        </p:spPr>
-        <p:txBody>
-          <a:bodyPr>
-            <a:normAutofit/>
-          </a:bodyPr>
-          <a:lstStyle/>
-          <a:p>
-            <a:pPr marL="0" indent="0">
-              <a:buNone/>
-            </a:pPr>
-            <a:endParaRPr lang="en-US" sz="2400" dirty="0">
-              <a:solidFill>
-                <a:schemeClr val="bg1"/>
-              </a:solidFill>
-              <a:latin typeface="+mj-lt"/>
             </a:endParaRPr>
           </a:p>
         </p:txBody>
@@ -14754,230 +20811,6 @@
   <p:clrMapOvr>
     <a:masterClrMapping/>
   </p:clrMapOvr>
-</p:sld>
-</file>
-
-<file path=ppt/slides/slide10.xml><?xml version="1.0" encoding="utf-8"?>
-<p:sld xmlns:a="http://schemas.openxmlformats.org/drawingml/2006/main" xmlns:r="http://schemas.openxmlformats.org/officeDocument/2006/relationships" xmlns:p="http://schemas.openxmlformats.org/presentationml/2006/main">
-  <p:cSld>
-    <p:spTree>
-      <p:nvGrpSpPr>
-        <p:cNvPr id="1" name=""/>
-        <p:cNvGrpSpPr/>
-        <p:nvPr/>
-      </p:nvGrpSpPr>
-      <p:grpSpPr>
-        <a:xfrm>
-          <a:off x="0" y="0"/>
-          <a:ext cx="0" cy="0"/>
-          <a:chOff x="0" y="0"/>
-          <a:chExt cx="0" cy="0"/>
-        </a:xfrm>
-      </p:grpSpPr>
-      <p:sp>
-        <p:nvSpPr>
-          <p:cNvPr id="3" name="Title 2"/>
-          <p:cNvSpPr>
-            <a:spLocks noGrp="1"/>
-          </p:cNvSpPr>
-          <p:nvPr>
-            <p:ph type="title"/>
-          </p:nvPr>
-        </p:nvSpPr>
-        <p:spPr/>
-        <p:txBody>
-          <a:bodyPr/>
-          <a:lstStyle/>
-          <a:p>
-            <a:r>
-              <a:rPr lang="en-US" dirty="0">
-                <a:latin typeface="Segoe UI Light" panose="020B0502040204020203" pitchFamily="34" charset="0"/>
-                <a:cs typeface="Segoe UI Light" panose="020B0502040204020203" pitchFamily="34" charset="0"/>
-              </a:rPr>
-              <a:t>Hypermedia</a:t>
-            </a:r>
-          </a:p>
-        </p:txBody>
-      </p:sp>
-      <p:sp>
-        <p:nvSpPr>
-          <p:cNvPr id="5" name="Content Placeholder 4"/>
-          <p:cNvSpPr>
-            <a:spLocks noGrp="1"/>
-          </p:cNvSpPr>
-          <p:nvPr>
-            <p:ph sz="half" idx="4294967295"/>
-          </p:nvPr>
-        </p:nvSpPr>
-        <p:spPr>
-          <a:xfrm>
-            <a:off x="541610" y="1431010"/>
-            <a:ext cx="11071270" cy="750487"/>
-          </a:xfrm>
-        </p:spPr>
-        <p:txBody>
-          <a:bodyPr vert="horz" lIns="91440" tIns="45720" rIns="91440" bIns="45720" rtlCol="0">
-            <a:normAutofit/>
-          </a:bodyPr>
-          <a:lstStyle/>
-          <a:p>
-            <a:pPr>
-              <a:lnSpc>
-                <a:spcPts val="1800"/>
-              </a:lnSpc>
-              <a:spcAft>
-                <a:spcPts val="600"/>
-              </a:spcAft>
-            </a:pPr>
-            <a:r>
-              <a:rPr lang="pt-BR" sz="1600" dirty="0" smtClean="0"/>
-              <a:t>Ao </a:t>
-            </a:r>
-            <a:r>
-              <a:rPr lang="pt-BR" sz="1600" dirty="0"/>
-              <a:t>responder uma requisição, além do que normalmente retornamos, a ideia é também retornar dados sobre o que pode ser feito em seguida. </a:t>
-            </a:r>
-            <a:r>
-              <a:rPr lang="pt-BR" sz="1600" dirty="0" smtClean="0"/>
-              <a:t>Exemplo :</a:t>
-            </a:r>
-          </a:p>
-          <a:p>
-            <a:pPr>
-              <a:lnSpc>
-                <a:spcPts val="1800"/>
-              </a:lnSpc>
-              <a:spcAft>
-                <a:spcPts val="600"/>
-              </a:spcAft>
-            </a:pPr>
-            <a:endParaRPr lang="pt-BR" sz="1200" dirty="0">
-              <a:solidFill>
-                <a:prstClr val="black">
-                  <a:lumMod val="75000"/>
-                  <a:lumOff val="25000"/>
-                </a:prstClr>
-              </a:solidFill>
-              <a:latin typeface="Segoe UI" panose="020B0502040204020203" pitchFamily="34" charset="0"/>
-              <a:cs typeface="Segoe UI" panose="020B0502040204020203" pitchFamily="34" charset="0"/>
-            </a:endParaRPr>
-          </a:p>
-          <a:p>
-            <a:pPr>
-              <a:lnSpc>
-                <a:spcPts val="1800"/>
-              </a:lnSpc>
-              <a:spcAft>
-                <a:spcPts val="600"/>
-              </a:spcAft>
-            </a:pPr>
-            <a:endParaRPr lang="en-US" sz="1200" dirty="0">
-              <a:solidFill>
-                <a:prstClr val="black">
-                  <a:lumMod val="75000"/>
-                  <a:lumOff val="25000"/>
-                </a:prstClr>
-              </a:solidFill>
-              <a:latin typeface="Segoe UI" panose="020B0502040204020203" pitchFamily="34" charset="0"/>
-              <a:cs typeface="Segoe UI" panose="020B0502040204020203" pitchFamily="34" charset="0"/>
-            </a:endParaRPr>
-          </a:p>
-        </p:txBody>
-      </p:sp>
-      <p:pic>
-        <p:nvPicPr>
-          <p:cNvPr id="8" name="Picture 7"/>
-          <p:cNvPicPr>
-            <a:picLocks noChangeAspect="1"/>
-          </p:cNvPicPr>
-          <p:nvPr/>
-        </p:nvPicPr>
-        <p:blipFill>
-          <a:blip r:embed="rId2"/>
-          <a:stretch>
-            <a:fillRect/>
-          </a:stretch>
-        </p:blipFill>
-        <p:spPr>
-          <a:xfrm>
-            <a:off x="1376362" y="2147887"/>
-            <a:ext cx="9439275" cy="2562225"/>
-          </a:xfrm>
-          <a:prstGeom prst="rect">
-            <a:avLst/>
-          </a:prstGeom>
-        </p:spPr>
-      </p:pic>
-      <p:sp>
-        <p:nvSpPr>
-          <p:cNvPr id="9" name="Rectangle 8"/>
-          <p:cNvSpPr/>
-          <p:nvPr/>
-        </p:nvSpPr>
-        <p:spPr>
-          <a:xfrm>
-            <a:off x="541610" y="4858771"/>
-            <a:ext cx="11071270" cy="923330"/>
-          </a:xfrm>
-          <a:prstGeom prst="rect">
-            <a:avLst/>
-          </a:prstGeom>
-        </p:spPr>
-        <p:txBody>
-          <a:bodyPr wrap="square">
-            <a:spAutoFit/>
-          </a:bodyPr>
-          <a:lstStyle/>
-          <a:p>
-            <a:r>
-              <a:rPr lang="pt-BR" dirty="0">
-                <a:solidFill>
-                  <a:srgbClr val="242729"/>
-                </a:solidFill>
-                <a:latin typeface="Arial" panose="020B0604020202020204" pitchFamily="34" charset="0"/>
-              </a:rPr>
-              <a:t>Uma mudança no servidor (digamos, a inclusão de um novo campo na página) não demanda uma mudança no cliente, pois quaisquer ações relacionadas a ela estarão representadas na forma de hipermídia, e o </a:t>
-            </a:r>
-            <a:r>
-              <a:rPr lang="pt-BR" i="1" dirty="0">
-                <a:solidFill>
-                  <a:srgbClr val="242729"/>
-                </a:solidFill>
-                <a:latin typeface="Arial" panose="020B0604020202020204" pitchFamily="34" charset="0"/>
-              </a:rPr>
-              <a:t>browser</a:t>
-            </a:r>
-            <a:r>
-              <a:rPr lang="pt-BR" dirty="0">
-                <a:solidFill>
-                  <a:srgbClr val="242729"/>
-                </a:solidFill>
-                <a:latin typeface="Arial" panose="020B0604020202020204" pitchFamily="34" charset="0"/>
-              </a:rPr>
-              <a:t> sabe como invocá-las via o próprio protocolo HTTP.</a:t>
-            </a:r>
-            <a:endParaRPr lang="pt-BR" dirty="0"/>
-          </a:p>
-        </p:txBody>
-      </p:sp>
-    </p:spTree>
-    <p:extLst>
-      <p:ext uri="{BB962C8B-B14F-4D97-AF65-F5344CB8AC3E}">
-        <p14:creationId xmlns:p14="http://schemas.microsoft.com/office/powerpoint/2010/main" val="2280944056"/>
-      </p:ext>
-    </p:extLst>
-  </p:cSld>
-  <p:clrMapOvr>
-    <a:masterClrMapping/>
-  </p:clrMapOvr>
-  <mc:AlternateContent xmlns:mc="http://schemas.openxmlformats.org/markup-compatibility/2006" xmlns:p14="http://schemas.microsoft.com/office/powerpoint/2010/main">
-    <mc:Choice Requires="p14">
-      <p:transition p14:dur="10"/>
-    </mc:Choice>
-    <mc:Fallback xmlns="">
-      <p:transition/>
-    </mc:Fallback>
-  </mc:AlternateContent>
   <p:timing>
     <p:tnLst>
       <p:par>
@@ -14988,7 +20821,7 @@
 </p:sld>
 </file>
 
-<file path=ppt/slides/slide11.xml><?xml version="1.0" encoding="utf-8"?>
+<file path=ppt/slides/slide10.xml><?xml version="1.0" encoding="utf-8"?>
 <p:sld xmlns:a="http://schemas.openxmlformats.org/drawingml/2006/main" xmlns:r="http://schemas.openxmlformats.org/officeDocument/2006/relationships" xmlns:p="http://schemas.openxmlformats.org/presentationml/2006/main">
   <p:cSld>
     <p:spTree>
@@ -15143,7 +20976,7 @@
 </p:sld>
 </file>
 
-<file path=ppt/slides/slide12.xml><?xml version="1.0" encoding="utf-8"?>
+<file path=ppt/slides/slide11.xml><?xml version="1.0" encoding="utf-8"?>
 <p:sld xmlns:a="http://schemas.openxmlformats.org/drawingml/2006/main" xmlns:r="http://schemas.openxmlformats.org/officeDocument/2006/relationships" xmlns:p="http://schemas.openxmlformats.org/presentationml/2006/main" show="0">
   <p:cSld>
     <p:spTree>
@@ -15350,7 +21183,7 @@
 </p:sld>
 </file>
 
-<file path=ppt/slides/slide13.xml><?xml version="1.0" encoding="utf-8"?>
+<file path=ppt/slides/slide12.xml><?xml version="1.0" encoding="utf-8"?>
 <p:sld xmlns:a="http://schemas.openxmlformats.org/drawingml/2006/main" xmlns:r="http://schemas.openxmlformats.org/officeDocument/2006/relationships" xmlns:p="http://schemas.openxmlformats.org/presentationml/2006/main">
   <p:cSld>
     <p:spTree>
@@ -15696,7 +21529,7 @@
 </p:sld>
 </file>
 
-<file path=ppt/slides/slide14.xml><?xml version="1.0" encoding="utf-8"?>
+<file path=ppt/slides/slide13.xml><?xml version="1.0" encoding="utf-8"?>
 <p:sld xmlns:a="http://schemas.openxmlformats.org/drawingml/2006/main" xmlns:r="http://schemas.openxmlformats.org/officeDocument/2006/relationships" xmlns:p="http://schemas.openxmlformats.org/presentationml/2006/main">
   <p:cSld>
     <p:spTree>
@@ -15804,7 +21637,7 @@
 </p:sld>
 </file>
 
-<file path=ppt/slides/slide15.xml><?xml version="1.0" encoding="utf-8"?>
+<file path=ppt/slides/slide14.xml><?xml version="1.0" encoding="utf-8"?>
 <p:sld xmlns:a="http://schemas.openxmlformats.org/drawingml/2006/main" xmlns:r="http://schemas.openxmlformats.org/officeDocument/2006/relationships" xmlns:p="http://schemas.openxmlformats.org/presentationml/2006/main">
   <p:cSld>
     <p:spTree>
@@ -15856,7 +21689,7 @@
 </p:sld>
 </file>
 
-<file path=ppt/slides/slide16.xml><?xml version="1.0" encoding="utf-8"?>
+<file path=ppt/slides/slide15.xml><?xml version="1.0" encoding="utf-8"?>
 <p:sld xmlns:a="http://schemas.openxmlformats.org/drawingml/2006/main" xmlns:r="http://schemas.openxmlformats.org/officeDocument/2006/relationships" xmlns:p="http://schemas.openxmlformats.org/presentationml/2006/main">
   <p:cSld>
     <p:spTree>
@@ -15925,7 +21758,7 @@
         <p:spPr>
           <a:xfrm>
             <a:off x="521207" y="1332412"/>
-            <a:ext cx="11078610" cy="1754326"/>
+            <a:ext cx="11078610" cy="1200329"/>
           </a:xfrm>
           <a:prstGeom prst="rect">
             <a:avLst/>
@@ -15939,22 +21772,13 @@
           <a:p>
             <a:pPr fontAlgn="base"/>
             <a:r>
-              <a:rPr lang="pt-BR" dirty="0">
+              <a:rPr lang="pt-BR" dirty="0" smtClean="0">
                 <a:solidFill>
                   <a:srgbClr val="242729"/>
                 </a:solidFill>
                 <a:latin typeface="Arial" panose="020B0604020202020204" pitchFamily="34" charset="0"/>
               </a:rPr>
-              <a:t>É um </a:t>
-            </a:r>
-            <a:r>
-              <a:rPr lang="pt-BR" i="1" dirty="0">
-                <a:solidFill>
-                  <a:srgbClr val="242729"/>
-                </a:solidFill>
-                <a:latin typeface="inherit"/>
-              </a:rPr>
-              <a:t>Design Pattern</a:t>
+              <a:t>Tentando </a:t>
             </a:r>
             <a:r>
               <a:rPr lang="pt-BR" dirty="0">
@@ -15963,16 +21787,16 @@
                 </a:solidFill>
                 <a:latin typeface="Arial" panose="020B0604020202020204" pitchFamily="34" charset="0"/>
               </a:rPr>
-              <a:t> que prega um tipo de controle externo, um </a:t>
+              <a:t>melhorar: "O padrão de injeção de dependências visa remover dependências </a:t>
             </a:r>
             <a:r>
-              <a:rPr lang="pt-BR" i="1" dirty="0">
+              <a:rPr lang="pt-BR" b="1" dirty="0">
                 <a:solidFill>
                   <a:srgbClr val="242729"/>
                 </a:solidFill>
-                <a:latin typeface="inherit"/>
+                <a:latin typeface="Arial" panose="020B0604020202020204" pitchFamily="34" charset="0"/>
               </a:rPr>
-              <a:t>container</a:t>
+              <a:t>desnecessárias</a:t>
             </a:r>
             <a:r>
               <a:rPr lang="pt-BR" dirty="0">
@@ -15981,19 +21805,7 @@
                 </a:solidFill>
                 <a:latin typeface="Arial" panose="020B0604020202020204" pitchFamily="34" charset="0"/>
               </a:rPr>
-              <a:t>, uma classe, configurações via arquivo, etc., inserir uma dependência em uma outra classe.</a:t>
-            </a:r>
-          </a:p>
-          <a:p>
-            <a:pPr fontAlgn="base"/>
-            <a:r>
-              <a:rPr lang="pt-BR" dirty="0">
-                <a:solidFill>
-                  <a:srgbClr val="242729"/>
-                </a:solidFill>
-                <a:latin typeface="Arial" panose="020B0604020202020204" pitchFamily="34" charset="0"/>
-              </a:rPr>
-              <a:t>Tentando melhorar: "O padrão de injeção de dependências visa remover dependências desnecessárias entre as classes</a:t>
+              <a:t> entre as classes</a:t>
             </a:r>
             <a:r>
               <a:rPr lang="pt-BR" dirty="0" smtClean="0">
@@ -16086,7 +21898,7 @@
 </p:sld>
 </file>
 
-<file path=ppt/slides/slide17.xml><?xml version="1.0" encoding="utf-8"?>
+<file path=ppt/slides/slide16.xml><?xml version="1.0" encoding="utf-8"?>
 <p:sld xmlns:a="http://schemas.openxmlformats.org/drawingml/2006/main" xmlns:r="http://schemas.openxmlformats.org/officeDocument/2006/relationships" xmlns:p="http://schemas.openxmlformats.org/presentationml/2006/main">
   <p:cSld>
     <p:spTree>
@@ -16243,7 +22055,7 @@
 </p:sld>
 </file>
 
-<file path=ppt/slides/slide18.xml><?xml version="1.0" encoding="utf-8"?>
+<file path=ppt/slides/slide17.xml><?xml version="1.0" encoding="utf-8"?>
 <p:sld xmlns:a="http://schemas.openxmlformats.org/drawingml/2006/main" xmlns:r="http://schemas.openxmlformats.org/officeDocument/2006/relationships" xmlns:p="http://schemas.openxmlformats.org/presentationml/2006/main">
   <p:cSld>
     <p:spTree>
@@ -16295,7 +22107,7 @@
 </p:sld>
 </file>
 
-<file path=ppt/slides/slide19.xml><?xml version="1.0" encoding="utf-8"?>
+<file path=ppt/slides/slide18.xml><?xml version="1.0" encoding="utf-8"?>
 <p:sld xmlns:a="http://schemas.openxmlformats.org/drawingml/2006/main" xmlns:r="http://schemas.openxmlformats.org/officeDocument/2006/relationships" xmlns:p="http://schemas.openxmlformats.org/presentationml/2006/main">
   <p:cSld>
     <p:spTree>
@@ -17019,6 +22831,13 @@
       <p:transition/>
     </mc:Fallback>
   </mc:AlternateContent>
+  <p:timing>
+    <p:tnLst>
+      <p:par>
+        <p:cTn id="1" dur="indefinite" restart="never" nodeType="tmRoot"/>
+      </p:par>
+    </p:tnLst>
+  </p:timing>
 </p:sld>
 </file>
 
@@ -17065,6 +22884,13 @@
   <p:clrMapOvr>
     <a:masterClrMapping/>
   </p:clrMapOvr>
+  <p:timing>
+    <p:tnLst>
+      <p:par>
+        <p:cTn id="1" dur="indefinite" restart="never" nodeType="tmRoot"/>
+      </p:par>
+    </p:tnLst>
+  </p:timing>
 </p:sld>
 </file>
 
@@ -18456,6 +24282,13 @@
       <p:transition/>
     </mc:Fallback>
   </mc:AlternateContent>
+  <p:timing>
+    <p:tnLst>
+      <p:par>
+        <p:cTn id="1" dur="indefinite" restart="never" nodeType="tmRoot"/>
+      </p:par>
+    </p:tnLst>
+  </p:timing>
 </p:sld>
 </file>
 
@@ -18505,95 +24338,28 @@
           </a:p>
         </p:txBody>
       </p:sp>
-      <p:sp>
-        <p:nvSpPr>
-          <p:cNvPr id="10" name="Rectangle 9"/>
-          <p:cNvSpPr/>
-          <p:nvPr/>
-        </p:nvSpPr>
-        <p:spPr>
-          <a:xfrm>
-            <a:off x="521207" y="1384663"/>
-            <a:ext cx="11039422" cy="2585323"/>
-          </a:xfrm>
-          <a:prstGeom prst="rect">
-            <a:avLst/>
-          </a:prstGeom>
-        </p:spPr>
-        <p:txBody>
-          <a:bodyPr wrap="square">
-            <a:spAutoFit/>
-          </a:bodyPr>
-          <a:lstStyle/>
-          <a:p>
-            <a:r>
-              <a:rPr lang="pt-BR" dirty="0">
-                <a:solidFill>
-                  <a:srgbClr val="444444"/>
-                </a:solidFill>
-                <a:latin typeface="Helvetica Neue"/>
-              </a:rPr>
-              <a:t>Um recurso é um elemento abstrato e que nos permite mapear qualquer coisa do mundo real como um elemento para acesso via Web</a:t>
-            </a:r>
-            <a:r>
-              <a:rPr lang="pt-BR" dirty="0" smtClean="0">
-                <a:solidFill>
-                  <a:srgbClr val="444444"/>
-                </a:solidFill>
-                <a:latin typeface="Helvetica Neue"/>
-              </a:rPr>
-              <a:t>.</a:t>
-            </a:r>
-          </a:p>
-          <a:p>
-            <a:endParaRPr lang="pt-BR" dirty="0" smtClean="0">
-              <a:solidFill>
-                <a:srgbClr val="444444"/>
-              </a:solidFill>
-              <a:latin typeface="Helvetica Neue"/>
-            </a:endParaRPr>
-          </a:p>
-          <a:p>
-            <a:r>
-              <a:rPr lang="pt-BR" dirty="0"/>
-              <a:t>A partir desse endereço, estamos aptos a acessar algum recurso, que poderia ser por exemplo, cursos ou alunos.</a:t>
-            </a:r>
-          </a:p>
-          <a:p>
-            <a:r>
-              <a:rPr lang="pt-BR" dirty="0"/>
-              <a:t>Dito isso, podemos verificar que ao acessarmos por exemplo, o endereço http</a:t>
-            </a:r>
-            <a:r>
-              <a:rPr lang="pt-BR" dirty="0" smtClean="0"/>
-              <a:t>://localhost/cursos</a:t>
-            </a:r>
-            <a:r>
-              <a:rPr lang="pt-BR" dirty="0"/>
-              <a:t>, é nos retornado uma representação HTML do recurso “cursos” (faça um teste no seu próprio navegador).</a:t>
-            </a:r>
-          </a:p>
-          <a:p>
-            <a:r>
-              <a:rPr lang="pt-BR" dirty="0"/>
-              <a:t>Da mesma forma, se acessarmos por exemplo, http</a:t>
-            </a:r>
-            <a:r>
-              <a:rPr lang="pt-BR" dirty="0" smtClean="0"/>
-              <a:t>://localhost/alunos</a:t>
-            </a:r>
-            <a:r>
-              <a:rPr lang="pt-BR" dirty="0"/>
-              <a:t>, podemos verificar que esse recurso não existe e que uma página indicando a resposta 404 nos será mostrada</a:t>
-            </a:r>
-            <a:r>
-              <a:rPr lang="pt-BR" dirty="0" smtClean="0"/>
-              <a:t>.</a:t>
-            </a:r>
-            <a:endParaRPr lang="pt-BR" dirty="0"/>
-          </a:p>
-        </p:txBody>
-      </p:sp>
+      <p:graphicFrame>
+        <p:nvGraphicFramePr>
+          <p:cNvPr id="4" name="Diagram 3"/>
+          <p:cNvGraphicFramePr/>
+          <p:nvPr>
+            <p:extLst>
+              <p:ext uri="{D42A27DB-BD31-4B8C-83A1-F6EECF244321}">
+                <p14:modId xmlns:p14="http://schemas.microsoft.com/office/powerpoint/2010/main" val="1383804693"/>
+              </p:ext>
+            </p:extLst>
+          </p:nvPr>
+        </p:nvGraphicFramePr>
+        <p:xfrm>
+          <a:off x="521207" y="1384664"/>
+          <a:ext cx="11039422" cy="5101862"/>
+        </p:xfrm>
+        <a:graphic>
+          <a:graphicData uri="http://schemas.openxmlformats.org/drawingml/2006/diagram">
+            <dgm:relIds xmlns:dgm="http://schemas.openxmlformats.org/drawingml/2006/diagram" xmlns:r="http://schemas.openxmlformats.org/officeDocument/2006/relationships" r:dm="rId2" r:lo="rId3" r:qs="rId4" r:cs="rId5"/>
+          </a:graphicData>
+        </a:graphic>
+      </p:graphicFrame>
     </p:spTree>
     <p:extLst>
       <p:ext uri="{BB962C8B-B14F-4D97-AF65-F5344CB8AC3E}">
@@ -18909,82 +24675,28 @@
           </a:p>
         </p:txBody>
       </p:sp>
-      <p:sp>
-        <p:nvSpPr>
-          <p:cNvPr id="2" name="Rectangle 1"/>
-          <p:cNvSpPr/>
-          <p:nvPr/>
-        </p:nvSpPr>
-        <p:spPr>
-          <a:xfrm>
-            <a:off x="521207" y="1384663"/>
-            <a:ext cx="11091673" cy="2585323"/>
-          </a:xfrm>
-          <a:prstGeom prst="rect">
-            <a:avLst/>
-          </a:prstGeom>
-        </p:spPr>
-        <p:txBody>
-          <a:bodyPr wrap="square">
-            <a:spAutoFit/>
-          </a:bodyPr>
-          <a:lstStyle/>
-          <a:p>
-            <a:r>
-              <a:rPr lang="pt-BR" b="1" dirty="0"/>
-              <a:t>Respostas</a:t>
-            </a:r>
-          </a:p>
-          <a:p>
-            <a:r>
-              <a:rPr lang="pt-BR" dirty="0"/>
-              <a:t>Baseado nos métodos que discutimos, o servidor deve processar cada uma das requisições e retornar uma resposta adequada. Veja um resumo de cada uma dessas respostas</a:t>
-            </a:r>
-            <a:r>
-              <a:rPr lang="pt-BR" dirty="0" smtClean="0"/>
-              <a:t>.</a:t>
-            </a:r>
-          </a:p>
-          <a:p>
-            <a:endParaRPr lang="pt-BR" dirty="0"/>
-          </a:p>
-          <a:p>
-            <a:pPr lvl="1"/>
-            <a:r>
-              <a:rPr lang="pt-BR" dirty="0"/>
-              <a:t>1XX – Informações Gerais</a:t>
-            </a:r>
-            <a:br>
-              <a:rPr lang="pt-BR" dirty="0"/>
-            </a:br>
-            <a:r>
-              <a:rPr lang="pt-BR" dirty="0"/>
-              <a:t>2XX – Sucesso</a:t>
-            </a:r>
-            <a:br>
-              <a:rPr lang="pt-BR" dirty="0"/>
-            </a:br>
-            <a:r>
-              <a:rPr lang="pt-BR" dirty="0"/>
-              <a:t>3XX – Redirecionamento</a:t>
-            </a:r>
-            <a:br>
-              <a:rPr lang="pt-BR" dirty="0"/>
-            </a:br>
-            <a:r>
-              <a:rPr lang="pt-BR" dirty="0"/>
-              <a:t>4XX – Erro no cliente</a:t>
-            </a:r>
-            <a:br>
-              <a:rPr lang="pt-BR" dirty="0"/>
-            </a:br>
-            <a:r>
-              <a:rPr lang="pt-BR" dirty="0"/>
-              <a:t>5XX – Erro no servidor</a:t>
-            </a:r>
-          </a:p>
-        </p:txBody>
-      </p:sp>
+      <p:graphicFrame>
+        <p:nvGraphicFramePr>
+          <p:cNvPr id="4" name="Diagram 3"/>
+          <p:cNvGraphicFramePr/>
+          <p:nvPr>
+            <p:extLst>
+              <p:ext uri="{D42A27DB-BD31-4B8C-83A1-F6EECF244321}">
+                <p14:modId xmlns:p14="http://schemas.microsoft.com/office/powerpoint/2010/main" val="2027825249"/>
+              </p:ext>
+            </p:extLst>
+          </p:nvPr>
+        </p:nvGraphicFramePr>
+        <p:xfrm>
+          <a:off x="521207" y="1384663"/>
+          <a:ext cx="11091673" cy="4558938"/>
+        </p:xfrm>
+        <a:graphic>
+          <a:graphicData uri="http://schemas.openxmlformats.org/drawingml/2006/diagram">
+            <dgm:relIds xmlns:dgm="http://schemas.openxmlformats.org/drawingml/2006/diagram" xmlns:r="http://schemas.openxmlformats.org/officeDocument/2006/relationships" r:dm="rId2" r:lo="rId3" r:qs="rId4" r:cs="rId5"/>
+          </a:graphicData>
+        </a:graphic>
+      </p:graphicFrame>
     </p:spTree>
     <p:extLst>
       <p:ext uri="{BB962C8B-B14F-4D97-AF65-F5344CB8AC3E}">
